--- a/materials/Week 1.pptx
+++ b/materials/Week 1.pptx
@@ -7,16 +7,17 @@
   <p:sldIdLst>
     <p:sldId id="256" r:id="rId2"/>
     <p:sldId id="258" r:id="rId3"/>
-    <p:sldId id="257" r:id="rId4"/>
-    <p:sldId id="259" r:id="rId5"/>
-    <p:sldId id="260" r:id="rId6"/>
-    <p:sldId id="261" r:id="rId7"/>
-    <p:sldId id="262" r:id="rId8"/>
-    <p:sldId id="263" r:id="rId9"/>
-    <p:sldId id="264" r:id="rId10"/>
-    <p:sldId id="265" r:id="rId11"/>
-    <p:sldId id="266" r:id="rId12"/>
-    <p:sldId id="267" r:id="rId13"/>
+    <p:sldId id="268" r:id="rId4"/>
+    <p:sldId id="257" r:id="rId5"/>
+    <p:sldId id="259" r:id="rId6"/>
+    <p:sldId id="260" r:id="rId7"/>
+    <p:sldId id="261" r:id="rId8"/>
+    <p:sldId id="262" r:id="rId9"/>
+    <p:sldId id="263" r:id="rId10"/>
+    <p:sldId id="264" r:id="rId11"/>
+    <p:sldId id="265" r:id="rId12"/>
+    <p:sldId id="266" r:id="rId13"/>
+    <p:sldId id="267" r:id="rId14"/>
   </p:sldIdLst>
   <p:sldSz cx="12192000" cy="6858000"/>
   <p:notesSz cx="6858000" cy="9144000"/>
@@ -115,13 +116,18 @@
       </a:defRPr>
     </a:lvl9pPr>
   </p:defaultTextStyle>
+  <p:extLst>
+    <p:ext uri="{EFAFB233-063F-42B5-8137-9DF3F51BA10A}">
+      <p15:sldGuideLst xmlns:p15="http://schemas.microsoft.com/office/powerpoint/2012/main"/>
+    </p:ext>
+  </p:extLst>
 </p:presentation>
 </file>
 
 <file path=ppt/revisionInfo.xml><?xml version="1.0" encoding="utf-8"?>
 <p1510:revInfo xmlns:a="http://schemas.openxmlformats.org/drawingml/2006/main" xmlns:r="http://schemas.openxmlformats.org/officeDocument/2006/relationships" xmlns:p1510="http://schemas.microsoft.com/office/powerpoint/2015/10/main">
   <p1510:revLst>
-    <p1510:client id="{5949BD17-CA86-4EE5-859F-08829D7B5BB0}" v="12" dt="2019-04-10T02:10:11.342"/>
+    <p1510:client id="{5949BD17-CA86-4EE5-859F-08829D7B5BB0}" v="13" dt="2019-04-11T01:53:57.704"/>
   </p1510:revLst>
 </p1510:revInfo>
 </file>
@@ -131,7 +137,7 @@
   <pc:docChgLst>
     <pc:chgData name="Chris Macintosh" userId="14dd4ef2642f5a57" providerId="LiveId" clId="{5949BD17-CA86-4EE5-859F-08829D7B5BB0}"/>
     <pc:docChg chg="addSld modSld">
-      <pc:chgData name="Chris Macintosh" userId="14dd4ef2642f5a57" providerId="LiveId" clId="{5949BD17-CA86-4EE5-859F-08829D7B5BB0}" dt="2019-04-10T02:10:48.462" v="194" actId="20577"/>
+      <pc:chgData name="Chris Macintosh" userId="14dd4ef2642f5a57" providerId="LiveId" clId="{5949BD17-CA86-4EE5-859F-08829D7B5BB0}" dt="2019-04-11T02:13:03.810" v="846" actId="20577"/>
       <pc:docMkLst>
         <pc:docMk/>
       </pc:docMkLst>
@@ -151,7 +157,7 @@
         </pc:spChg>
       </pc:sldChg>
       <pc:sldChg chg="modSp add">
-        <pc:chgData name="Chris Macintosh" userId="14dd4ef2642f5a57" providerId="LiveId" clId="{5949BD17-CA86-4EE5-859F-08829D7B5BB0}" dt="2019-04-10T01:47:48.765" v="45" actId="20577"/>
+        <pc:chgData name="Chris Macintosh" userId="14dd4ef2642f5a57" providerId="LiveId" clId="{5949BD17-CA86-4EE5-859F-08829D7B5BB0}" dt="2019-04-11T01:53:27.357" v="259" actId="20577"/>
         <pc:sldMkLst>
           <pc:docMk/>
           <pc:sldMk cId="1930903368" sldId="258"/>
@@ -162,6 +168,14 @@
             <pc:docMk/>
             <pc:sldMk cId="1930903368" sldId="258"/>
             <ac:spMk id="2" creationId="{CFEB5DD6-9E93-4DC9-B3D2-3433E00A0076}"/>
+          </ac:spMkLst>
+        </pc:spChg>
+        <pc:spChg chg="mod">
+          <ac:chgData name="Chris Macintosh" userId="14dd4ef2642f5a57" providerId="LiveId" clId="{5949BD17-CA86-4EE5-859F-08829D7B5BB0}" dt="2019-04-11T01:53:27.357" v="259" actId="20577"/>
+          <ac:spMkLst>
+            <pc:docMk/>
+            <pc:sldMk cId="1930903368" sldId="258"/>
+            <ac:spMk id="3" creationId="{4A093B7E-1A33-412E-A5A9-B2649A60ECBD}"/>
           </ac:spMkLst>
         </pc:spChg>
       </pc:sldChg>
@@ -324,6 +338,29 @@
           </ac:picMkLst>
         </pc:picChg>
       </pc:sldChg>
+      <pc:sldChg chg="modSp add">
+        <pc:chgData name="Chris Macintosh" userId="14dd4ef2642f5a57" providerId="LiveId" clId="{5949BD17-CA86-4EE5-859F-08829D7B5BB0}" dt="2019-04-11T02:13:03.810" v="846" actId="20577"/>
+        <pc:sldMkLst>
+          <pc:docMk/>
+          <pc:sldMk cId="3076138362" sldId="268"/>
+        </pc:sldMkLst>
+        <pc:spChg chg="mod">
+          <ac:chgData name="Chris Macintosh" userId="14dd4ef2642f5a57" providerId="LiveId" clId="{5949BD17-CA86-4EE5-859F-08829D7B5BB0}" dt="2019-04-11T01:54:11.735" v="290" actId="20577"/>
+          <ac:spMkLst>
+            <pc:docMk/>
+            <pc:sldMk cId="3076138362" sldId="268"/>
+            <ac:spMk id="2" creationId="{578C2742-A5E6-4FCC-9774-5483281F850A}"/>
+          </ac:spMkLst>
+        </pc:spChg>
+        <pc:spChg chg="mod">
+          <ac:chgData name="Chris Macintosh" userId="14dd4ef2642f5a57" providerId="LiveId" clId="{5949BD17-CA86-4EE5-859F-08829D7B5BB0}" dt="2019-04-11T02:13:03.810" v="846" actId="20577"/>
+          <ac:spMkLst>
+            <pc:docMk/>
+            <pc:sldMk cId="3076138362" sldId="268"/>
+            <ac:spMk id="3" creationId="{AF0569BF-5147-4361-9493-D9400A980BE7}"/>
+          </ac:spMkLst>
+        </pc:spChg>
+      </pc:sldChg>
     </pc:docChg>
   </pc:docChgLst>
 </pc:chgInfo>
@@ -476,7 +513,7 @@
           <a:p>
             <a:fld id="{03534BD8-4E36-4C77-B858-43B7453118D8}" type="datetimeFigureOut">
               <a:rPr lang="en-US" smtClean="0"/>
-              <a:t>4/9/2019</a:t>
+              <a:t>4/10/2019</a:t>
             </a:fld>
             <a:endParaRPr lang="en-US"/>
           </a:p>
@@ -674,7 +711,7 @@
           <a:p>
             <a:fld id="{03534BD8-4E36-4C77-B858-43B7453118D8}" type="datetimeFigureOut">
               <a:rPr lang="en-US" smtClean="0"/>
-              <a:t>4/9/2019</a:t>
+              <a:t>4/10/2019</a:t>
             </a:fld>
             <a:endParaRPr lang="en-US"/>
           </a:p>
@@ -882,7 +919,7 @@
           <a:p>
             <a:fld id="{03534BD8-4E36-4C77-B858-43B7453118D8}" type="datetimeFigureOut">
               <a:rPr lang="en-US" smtClean="0"/>
-              <a:t>4/9/2019</a:t>
+              <a:t>4/10/2019</a:t>
             </a:fld>
             <a:endParaRPr lang="en-US"/>
           </a:p>
@@ -1080,7 +1117,7 @@
           <a:p>
             <a:fld id="{03534BD8-4E36-4C77-B858-43B7453118D8}" type="datetimeFigureOut">
               <a:rPr lang="en-US" smtClean="0"/>
-              <a:t>4/9/2019</a:t>
+              <a:t>4/10/2019</a:t>
             </a:fld>
             <a:endParaRPr lang="en-US"/>
           </a:p>
@@ -1355,7 +1392,7 @@
           <a:p>
             <a:fld id="{03534BD8-4E36-4C77-B858-43B7453118D8}" type="datetimeFigureOut">
               <a:rPr lang="en-US" smtClean="0"/>
-              <a:t>4/9/2019</a:t>
+              <a:t>4/10/2019</a:t>
             </a:fld>
             <a:endParaRPr lang="en-US"/>
           </a:p>
@@ -1620,7 +1657,7 @@
           <a:p>
             <a:fld id="{03534BD8-4E36-4C77-B858-43B7453118D8}" type="datetimeFigureOut">
               <a:rPr lang="en-US" smtClean="0"/>
-              <a:t>4/9/2019</a:t>
+              <a:t>4/10/2019</a:t>
             </a:fld>
             <a:endParaRPr lang="en-US"/>
           </a:p>
@@ -2032,7 +2069,7 @@
           <a:p>
             <a:fld id="{03534BD8-4E36-4C77-B858-43B7453118D8}" type="datetimeFigureOut">
               <a:rPr lang="en-US" smtClean="0"/>
-              <a:t>4/9/2019</a:t>
+              <a:t>4/10/2019</a:t>
             </a:fld>
             <a:endParaRPr lang="en-US"/>
           </a:p>
@@ -2173,7 +2210,7 @@
           <a:p>
             <a:fld id="{03534BD8-4E36-4C77-B858-43B7453118D8}" type="datetimeFigureOut">
               <a:rPr lang="en-US" smtClean="0"/>
-              <a:t>4/9/2019</a:t>
+              <a:t>4/10/2019</a:t>
             </a:fld>
             <a:endParaRPr lang="en-US"/>
           </a:p>
@@ -2286,7 +2323,7 @@
           <a:p>
             <a:fld id="{03534BD8-4E36-4C77-B858-43B7453118D8}" type="datetimeFigureOut">
               <a:rPr lang="en-US" smtClean="0"/>
-              <a:t>4/9/2019</a:t>
+              <a:t>4/10/2019</a:t>
             </a:fld>
             <a:endParaRPr lang="en-US"/>
           </a:p>
@@ -2597,7 +2634,7 @@
           <a:p>
             <a:fld id="{03534BD8-4E36-4C77-B858-43B7453118D8}" type="datetimeFigureOut">
               <a:rPr lang="en-US" smtClean="0"/>
-              <a:t>4/9/2019</a:t>
+              <a:t>4/10/2019</a:t>
             </a:fld>
             <a:endParaRPr lang="en-US"/>
           </a:p>
@@ -2885,7 +2922,7 @@
           <a:p>
             <a:fld id="{03534BD8-4E36-4C77-B858-43B7453118D8}" type="datetimeFigureOut">
               <a:rPr lang="en-US" smtClean="0"/>
-              <a:t>4/9/2019</a:t>
+              <a:t>4/10/2019</a:t>
             </a:fld>
             <a:endParaRPr lang="en-US"/>
           </a:p>
@@ -3126,7 +3163,7 @@
           <a:p>
             <a:fld id="{03534BD8-4E36-4C77-B858-43B7453118D8}" type="datetimeFigureOut">
               <a:rPr lang="en-US" smtClean="0"/>
-              <a:t>4/9/2019</a:t>
+              <a:t>4/10/2019</a:t>
             </a:fld>
             <a:endParaRPr lang="en-US"/>
           </a:p>
@@ -3631,7 +3668,7 @@
           <p:cNvPr id="2" name="Title 1">
             <a:extLst>
               <a:ext uri="{FF2B5EF4-FFF2-40B4-BE49-F238E27FC236}">
-                <a16:creationId xmlns:a16="http://schemas.microsoft.com/office/drawing/2014/main" id="{75FEFBD2-613B-4904-83BD-7E140BFD1EB8}"/>
+                <a16:creationId xmlns:a16="http://schemas.microsoft.com/office/drawing/2014/main" id="{BDB16258-14DC-4633-A64D-96533486D696}"/>
               </a:ext>
             </a:extLst>
           </p:cNvPr>
@@ -3649,7 +3686,7 @@
           <a:p>
             <a:r>
               <a:rPr lang="en-US" dirty="0"/>
-              <a:t>Interval</a:t>
+              <a:t>Continuous Variable</a:t>
             </a:r>
           </a:p>
         </p:txBody>
@@ -3659,7 +3696,7 @@
           <p:cNvPr id="3" name="Content Placeholder 2">
             <a:extLst>
               <a:ext uri="{FF2B5EF4-FFF2-40B4-BE49-F238E27FC236}">
-                <a16:creationId xmlns:a16="http://schemas.microsoft.com/office/drawing/2014/main" id="{8CAAC389-1D8B-4C64-9797-2840277EE45B}"/>
+                <a16:creationId xmlns:a16="http://schemas.microsoft.com/office/drawing/2014/main" id="{268D7CB3-C894-4667-95FC-D069C46C521C}"/>
               </a:ext>
             </a:extLst>
           </p:cNvPr>
@@ -3682,7 +3719,7 @@
     </p:spTree>
     <p:extLst>
       <p:ext uri="{BB962C8B-B14F-4D97-AF65-F5344CB8AC3E}">
-        <p14:creationId xmlns:p14="http://schemas.microsoft.com/office/powerpoint/2010/main" val="1208034222"/>
+        <p14:creationId xmlns:p14="http://schemas.microsoft.com/office/powerpoint/2010/main" val="2912189511"/>
       </p:ext>
     </p:extLst>
   </p:cSld>
@@ -3714,6 +3751,89 @@
           <p:cNvPr id="2" name="Title 1">
             <a:extLst>
               <a:ext uri="{FF2B5EF4-FFF2-40B4-BE49-F238E27FC236}">
+                <a16:creationId xmlns:a16="http://schemas.microsoft.com/office/drawing/2014/main" id="{75FEFBD2-613B-4904-83BD-7E140BFD1EB8}"/>
+              </a:ext>
+            </a:extLst>
+          </p:cNvPr>
+          <p:cNvSpPr>
+            <a:spLocks noGrp="1"/>
+          </p:cNvSpPr>
+          <p:nvPr>
+            <p:ph type="title"/>
+          </p:nvPr>
+        </p:nvSpPr>
+        <p:spPr/>
+        <p:txBody>
+          <a:bodyPr/>
+          <a:lstStyle/>
+          <a:p>
+            <a:r>
+              <a:rPr lang="en-US" dirty="0"/>
+              <a:t>Interval</a:t>
+            </a:r>
+          </a:p>
+        </p:txBody>
+      </p:sp>
+      <p:sp>
+        <p:nvSpPr>
+          <p:cNvPr id="3" name="Content Placeholder 2">
+            <a:extLst>
+              <a:ext uri="{FF2B5EF4-FFF2-40B4-BE49-F238E27FC236}">
+                <a16:creationId xmlns:a16="http://schemas.microsoft.com/office/drawing/2014/main" id="{8CAAC389-1D8B-4C64-9797-2840277EE45B}"/>
+              </a:ext>
+            </a:extLst>
+          </p:cNvPr>
+          <p:cNvSpPr>
+            <a:spLocks noGrp="1"/>
+          </p:cNvSpPr>
+          <p:nvPr>
+            <p:ph idx="1"/>
+          </p:nvPr>
+        </p:nvSpPr>
+        <p:spPr/>
+        <p:txBody>
+          <a:bodyPr/>
+          <a:lstStyle/>
+          <a:p>
+            <a:endParaRPr lang="en-US"/>
+          </a:p>
+        </p:txBody>
+      </p:sp>
+    </p:spTree>
+    <p:extLst>
+      <p:ext uri="{BB962C8B-B14F-4D97-AF65-F5344CB8AC3E}">
+        <p14:creationId xmlns:p14="http://schemas.microsoft.com/office/powerpoint/2010/main" val="1208034222"/>
+      </p:ext>
+    </p:extLst>
+  </p:cSld>
+  <p:clrMapOvr>
+    <a:masterClrMapping/>
+  </p:clrMapOvr>
+</p:sld>
+</file>
+
+<file path=ppt/slides/slide12.xml><?xml version="1.0" encoding="utf-8"?>
+<p:sld xmlns:a="http://schemas.openxmlformats.org/drawingml/2006/main" xmlns:r="http://schemas.openxmlformats.org/officeDocument/2006/relationships" xmlns:p="http://schemas.openxmlformats.org/presentationml/2006/main">
+  <p:cSld>
+    <p:spTree>
+      <p:nvGrpSpPr>
+        <p:cNvPr id="1" name=""/>
+        <p:cNvGrpSpPr/>
+        <p:nvPr/>
+      </p:nvGrpSpPr>
+      <p:grpSpPr>
+        <a:xfrm>
+          <a:off x="0" y="0"/>
+          <a:ext cx="0" cy="0"/>
+          <a:chOff x="0" y="0"/>
+          <a:chExt cx="0" cy="0"/>
+        </a:xfrm>
+      </p:grpSpPr>
+      <p:sp>
+        <p:nvSpPr>
+          <p:cNvPr id="2" name="Title 1">
+            <a:extLst>
+              <a:ext uri="{FF2B5EF4-FFF2-40B4-BE49-F238E27FC236}">
                 <a16:creationId xmlns:a16="http://schemas.microsoft.com/office/drawing/2014/main" id="{21284F3D-2F22-4222-90A5-D8D497469FAA}"/>
               </a:ext>
             </a:extLst>
@@ -3775,7 +3895,7 @@
 </p:sld>
 </file>
 
-<file path=ppt/slides/slide12.xml><?xml version="1.0" encoding="utf-8"?>
+<file path=ppt/slides/slide13.xml><?xml version="1.0" encoding="utf-8"?>
 <p:sld xmlns:a="http://schemas.openxmlformats.org/drawingml/2006/main" xmlns:r="http://schemas.openxmlformats.org/officeDocument/2006/relationships" xmlns:p="http://schemas.openxmlformats.org/presentationml/2006/main">
   <p:cSld>
     <p:spTree>
@@ -3934,7 +4054,10 @@
           <a:bodyPr/>
           <a:lstStyle/>
           <a:p>
-            <a:endParaRPr lang="en-US"/>
+            <a:r>
+              <a:rPr lang="en-US" dirty="0"/>
+              <a:t>The PowerPoints for each week are the topics to focus on closely.</a:t>
+            </a:r>
           </a:p>
         </p:txBody>
       </p:sp>
@@ -3973,7 +4096,7 @@
           <p:cNvPr id="2" name="Title 1">
             <a:extLst>
               <a:ext uri="{FF2B5EF4-FFF2-40B4-BE49-F238E27FC236}">
-                <a16:creationId xmlns:a16="http://schemas.microsoft.com/office/drawing/2014/main" id="{74F05772-0B48-4AF2-8F06-5465D7A12227}"/>
+                <a16:creationId xmlns:a16="http://schemas.microsoft.com/office/drawing/2014/main" id="{578C2742-A5E6-4FCC-9774-5483281F850A}"/>
               </a:ext>
             </a:extLst>
           </p:cNvPr>
@@ -3991,7 +4114,7 @@
           <a:p>
             <a:r>
               <a:rPr lang="en-US" dirty="0"/>
-              <a:t>Independent Variable</a:t>
+              <a:t>Organization of Text and Class</a:t>
             </a:r>
           </a:p>
         </p:txBody>
@@ -4001,7 +4124,7 @@
           <p:cNvPr id="3" name="Content Placeholder 2">
             <a:extLst>
               <a:ext uri="{FF2B5EF4-FFF2-40B4-BE49-F238E27FC236}">
-                <a16:creationId xmlns:a16="http://schemas.microsoft.com/office/drawing/2014/main" id="{4F9DFC4D-A36E-4180-9720-AC0FEC5858EF}"/>
+                <a16:creationId xmlns:a16="http://schemas.microsoft.com/office/drawing/2014/main" id="{AF0569BF-5147-4361-9493-D9400A980BE7}"/>
               </a:ext>
             </a:extLst>
           </p:cNvPr>
@@ -4017,14 +4140,56 @@
           <a:bodyPr/>
           <a:lstStyle/>
           <a:p>
-            <a:endParaRPr lang="en-US"/>
+            <a:r>
+              <a:rPr lang="en-US" dirty="0"/>
+              <a:t>Andy Field organized his text to highlight the similarities between statistical tests.</a:t>
+            </a:r>
+          </a:p>
+          <a:p>
+            <a:pPr lvl="1"/>
+            <a:r>
+              <a:rPr lang="en-US" dirty="0"/>
+              <a:t>This is useful for learning the basic analysis process.</a:t>
+            </a:r>
+          </a:p>
+          <a:p>
+            <a:pPr lvl="1"/>
+            <a:r>
+              <a:rPr lang="en-US" dirty="0"/>
+              <a:t>Some of the details may differ between tests, but the steps are usually the same.</a:t>
+            </a:r>
+          </a:p>
+          <a:p>
+            <a:r>
+              <a:rPr lang="en-US" dirty="0"/>
+              <a:t>I plan to follow his ordering of concepts, but with a few minor deviations</a:t>
+            </a:r>
+          </a:p>
+          <a:p>
+            <a:pPr lvl="1"/>
+            <a:r>
+              <a:rPr lang="en-US" dirty="0"/>
+              <a:t>I plan to emphasize the steps for conducting a data analysis a bit more than statistical concepts.</a:t>
+            </a:r>
+          </a:p>
+          <a:p>
+            <a:pPr lvl="1"/>
+            <a:r>
+              <a:rPr lang="en-US" dirty="0"/>
+              <a:t>I plan to include a couple topics in this course which he placed further back in the text, but which are used a great deal in </a:t>
+            </a:r>
+            <a:r>
+              <a:rPr lang="en-US"/>
+              <a:t>healthcare analyses.</a:t>
+            </a:r>
+            <a:endParaRPr lang="en-US" dirty="0"/>
           </a:p>
         </p:txBody>
       </p:sp>
     </p:spTree>
     <p:extLst>
       <p:ext uri="{BB962C8B-B14F-4D97-AF65-F5344CB8AC3E}">
-        <p14:creationId xmlns:p14="http://schemas.microsoft.com/office/powerpoint/2010/main" val="2610545233"/>
+        <p14:creationId xmlns:p14="http://schemas.microsoft.com/office/powerpoint/2010/main" val="3076138362"/>
       </p:ext>
     </p:extLst>
   </p:cSld>
@@ -4056,7 +4221,7 @@
           <p:cNvPr id="2" name="Title 1">
             <a:extLst>
               <a:ext uri="{FF2B5EF4-FFF2-40B4-BE49-F238E27FC236}">
-                <a16:creationId xmlns:a16="http://schemas.microsoft.com/office/drawing/2014/main" id="{02864A6F-F7A2-4F18-A8E6-2248EF170B4A}"/>
+                <a16:creationId xmlns:a16="http://schemas.microsoft.com/office/drawing/2014/main" id="{74F05772-0B48-4AF2-8F06-5465D7A12227}"/>
               </a:ext>
             </a:extLst>
           </p:cNvPr>
@@ -4074,7 +4239,7 @@
           <a:p>
             <a:r>
               <a:rPr lang="en-US" dirty="0"/>
-              <a:t>Dependent Variable</a:t>
+              <a:t>Independent Variable</a:t>
             </a:r>
           </a:p>
         </p:txBody>
@@ -4084,7 +4249,7 @@
           <p:cNvPr id="3" name="Content Placeholder 2">
             <a:extLst>
               <a:ext uri="{FF2B5EF4-FFF2-40B4-BE49-F238E27FC236}">
-                <a16:creationId xmlns:a16="http://schemas.microsoft.com/office/drawing/2014/main" id="{D3DDCFB1-D870-4ABA-84E0-1BC1AC696026}"/>
+                <a16:creationId xmlns:a16="http://schemas.microsoft.com/office/drawing/2014/main" id="{4F9DFC4D-A36E-4180-9720-AC0FEC5858EF}"/>
               </a:ext>
             </a:extLst>
           </p:cNvPr>
@@ -4107,7 +4272,7 @@
     </p:spTree>
     <p:extLst>
       <p:ext uri="{BB962C8B-B14F-4D97-AF65-F5344CB8AC3E}">
-        <p14:creationId xmlns:p14="http://schemas.microsoft.com/office/powerpoint/2010/main" val="1987415011"/>
+        <p14:creationId xmlns:p14="http://schemas.microsoft.com/office/powerpoint/2010/main" val="2610545233"/>
       </p:ext>
     </p:extLst>
   </p:cSld>
@@ -4139,7 +4304,7 @@
           <p:cNvPr id="2" name="Title 1">
             <a:extLst>
               <a:ext uri="{FF2B5EF4-FFF2-40B4-BE49-F238E27FC236}">
-                <a16:creationId xmlns:a16="http://schemas.microsoft.com/office/drawing/2014/main" id="{BCD19EF6-1C86-4FB1-92C9-F23365A3561D}"/>
+                <a16:creationId xmlns:a16="http://schemas.microsoft.com/office/drawing/2014/main" id="{02864A6F-F7A2-4F18-A8E6-2248EF170B4A}"/>
               </a:ext>
             </a:extLst>
           </p:cNvPr>
@@ -4157,7 +4322,7 @@
           <a:p>
             <a:r>
               <a:rPr lang="en-US" dirty="0"/>
-              <a:t>Categorical Variable</a:t>
+              <a:t>Dependent Variable</a:t>
             </a:r>
           </a:p>
         </p:txBody>
@@ -4167,7 +4332,7 @@
           <p:cNvPr id="3" name="Content Placeholder 2">
             <a:extLst>
               <a:ext uri="{FF2B5EF4-FFF2-40B4-BE49-F238E27FC236}">
-                <a16:creationId xmlns:a16="http://schemas.microsoft.com/office/drawing/2014/main" id="{F30DA437-B813-43C3-B54C-9F0B351DFD3D}"/>
+                <a16:creationId xmlns:a16="http://schemas.microsoft.com/office/drawing/2014/main" id="{D3DDCFB1-D870-4ABA-84E0-1BC1AC696026}"/>
               </a:ext>
             </a:extLst>
           </p:cNvPr>
@@ -4190,7 +4355,7 @@
     </p:spTree>
     <p:extLst>
       <p:ext uri="{BB962C8B-B14F-4D97-AF65-F5344CB8AC3E}">
-        <p14:creationId xmlns:p14="http://schemas.microsoft.com/office/powerpoint/2010/main" val="866304227"/>
+        <p14:creationId xmlns:p14="http://schemas.microsoft.com/office/powerpoint/2010/main" val="1987415011"/>
       </p:ext>
     </p:extLst>
   </p:cSld>
@@ -4222,7 +4387,7 @@
           <p:cNvPr id="2" name="Title 1">
             <a:extLst>
               <a:ext uri="{FF2B5EF4-FFF2-40B4-BE49-F238E27FC236}">
-                <a16:creationId xmlns:a16="http://schemas.microsoft.com/office/drawing/2014/main" id="{964E5094-3E41-4372-B193-043E7FD66E0C}"/>
+                <a16:creationId xmlns:a16="http://schemas.microsoft.com/office/drawing/2014/main" id="{BCD19EF6-1C86-4FB1-92C9-F23365A3561D}"/>
               </a:ext>
             </a:extLst>
           </p:cNvPr>
@@ -4240,7 +4405,7 @@
           <a:p>
             <a:r>
               <a:rPr lang="en-US" dirty="0"/>
-              <a:t>Binary Variable</a:t>
+              <a:t>Categorical Variable</a:t>
             </a:r>
           </a:p>
         </p:txBody>
@@ -4250,7 +4415,7 @@
           <p:cNvPr id="3" name="Content Placeholder 2">
             <a:extLst>
               <a:ext uri="{FF2B5EF4-FFF2-40B4-BE49-F238E27FC236}">
-                <a16:creationId xmlns:a16="http://schemas.microsoft.com/office/drawing/2014/main" id="{08CE9D6E-2B59-49AA-BB7C-CBF705929087}"/>
+                <a16:creationId xmlns:a16="http://schemas.microsoft.com/office/drawing/2014/main" id="{F30DA437-B813-43C3-B54C-9F0B351DFD3D}"/>
               </a:ext>
             </a:extLst>
           </p:cNvPr>
@@ -4266,17 +4431,14 @@
           <a:bodyPr/>
           <a:lstStyle/>
           <a:p>
-            <a:r>
-              <a:rPr lang="en-US" dirty="0"/>
-              <a:t>Dichotomous variable</a:t>
-            </a:r>
+            <a:endParaRPr lang="en-US"/>
           </a:p>
         </p:txBody>
       </p:sp>
     </p:spTree>
     <p:extLst>
       <p:ext uri="{BB962C8B-B14F-4D97-AF65-F5344CB8AC3E}">
-        <p14:creationId xmlns:p14="http://schemas.microsoft.com/office/powerpoint/2010/main" val="4048518"/>
+        <p14:creationId xmlns:p14="http://schemas.microsoft.com/office/powerpoint/2010/main" val="866304227"/>
       </p:ext>
     </p:extLst>
   </p:cSld>
@@ -4308,7 +4470,7 @@
           <p:cNvPr id="2" name="Title 1">
             <a:extLst>
               <a:ext uri="{FF2B5EF4-FFF2-40B4-BE49-F238E27FC236}">
-                <a16:creationId xmlns:a16="http://schemas.microsoft.com/office/drawing/2014/main" id="{054AEE0C-A01A-4AA8-9D75-06378BD34684}"/>
+                <a16:creationId xmlns:a16="http://schemas.microsoft.com/office/drawing/2014/main" id="{964E5094-3E41-4372-B193-043E7FD66E0C}"/>
               </a:ext>
             </a:extLst>
           </p:cNvPr>
@@ -4326,7 +4488,7 @@
           <a:p>
             <a:r>
               <a:rPr lang="en-US" dirty="0"/>
-              <a:t>Nominal</a:t>
+              <a:t>Binary Variable</a:t>
             </a:r>
           </a:p>
         </p:txBody>
@@ -4336,7 +4498,7 @@
           <p:cNvPr id="3" name="Content Placeholder 2">
             <a:extLst>
               <a:ext uri="{FF2B5EF4-FFF2-40B4-BE49-F238E27FC236}">
-                <a16:creationId xmlns:a16="http://schemas.microsoft.com/office/drawing/2014/main" id="{852E2C29-A724-4131-AEB3-6C6CFE8D0003}"/>
+                <a16:creationId xmlns:a16="http://schemas.microsoft.com/office/drawing/2014/main" id="{08CE9D6E-2B59-49AA-BB7C-CBF705929087}"/>
               </a:ext>
             </a:extLst>
           </p:cNvPr>
@@ -4352,14 +4514,17 @@
           <a:bodyPr/>
           <a:lstStyle/>
           <a:p>
-            <a:endParaRPr lang="en-US"/>
+            <a:r>
+              <a:rPr lang="en-US" dirty="0"/>
+              <a:t>Dichotomous variable</a:t>
+            </a:r>
           </a:p>
         </p:txBody>
       </p:sp>
     </p:spTree>
     <p:extLst>
       <p:ext uri="{BB962C8B-B14F-4D97-AF65-F5344CB8AC3E}">
-        <p14:creationId xmlns:p14="http://schemas.microsoft.com/office/powerpoint/2010/main" val="3952867617"/>
+        <p14:creationId xmlns:p14="http://schemas.microsoft.com/office/powerpoint/2010/main" val="4048518"/>
       </p:ext>
     </p:extLst>
   </p:cSld>
@@ -4391,7 +4556,7 @@
           <p:cNvPr id="2" name="Title 1">
             <a:extLst>
               <a:ext uri="{FF2B5EF4-FFF2-40B4-BE49-F238E27FC236}">
-                <a16:creationId xmlns:a16="http://schemas.microsoft.com/office/drawing/2014/main" id="{D85EEF64-4744-490D-85D0-E1F0BD5B75D0}"/>
+                <a16:creationId xmlns:a16="http://schemas.microsoft.com/office/drawing/2014/main" id="{054AEE0C-A01A-4AA8-9D75-06378BD34684}"/>
               </a:ext>
             </a:extLst>
           </p:cNvPr>
@@ -4409,7 +4574,7 @@
           <a:p>
             <a:r>
               <a:rPr lang="en-US" dirty="0"/>
-              <a:t>Ordinal</a:t>
+              <a:t>Nominal</a:t>
             </a:r>
           </a:p>
         </p:txBody>
@@ -4419,7 +4584,7 @@
           <p:cNvPr id="3" name="Content Placeholder 2">
             <a:extLst>
               <a:ext uri="{FF2B5EF4-FFF2-40B4-BE49-F238E27FC236}">
-                <a16:creationId xmlns:a16="http://schemas.microsoft.com/office/drawing/2014/main" id="{5C04419D-B378-4B3F-8DE9-FDD832DD8522}"/>
+                <a16:creationId xmlns:a16="http://schemas.microsoft.com/office/drawing/2014/main" id="{852E2C29-A724-4131-AEB3-6C6CFE8D0003}"/>
               </a:ext>
             </a:extLst>
           </p:cNvPr>
@@ -4442,7 +4607,7 @@
     </p:spTree>
     <p:extLst>
       <p:ext uri="{BB962C8B-B14F-4D97-AF65-F5344CB8AC3E}">
-        <p14:creationId xmlns:p14="http://schemas.microsoft.com/office/powerpoint/2010/main" val="2919360974"/>
+        <p14:creationId xmlns:p14="http://schemas.microsoft.com/office/powerpoint/2010/main" val="3952867617"/>
       </p:ext>
     </p:extLst>
   </p:cSld>
@@ -4474,7 +4639,7 @@
           <p:cNvPr id="2" name="Title 1">
             <a:extLst>
               <a:ext uri="{FF2B5EF4-FFF2-40B4-BE49-F238E27FC236}">
-                <a16:creationId xmlns:a16="http://schemas.microsoft.com/office/drawing/2014/main" id="{BDB16258-14DC-4633-A64D-96533486D696}"/>
+                <a16:creationId xmlns:a16="http://schemas.microsoft.com/office/drawing/2014/main" id="{D85EEF64-4744-490D-85D0-E1F0BD5B75D0}"/>
               </a:ext>
             </a:extLst>
           </p:cNvPr>
@@ -4492,7 +4657,7 @@
           <a:p>
             <a:r>
               <a:rPr lang="en-US" dirty="0"/>
-              <a:t>Continuous Variable</a:t>
+              <a:t>Ordinal</a:t>
             </a:r>
           </a:p>
         </p:txBody>
@@ -4502,7 +4667,7 @@
           <p:cNvPr id="3" name="Content Placeholder 2">
             <a:extLst>
               <a:ext uri="{FF2B5EF4-FFF2-40B4-BE49-F238E27FC236}">
-                <a16:creationId xmlns:a16="http://schemas.microsoft.com/office/drawing/2014/main" id="{268D7CB3-C894-4667-95FC-D069C46C521C}"/>
+                <a16:creationId xmlns:a16="http://schemas.microsoft.com/office/drawing/2014/main" id="{5C04419D-B378-4B3F-8DE9-FDD832DD8522}"/>
               </a:ext>
             </a:extLst>
           </p:cNvPr>
@@ -4525,7 +4690,7 @@
     </p:spTree>
     <p:extLst>
       <p:ext uri="{BB962C8B-B14F-4D97-AF65-F5344CB8AC3E}">
-        <p14:creationId xmlns:p14="http://schemas.microsoft.com/office/powerpoint/2010/main" val="2912189511"/>
+        <p14:creationId xmlns:p14="http://schemas.microsoft.com/office/powerpoint/2010/main" val="2919360974"/>
       </p:ext>
     </p:extLst>
   </p:cSld>

--- a/materials/Week 1.pptx
+++ b/materials/Week 1.pptx
@@ -3,20 +3,20 @@
 <p:presentation xmlns:a="http://schemas.openxmlformats.org/drawingml/2006/main" xmlns:r="http://schemas.openxmlformats.org/officeDocument/2006/relationships" xmlns:p="http://schemas.openxmlformats.org/presentationml/2006/main" saveSubsetFonts="1">
   <p:sldMasterIdLst>
     <p:sldMasterId id="2147483648" r:id="rId1"/>
+    <p:sldMasterId id="2147483660" r:id="rId2"/>
   </p:sldMasterIdLst>
   <p:sldIdLst>
-    <p:sldId id="256" r:id="rId2"/>
-    <p:sldId id="258" r:id="rId3"/>
-    <p:sldId id="268" r:id="rId4"/>
-    <p:sldId id="257" r:id="rId5"/>
-    <p:sldId id="259" r:id="rId6"/>
-    <p:sldId id="260" r:id="rId7"/>
-    <p:sldId id="261" r:id="rId8"/>
-    <p:sldId id="262" r:id="rId9"/>
-    <p:sldId id="263" r:id="rId10"/>
-    <p:sldId id="264" r:id="rId11"/>
-    <p:sldId id="265" r:id="rId12"/>
-    <p:sldId id="266" r:id="rId13"/>
+    <p:sldId id="256" r:id="rId3"/>
+    <p:sldId id="258" r:id="rId4"/>
+    <p:sldId id="268" r:id="rId5"/>
+    <p:sldId id="271" r:id="rId6"/>
+    <p:sldId id="273" r:id="rId7"/>
+    <p:sldId id="274" r:id="rId8"/>
+    <p:sldId id="272" r:id="rId9"/>
+    <p:sldId id="275" r:id="rId10"/>
+    <p:sldId id="269" r:id="rId11"/>
+    <p:sldId id="270" r:id="rId12"/>
+    <p:sldId id="276" r:id="rId13"/>
     <p:sldId id="267" r:id="rId14"/>
   </p:sldIdLst>
   <p:sldSz cx="12192000" cy="6858000"/>
@@ -127,7 +127,7 @@
 <file path=ppt/revisionInfo.xml><?xml version="1.0" encoding="utf-8"?>
 <p1510:revInfo xmlns:a="http://schemas.openxmlformats.org/drawingml/2006/main" xmlns:r="http://schemas.openxmlformats.org/officeDocument/2006/relationships" xmlns:p1510="http://schemas.microsoft.com/office/powerpoint/2015/10/main">
   <p1510:revLst>
-    <p1510:client id="{5949BD17-CA86-4EE5-859F-08829D7B5BB0}" v="13" dt="2019-04-11T01:53:57.704"/>
+    <p1510:client id="{0B728BBC-8025-42EE-B16C-100ACCF90F3A}" v="19" dt="2019-09-23T04:02:15.738"/>
   </p1510:revLst>
 </p1510:revInfo>
 </file>
@@ -135,202 +135,193 @@
 <file path=ppt/changesInfos/changesInfo1.xml><?xml version="1.0" encoding="utf-8"?>
 <pc:chgInfo xmlns:a="http://schemas.openxmlformats.org/drawingml/2006/main" xmlns:r="http://schemas.openxmlformats.org/officeDocument/2006/relationships" xmlns:ac="http://schemas.microsoft.com/office/drawing/2013/main/command" xmlns:pc="http://schemas.microsoft.com/office/powerpoint/2013/main/command">
   <pc:docChgLst>
-    <pc:chgData name="Chris Macintosh" userId="14dd4ef2642f5a57" providerId="LiveId" clId="{5949BD17-CA86-4EE5-859F-08829D7B5BB0}"/>
-    <pc:docChg chg="addSld modSld">
-      <pc:chgData name="Chris Macintosh" userId="14dd4ef2642f5a57" providerId="LiveId" clId="{5949BD17-CA86-4EE5-859F-08829D7B5BB0}" dt="2019-04-11T02:13:03.810" v="846" actId="20577"/>
+    <pc:chgData name="Chris Macintosh" userId="14dd4ef2642f5a57" providerId="LiveId" clId="{0B728BBC-8025-42EE-B16C-100ACCF90F3A}"/>
+    <pc:docChg chg="undo custSel mod addSld delSld modSld">
+      <pc:chgData name="Chris Macintosh" userId="14dd4ef2642f5a57" providerId="LiveId" clId="{0B728BBC-8025-42EE-B16C-100ACCF90F3A}" dt="2019-09-23T04:12:36.338" v="3797" actId="20577"/>
       <pc:docMkLst>
         <pc:docMk/>
       </pc:docMkLst>
-      <pc:sldChg chg="modSp add">
-        <pc:chgData name="Chris Macintosh" userId="14dd4ef2642f5a57" providerId="LiveId" clId="{5949BD17-CA86-4EE5-859F-08829D7B5BB0}" dt="2019-04-10T01:47:03.976" v="24" actId="20577"/>
+      <pc:sldChg chg="addSp modSp mod setBg">
+        <pc:chgData name="Chris Macintosh" userId="14dd4ef2642f5a57" providerId="LiveId" clId="{0B728BBC-8025-42EE-B16C-100ACCF90F3A}" dt="2019-09-23T04:07:41.480" v="3639" actId="27636"/>
+        <pc:sldMkLst>
+          <pc:docMk/>
+          <pc:sldMk cId="743171864" sldId="256"/>
+        </pc:sldMkLst>
+        <pc:spChg chg="mod">
+          <ac:chgData name="Chris Macintosh" userId="14dd4ef2642f5a57" providerId="LiveId" clId="{0B728BBC-8025-42EE-B16C-100ACCF90F3A}" dt="2019-09-23T03:23:45.621" v="3560" actId="26606"/>
+          <ac:spMkLst>
+            <pc:docMk/>
+            <pc:sldMk cId="743171864" sldId="256"/>
+            <ac:spMk id="2" creationId="{59EE2BA6-D537-4562-A453-C5DBB272A523}"/>
+          </ac:spMkLst>
+        </pc:spChg>
+        <pc:spChg chg="mod">
+          <ac:chgData name="Chris Macintosh" userId="14dd4ef2642f5a57" providerId="LiveId" clId="{0B728BBC-8025-42EE-B16C-100ACCF90F3A}" dt="2019-09-23T04:07:41.480" v="3639" actId="27636"/>
+          <ac:spMkLst>
+            <pc:docMk/>
+            <pc:sldMk cId="743171864" sldId="256"/>
+            <ac:spMk id="3" creationId="{5B0C0A58-3A17-4772-87ED-646AB3387B79}"/>
+          </ac:spMkLst>
+        </pc:spChg>
+        <pc:spChg chg="add">
+          <ac:chgData name="Chris Macintosh" userId="14dd4ef2642f5a57" providerId="LiveId" clId="{0B728BBC-8025-42EE-B16C-100ACCF90F3A}" dt="2019-09-23T03:23:45.621" v="3560" actId="26606"/>
+          <ac:spMkLst>
+            <pc:docMk/>
+            <pc:sldMk cId="743171864" sldId="256"/>
+            <ac:spMk id="10" creationId="{1045B59B-615E-4718-A150-42DE5D03E1C8}"/>
+          </ac:spMkLst>
+        </pc:spChg>
+        <pc:spChg chg="add">
+          <ac:chgData name="Chris Macintosh" userId="14dd4ef2642f5a57" providerId="LiveId" clId="{0B728BBC-8025-42EE-B16C-100ACCF90F3A}" dt="2019-09-23T03:23:45.621" v="3560" actId="26606"/>
+          <ac:spMkLst>
+            <pc:docMk/>
+            <pc:sldMk cId="743171864" sldId="256"/>
+            <ac:spMk id="12" creationId="{D6CF29CD-38B8-4924-BA11-6D60517487EF}"/>
+          </ac:spMkLst>
+        </pc:spChg>
+        <pc:picChg chg="add mod">
+          <ac:chgData name="Chris Macintosh" userId="14dd4ef2642f5a57" providerId="LiveId" clId="{0B728BBC-8025-42EE-B16C-100ACCF90F3A}" dt="2019-09-23T03:23:45.621" v="3560" actId="26606"/>
+          <ac:picMkLst>
+            <pc:docMk/>
+            <pc:sldMk cId="743171864" sldId="256"/>
+            <ac:picMk id="5" creationId="{82BFBA7D-BCEE-4BD3-BA59-0E88AC4ED9F5}"/>
+          </ac:picMkLst>
+        </pc:picChg>
+      </pc:sldChg>
+      <pc:sldChg chg="del">
+        <pc:chgData name="Chris Macintosh" userId="14dd4ef2642f5a57" providerId="LiveId" clId="{0B728BBC-8025-42EE-B16C-100ACCF90F3A}" dt="2019-09-23T02:15:01.858" v="2" actId="2696"/>
         <pc:sldMkLst>
           <pc:docMk/>
           <pc:sldMk cId="2610545233" sldId="257"/>
         </pc:sldMkLst>
-        <pc:spChg chg="mod">
-          <ac:chgData name="Chris Macintosh" userId="14dd4ef2642f5a57" providerId="LiveId" clId="{5949BD17-CA86-4EE5-859F-08829D7B5BB0}" dt="2019-04-10T01:47:03.976" v="24" actId="20577"/>
-          <ac:spMkLst>
-            <pc:docMk/>
-            <pc:sldMk cId="2610545233" sldId="257"/>
-            <ac:spMk id="2" creationId="{74F05772-0B48-4AF2-8F06-5465D7A12227}"/>
-          </ac:spMkLst>
-        </pc:spChg>
       </pc:sldChg>
-      <pc:sldChg chg="modSp add">
-        <pc:chgData name="Chris Macintosh" userId="14dd4ef2642f5a57" providerId="LiveId" clId="{5949BD17-CA86-4EE5-859F-08829D7B5BB0}" dt="2019-04-11T01:53:27.357" v="259" actId="20577"/>
+      <pc:sldChg chg="addSp modSp mod setBg">
+        <pc:chgData name="Chris Macintosh" userId="14dd4ef2642f5a57" providerId="LiveId" clId="{0B728BBC-8025-42EE-B16C-100ACCF90F3A}" dt="2019-09-23T03:25:40.954" v="3564" actId="26606"/>
         <pc:sldMkLst>
           <pc:docMk/>
           <pc:sldMk cId="1930903368" sldId="258"/>
         </pc:sldMkLst>
         <pc:spChg chg="mod">
-          <ac:chgData name="Chris Macintosh" userId="14dd4ef2642f5a57" providerId="LiveId" clId="{5949BD17-CA86-4EE5-859F-08829D7B5BB0}" dt="2019-04-10T01:47:48.765" v="45" actId="20577"/>
+          <ac:chgData name="Chris Macintosh" userId="14dd4ef2642f5a57" providerId="LiveId" clId="{0B728BBC-8025-42EE-B16C-100ACCF90F3A}" dt="2019-09-23T03:25:40.954" v="3564" actId="26606"/>
           <ac:spMkLst>
             <pc:docMk/>
             <pc:sldMk cId="1930903368" sldId="258"/>
             <ac:spMk id="2" creationId="{CFEB5DD6-9E93-4DC9-B3D2-3433E00A0076}"/>
           </ac:spMkLst>
         </pc:spChg>
-        <pc:spChg chg="mod">
-          <ac:chgData name="Chris Macintosh" userId="14dd4ef2642f5a57" providerId="LiveId" clId="{5949BD17-CA86-4EE5-859F-08829D7B5BB0}" dt="2019-04-11T01:53:27.357" v="259" actId="20577"/>
+        <pc:spChg chg="mod ord">
+          <ac:chgData name="Chris Macintosh" userId="14dd4ef2642f5a57" providerId="LiveId" clId="{0B728BBC-8025-42EE-B16C-100ACCF90F3A}" dt="2019-09-23T03:25:40.954" v="3564" actId="26606"/>
           <ac:spMkLst>
             <pc:docMk/>
             <pc:sldMk cId="1930903368" sldId="258"/>
             <ac:spMk id="3" creationId="{4A093B7E-1A33-412E-A5A9-B2649A60ECBD}"/>
           </ac:spMkLst>
         </pc:spChg>
+        <pc:spChg chg="add">
+          <ac:chgData name="Chris Macintosh" userId="14dd4ef2642f5a57" providerId="LiveId" clId="{0B728BBC-8025-42EE-B16C-100ACCF90F3A}" dt="2019-09-23T03:25:40.954" v="3564" actId="26606"/>
+          <ac:spMkLst>
+            <pc:docMk/>
+            <pc:sldMk cId="1930903368" sldId="258"/>
+            <ac:spMk id="10" creationId="{4038CB10-1F5C-4D54-9DF7-12586DE5B007}"/>
+          </ac:spMkLst>
+        </pc:spChg>
+        <pc:spChg chg="add">
+          <ac:chgData name="Chris Macintosh" userId="14dd4ef2642f5a57" providerId="LiveId" clId="{0B728BBC-8025-42EE-B16C-100ACCF90F3A}" dt="2019-09-23T03:25:40.954" v="3564" actId="26606"/>
+          <ac:spMkLst>
+            <pc:docMk/>
+            <pc:sldMk cId="1930903368" sldId="258"/>
+            <ac:spMk id="12" creationId="{73ED6512-6858-4552-B699-9A97FE9A4EA2}"/>
+          </ac:spMkLst>
+        </pc:spChg>
+        <pc:picChg chg="add mod">
+          <ac:chgData name="Chris Macintosh" userId="14dd4ef2642f5a57" providerId="LiveId" clId="{0B728BBC-8025-42EE-B16C-100ACCF90F3A}" dt="2019-09-23T03:25:40.954" v="3564" actId="26606"/>
+          <ac:picMkLst>
+            <pc:docMk/>
+            <pc:sldMk cId="1930903368" sldId="258"/>
+            <ac:picMk id="5" creationId="{3CC159D3-BAA1-4718-B6AC-D0DA976F6929}"/>
+          </ac:picMkLst>
+        </pc:picChg>
       </pc:sldChg>
-      <pc:sldChg chg="modSp add">
-        <pc:chgData name="Chris Macintosh" userId="14dd4ef2642f5a57" providerId="LiveId" clId="{5949BD17-CA86-4EE5-859F-08829D7B5BB0}" dt="2019-04-10T01:48:04.151" v="64" actId="20577"/>
+      <pc:sldChg chg="del">
+        <pc:chgData name="Chris Macintosh" userId="14dd4ef2642f5a57" providerId="LiveId" clId="{0B728BBC-8025-42EE-B16C-100ACCF90F3A}" dt="2019-09-23T02:15:45.746" v="3" actId="2696"/>
         <pc:sldMkLst>
           <pc:docMk/>
           <pc:sldMk cId="1987415011" sldId="259"/>
         </pc:sldMkLst>
-        <pc:spChg chg="mod">
-          <ac:chgData name="Chris Macintosh" userId="14dd4ef2642f5a57" providerId="LiveId" clId="{5949BD17-CA86-4EE5-859F-08829D7B5BB0}" dt="2019-04-10T01:48:04.151" v="64" actId="20577"/>
-          <ac:spMkLst>
-            <pc:docMk/>
-            <pc:sldMk cId="1987415011" sldId="259"/>
-            <ac:spMk id="2" creationId="{02864A6F-F7A2-4F18-A8E6-2248EF170B4A}"/>
-          </ac:spMkLst>
-        </pc:spChg>
       </pc:sldChg>
-      <pc:sldChg chg="modSp add">
-        <pc:chgData name="Chris Macintosh" userId="14dd4ef2642f5a57" providerId="LiveId" clId="{5949BD17-CA86-4EE5-859F-08829D7B5BB0}" dt="2019-04-10T01:48:59.872" v="85" actId="20577"/>
+      <pc:sldChg chg="del">
+        <pc:chgData name="Chris Macintosh" userId="14dd4ef2642f5a57" providerId="LiveId" clId="{0B728BBC-8025-42EE-B16C-100ACCF90F3A}" dt="2019-09-23T02:16:34.849" v="5" actId="2696"/>
         <pc:sldMkLst>
           <pc:docMk/>
           <pc:sldMk cId="866304227" sldId="260"/>
         </pc:sldMkLst>
-        <pc:spChg chg="mod">
-          <ac:chgData name="Chris Macintosh" userId="14dd4ef2642f5a57" providerId="LiveId" clId="{5949BD17-CA86-4EE5-859F-08829D7B5BB0}" dt="2019-04-10T01:48:59.872" v="85" actId="20577"/>
-          <ac:spMkLst>
-            <pc:docMk/>
-            <pc:sldMk cId="866304227" sldId="260"/>
-            <ac:spMk id="2" creationId="{BCD19EF6-1C86-4FB1-92C9-F23365A3561D}"/>
-          </ac:spMkLst>
-        </pc:spChg>
       </pc:sldChg>
-      <pc:sldChg chg="modSp add">
-        <pc:chgData name="Chris Macintosh" userId="14dd4ef2642f5a57" providerId="LiveId" clId="{5949BD17-CA86-4EE5-859F-08829D7B5BB0}" dt="2019-04-10T01:49:17.598" v="121" actId="20577"/>
+      <pc:sldChg chg="del">
+        <pc:chgData name="Chris Macintosh" userId="14dd4ef2642f5a57" providerId="LiveId" clId="{0B728BBC-8025-42EE-B16C-100ACCF90F3A}" dt="2019-09-23T02:16:43.467" v="6" actId="2696"/>
         <pc:sldMkLst>
           <pc:docMk/>
           <pc:sldMk cId="4048518" sldId="261"/>
         </pc:sldMkLst>
-        <pc:spChg chg="mod">
-          <ac:chgData name="Chris Macintosh" userId="14dd4ef2642f5a57" providerId="LiveId" clId="{5949BD17-CA86-4EE5-859F-08829D7B5BB0}" dt="2019-04-10T01:49:09.124" v="101" actId="20577"/>
-          <ac:spMkLst>
-            <pc:docMk/>
-            <pc:sldMk cId="4048518" sldId="261"/>
-            <ac:spMk id="2" creationId="{964E5094-3E41-4372-B193-043E7FD66E0C}"/>
-          </ac:spMkLst>
-        </pc:spChg>
-        <pc:spChg chg="mod">
-          <ac:chgData name="Chris Macintosh" userId="14dd4ef2642f5a57" providerId="LiveId" clId="{5949BD17-CA86-4EE5-859F-08829D7B5BB0}" dt="2019-04-10T01:49:17.598" v="121" actId="20577"/>
-          <ac:spMkLst>
-            <pc:docMk/>
-            <pc:sldMk cId="4048518" sldId="261"/>
-            <ac:spMk id="3" creationId="{08CE9D6E-2B59-49AA-BB7C-CBF705929087}"/>
-          </ac:spMkLst>
-        </pc:spChg>
       </pc:sldChg>
-      <pc:sldChg chg="modSp add">
-        <pc:chgData name="Chris Macintosh" userId="14dd4ef2642f5a57" providerId="LiveId" clId="{5949BD17-CA86-4EE5-859F-08829D7B5BB0}" dt="2019-04-10T01:49:26.820" v="129" actId="20577"/>
+      <pc:sldChg chg="del">
+        <pc:chgData name="Chris Macintosh" userId="14dd4ef2642f5a57" providerId="LiveId" clId="{0B728BBC-8025-42EE-B16C-100ACCF90F3A}" dt="2019-09-23T02:16:47.439" v="7" actId="2696"/>
         <pc:sldMkLst>
           <pc:docMk/>
           <pc:sldMk cId="3952867617" sldId="262"/>
         </pc:sldMkLst>
-        <pc:spChg chg="mod">
-          <ac:chgData name="Chris Macintosh" userId="14dd4ef2642f5a57" providerId="LiveId" clId="{5949BD17-CA86-4EE5-859F-08829D7B5BB0}" dt="2019-04-10T01:49:26.820" v="129" actId="20577"/>
-          <ac:spMkLst>
-            <pc:docMk/>
-            <pc:sldMk cId="3952867617" sldId="262"/>
-            <ac:spMk id="2" creationId="{054AEE0C-A01A-4AA8-9D75-06378BD34684}"/>
-          </ac:spMkLst>
-        </pc:spChg>
       </pc:sldChg>
-      <pc:sldChg chg="modSp add">
-        <pc:chgData name="Chris Macintosh" userId="14dd4ef2642f5a57" providerId="LiveId" clId="{5949BD17-CA86-4EE5-859F-08829D7B5BB0}" dt="2019-04-10T01:49:35.771" v="139" actId="20577"/>
+      <pc:sldChg chg="del">
+        <pc:chgData name="Chris Macintosh" userId="14dd4ef2642f5a57" providerId="LiveId" clId="{0B728BBC-8025-42EE-B16C-100ACCF90F3A}" dt="2019-09-23T02:16:51.578" v="8" actId="2696"/>
         <pc:sldMkLst>
           <pc:docMk/>
           <pc:sldMk cId="2919360974" sldId="263"/>
         </pc:sldMkLst>
-        <pc:spChg chg="mod">
-          <ac:chgData name="Chris Macintosh" userId="14dd4ef2642f5a57" providerId="LiveId" clId="{5949BD17-CA86-4EE5-859F-08829D7B5BB0}" dt="2019-04-10T01:49:35.771" v="139" actId="20577"/>
-          <ac:spMkLst>
-            <pc:docMk/>
-            <pc:sldMk cId="2919360974" sldId="263"/>
-            <ac:spMk id="2" creationId="{D85EEF64-4744-490D-85D0-E1F0BD5B75D0}"/>
-          </ac:spMkLst>
-        </pc:spChg>
       </pc:sldChg>
-      <pc:sldChg chg="modSp add">
-        <pc:chgData name="Chris Macintosh" userId="14dd4ef2642f5a57" providerId="LiveId" clId="{5949BD17-CA86-4EE5-859F-08829D7B5BB0}" dt="2019-04-10T01:49:45.692" v="159" actId="20577"/>
+      <pc:sldChg chg="del">
+        <pc:chgData name="Chris Macintosh" userId="14dd4ef2642f5a57" providerId="LiveId" clId="{0B728BBC-8025-42EE-B16C-100ACCF90F3A}" dt="2019-09-23T02:16:56.528" v="9" actId="2696"/>
         <pc:sldMkLst>
           <pc:docMk/>
           <pc:sldMk cId="2912189511" sldId="264"/>
         </pc:sldMkLst>
-        <pc:spChg chg="mod">
-          <ac:chgData name="Chris Macintosh" userId="14dd4ef2642f5a57" providerId="LiveId" clId="{5949BD17-CA86-4EE5-859F-08829D7B5BB0}" dt="2019-04-10T01:49:45.692" v="159" actId="20577"/>
-          <ac:spMkLst>
-            <pc:docMk/>
-            <pc:sldMk cId="2912189511" sldId="264"/>
-            <ac:spMk id="2" creationId="{BDB16258-14DC-4633-A64D-96533486D696}"/>
-          </ac:spMkLst>
-        </pc:spChg>
       </pc:sldChg>
-      <pc:sldChg chg="modSp add">
-        <pc:chgData name="Chris Macintosh" userId="14dd4ef2642f5a57" providerId="LiveId" clId="{5949BD17-CA86-4EE5-859F-08829D7B5BB0}" dt="2019-04-10T01:49:52.396" v="168" actId="20577"/>
+      <pc:sldChg chg="del">
+        <pc:chgData name="Chris Macintosh" userId="14dd4ef2642f5a57" providerId="LiveId" clId="{0B728BBC-8025-42EE-B16C-100ACCF90F3A}" dt="2019-09-23T02:17:02.828" v="10" actId="2696"/>
         <pc:sldMkLst>
           <pc:docMk/>
           <pc:sldMk cId="1208034222" sldId="265"/>
         </pc:sldMkLst>
-        <pc:spChg chg="mod">
-          <ac:chgData name="Chris Macintosh" userId="14dd4ef2642f5a57" providerId="LiveId" clId="{5949BD17-CA86-4EE5-859F-08829D7B5BB0}" dt="2019-04-10T01:49:52.396" v="168" actId="20577"/>
-          <ac:spMkLst>
-            <pc:docMk/>
-            <pc:sldMk cId="1208034222" sldId="265"/>
-            <ac:spMk id="2" creationId="{75FEFBD2-613B-4904-83BD-7E140BFD1EB8}"/>
-          </ac:spMkLst>
-        </pc:spChg>
       </pc:sldChg>
-      <pc:sldChg chg="modSp add">
-        <pc:chgData name="Chris Macintosh" userId="14dd4ef2642f5a57" providerId="LiveId" clId="{5949BD17-CA86-4EE5-859F-08829D7B5BB0}" dt="2019-04-10T01:50:01.161" v="174" actId="20577"/>
+      <pc:sldChg chg="del">
+        <pc:chgData name="Chris Macintosh" userId="14dd4ef2642f5a57" providerId="LiveId" clId="{0B728BBC-8025-42EE-B16C-100ACCF90F3A}" dt="2019-09-23T02:17:28.982" v="11" actId="2696"/>
         <pc:sldMkLst>
           <pc:docMk/>
           <pc:sldMk cId="503950340" sldId="266"/>
         </pc:sldMkLst>
-        <pc:spChg chg="mod">
-          <ac:chgData name="Chris Macintosh" userId="14dd4ef2642f5a57" providerId="LiveId" clId="{5949BD17-CA86-4EE5-859F-08829D7B5BB0}" dt="2019-04-10T01:50:01.161" v="174" actId="20577"/>
-          <ac:spMkLst>
-            <pc:docMk/>
-            <pc:sldMk cId="503950340" sldId="266"/>
-            <ac:spMk id="2" creationId="{21284F3D-2F22-4222-90A5-D8D497469FAA}"/>
-          </ac:spMkLst>
-        </pc:spChg>
       </pc:sldChg>
-      <pc:sldChg chg="addSp delSp modSp add">
-        <pc:chgData name="Chris Macintosh" userId="14dd4ef2642f5a57" providerId="LiveId" clId="{5949BD17-CA86-4EE5-859F-08829D7B5BB0}" dt="2019-04-10T02:10:48.462" v="194" actId="20577"/>
+      <pc:sldChg chg="addSp modSp mod setBg">
+        <pc:chgData name="Chris Macintosh" userId="14dd4ef2642f5a57" providerId="LiveId" clId="{0B728BBC-8025-42EE-B16C-100ACCF90F3A}" dt="2019-09-23T03:19:07.718" v="3556" actId="26606"/>
         <pc:sldMkLst>
           <pc:docMk/>
           <pc:sldMk cId="2507877369" sldId="267"/>
         </pc:sldMkLst>
         <pc:spChg chg="mod">
-          <ac:chgData name="Chris Macintosh" userId="14dd4ef2642f5a57" providerId="LiveId" clId="{5949BD17-CA86-4EE5-859F-08829D7B5BB0}" dt="2019-04-10T02:10:48.462" v="194" actId="20577"/>
+          <ac:chgData name="Chris Macintosh" userId="14dd4ef2642f5a57" providerId="LiveId" clId="{0B728BBC-8025-42EE-B16C-100ACCF90F3A}" dt="2019-09-23T03:19:07.718" v="3556" actId="26606"/>
           <ac:spMkLst>
             <pc:docMk/>
             <pc:sldMk cId="2507877369" sldId="267"/>
             <ac:spMk id="2" creationId="{97B83911-0F30-4744-A791-FD1B30CBBA05}"/>
           </ac:spMkLst>
         </pc:spChg>
-        <pc:spChg chg="del">
-          <ac:chgData name="Chris Macintosh" userId="14dd4ef2642f5a57" providerId="LiveId" clId="{5949BD17-CA86-4EE5-859F-08829D7B5BB0}" dt="2019-04-10T02:10:11.342" v="176" actId="931"/>
+        <pc:spChg chg="add">
+          <ac:chgData name="Chris Macintosh" userId="14dd4ef2642f5a57" providerId="LiveId" clId="{0B728BBC-8025-42EE-B16C-100ACCF90F3A}" dt="2019-09-23T03:19:07.718" v="3556" actId="26606"/>
           <ac:spMkLst>
             <pc:docMk/>
             <pc:sldMk cId="2507877369" sldId="267"/>
-            <ac:spMk id="3" creationId="{CC073AA5-D6C8-4A11-8646-AC8040DA4874}"/>
+            <ac:spMk id="10" creationId="{A4AC5506-6312-4701-8D3C-40187889A947}"/>
           </ac:spMkLst>
         </pc:spChg>
-        <pc:picChg chg="add mod">
-          <ac:chgData name="Chris Macintosh" userId="14dd4ef2642f5a57" providerId="LiveId" clId="{5949BD17-CA86-4EE5-859F-08829D7B5BB0}" dt="2019-04-10T02:10:14.521" v="178" actId="962"/>
+        <pc:picChg chg="mod">
+          <ac:chgData name="Chris Macintosh" userId="14dd4ef2642f5a57" providerId="LiveId" clId="{0B728BBC-8025-42EE-B16C-100ACCF90F3A}" dt="2019-09-23T03:19:07.718" v="3556" actId="26606"/>
           <ac:picMkLst>
             <pc:docMk/>
             <pc:sldMk cId="2507877369" sldId="267"/>
@@ -338,30 +329,361 @@
           </ac:picMkLst>
         </pc:picChg>
       </pc:sldChg>
-      <pc:sldChg chg="modSp add">
-        <pc:chgData name="Chris Macintosh" userId="14dd4ef2642f5a57" providerId="LiveId" clId="{5949BD17-CA86-4EE5-859F-08829D7B5BB0}" dt="2019-04-11T02:13:03.810" v="846" actId="20577"/>
+      <pc:sldChg chg="addSp modSp mod setBg">
+        <pc:chgData name="Chris Macintosh" userId="14dd4ef2642f5a57" providerId="LiveId" clId="{0B728BBC-8025-42EE-B16C-100ACCF90F3A}" dt="2019-09-23T03:31:47.455" v="3568" actId="26606"/>
         <pc:sldMkLst>
           <pc:docMk/>
           <pc:sldMk cId="3076138362" sldId="268"/>
         </pc:sldMkLst>
         <pc:spChg chg="mod">
-          <ac:chgData name="Chris Macintosh" userId="14dd4ef2642f5a57" providerId="LiveId" clId="{5949BD17-CA86-4EE5-859F-08829D7B5BB0}" dt="2019-04-11T01:54:11.735" v="290" actId="20577"/>
+          <ac:chgData name="Chris Macintosh" userId="14dd4ef2642f5a57" providerId="LiveId" clId="{0B728BBC-8025-42EE-B16C-100ACCF90F3A}" dt="2019-09-23T03:31:47.455" v="3568" actId="26606"/>
           <ac:spMkLst>
             <pc:docMk/>
             <pc:sldMk cId="3076138362" sldId="268"/>
             <ac:spMk id="2" creationId="{578C2742-A5E6-4FCC-9774-5483281F850A}"/>
           </ac:spMkLst>
         </pc:spChg>
-        <pc:spChg chg="mod">
-          <ac:chgData name="Chris Macintosh" userId="14dd4ef2642f5a57" providerId="LiveId" clId="{5949BD17-CA86-4EE5-859F-08829D7B5BB0}" dt="2019-04-11T02:13:03.810" v="846" actId="20577"/>
+        <pc:spChg chg="mod ord">
+          <ac:chgData name="Chris Macintosh" userId="14dd4ef2642f5a57" providerId="LiveId" clId="{0B728BBC-8025-42EE-B16C-100ACCF90F3A}" dt="2019-09-23T03:31:47.455" v="3568" actId="26606"/>
           <ac:spMkLst>
             <pc:docMk/>
             <pc:sldMk cId="3076138362" sldId="268"/>
             <ac:spMk id="3" creationId="{AF0569BF-5147-4361-9493-D9400A980BE7}"/>
           </ac:spMkLst>
         </pc:spChg>
+        <pc:spChg chg="add">
+          <ac:chgData name="Chris Macintosh" userId="14dd4ef2642f5a57" providerId="LiveId" clId="{0B728BBC-8025-42EE-B16C-100ACCF90F3A}" dt="2019-09-23T03:31:47.455" v="3568" actId="26606"/>
+          <ac:spMkLst>
+            <pc:docMk/>
+            <pc:sldMk cId="3076138362" sldId="268"/>
+            <ac:spMk id="10" creationId="{F60FCA6E-0894-46CD-BD49-5955A51E0084}"/>
+          </ac:spMkLst>
+        </pc:spChg>
+        <pc:spChg chg="add">
+          <ac:chgData name="Chris Macintosh" userId="14dd4ef2642f5a57" providerId="LiveId" clId="{0B728BBC-8025-42EE-B16C-100ACCF90F3A}" dt="2019-09-23T03:31:47.455" v="3568" actId="26606"/>
+          <ac:spMkLst>
+            <pc:docMk/>
+            <pc:sldMk cId="3076138362" sldId="268"/>
+            <ac:spMk id="12" creationId="{E78C6E4B-A1F1-4B6C-97EC-BE997495D6AC}"/>
+          </ac:spMkLst>
+        </pc:spChg>
+        <pc:picChg chg="add mod">
+          <ac:chgData name="Chris Macintosh" userId="14dd4ef2642f5a57" providerId="LiveId" clId="{0B728BBC-8025-42EE-B16C-100ACCF90F3A}" dt="2019-09-23T03:31:47.455" v="3568" actId="26606"/>
+          <ac:picMkLst>
+            <pc:docMk/>
+            <pc:sldMk cId="3076138362" sldId="268"/>
+            <ac:picMk id="5" creationId="{F39A4DF1-5E68-4EF2-940C-E226D93663EA}"/>
+          </ac:picMkLst>
+        </pc:picChg>
+      </pc:sldChg>
+      <pc:sldChg chg="add">
+        <pc:chgData name="Chris Macintosh" userId="14dd4ef2642f5a57" providerId="LiveId" clId="{0B728BBC-8025-42EE-B16C-100ACCF90F3A}" dt="2019-09-23T02:14:50.395" v="1"/>
+        <pc:sldMkLst>
+          <pc:docMk/>
+          <pc:sldMk cId="0" sldId="269"/>
+        </pc:sldMkLst>
+      </pc:sldChg>
+      <pc:sldChg chg="add">
+        <pc:chgData name="Chris Macintosh" userId="14dd4ef2642f5a57" providerId="LiveId" clId="{0B728BBC-8025-42EE-B16C-100ACCF90F3A}" dt="2019-09-23T02:16:23.956" v="4"/>
+        <pc:sldMkLst>
+          <pc:docMk/>
+          <pc:sldMk cId="0" sldId="270"/>
+        </pc:sldMkLst>
+      </pc:sldChg>
+      <pc:sldChg chg="addSp delSp modSp add mod setBg">
+        <pc:chgData name="Chris Macintosh" userId="14dd4ef2642f5a57" providerId="LiveId" clId="{0B728BBC-8025-42EE-B16C-100ACCF90F3A}" dt="2019-09-23T03:35:09.465" v="3574" actId="26606"/>
+        <pc:sldMkLst>
+          <pc:docMk/>
+          <pc:sldMk cId="1712115318" sldId="271"/>
+        </pc:sldMkLst>
+        <pc:spChg chg="mod">
+          <ac:chgData name="Chris Macintosh" userId="14dd4ef2642f5a57" providerId="LiveId" clId="{0B728BBC-8025-42EE-B16C-100ACCF90F3A}" dt="2019-09-23T03:35:09.465" v="3574" actId="26606"/>
+          <ac:spMkLst>
+            <pc:docMk/>
+            <pc:sldMk cId="1712115318" sldId="271"/>
+            <ac:spMk id="2" creationId="{CB4FEDAF-B8CB-400A-8264-5D68772E4810}"/>
+          </ac:spMkLst>
+        </pc:spChg>
+        <pc:spChg chg="mod ord">
+          <ac:chgData name="Chris Macintosh" userId="14dd4ef2642f5a57" providerId="LiveId" clId="{0B728BBC-8025-42EE-B16C-100ACCF90F3A}" dt="2019-09-23T03:35:09.465" v="3574" actId="26606"/>
+          <ac:spMkLst>
+            <pc:docMk/>
+            <pc:sldMk cId="1712115318" sldId="271"/>
+            <ac:spMk id="3" creationId="{C6AFAA9E-9092-4293-8434-DF309FA7A686}"/>
+          </ac:spMkLst>
+        </pc:spChg>
+        <pc:picChg chg="add mod">
+          <ac:chgData name="Chris Macintosh" userId="14dd4ef2642f5a57" providerId="LiveId" clId="{0B728BBC-8025-42EE-B16C-100ACCF90F3A}" dt="2019-09-23T03:35:09.465" v="3574" actId="26606"/>
+          <ac:picMkLst>
+            <pc:docMk/>
+            <pc:sldMk cId="1712115318" sldId="271"/>
+            <ac:picMk id="5" creationId="{6D357E66-E498-452B-A4A6-013650E94A62}"/>
+          </ac:picMkLst>
+        </pc:picChg>
+        <pc:cxnChg chg="add del">
+          <ac:chgData name="Chris Macintosh" userId="14dd4ef2642f5a57" providerId="LiveId" clId="{0B728BBC-8025-42EE-B16C-100ACCF90F3A}" dt="2019-09-23T03:35:09.454" v="3573" actId="26606"/>
+          <ac:cxnSpMkLst>
+            <pc:docMk/>
+            <pc:sldMk cId="1712115318" sldId="271"/>
+            <ac:cxnSpMk id="10" creationId="{A7F400EE-A8A5-48AF-B4D6-291B52C6F0B0}"/>
+          </ac:cxnSpMkLst>
+        </pc:cxnChg>
+      </pc:sldChg>
+      <pc:sldChg chg="addSp delSp modSp add mod setBg">
+        <pc:chgData name="Chris Macintosh" userId="14dd4ef2642f5a57" providerId="LiveId" clId="{0B728BBC-8025-42EE-B16C-100ACCF90F3A}" dt="2019-09-23T03:47:53.397" v="3594" actId="1076"/>
+        <pc:sldMkLst>
+          <pc:docMk/>
+          <pc:sldMk cId="1365929097" sldId="272"/>
+        </pc:sldMkLst>
+        <pc:spChg chg="mod">
+          <ac:chgData name="Chris Macintosh" userId="14dd4ef2642f5a57" providerId="LiveId" clId="{0B728BBC-8025-42EE-B16C-100ACCF90F3A}" dt="2019-09-23T03:46:25.236" v="3592" actId="26606"/>
+          <ac:spMkLst>
+            <pc:docMk/>
+            <pc:sldMk cId="1365929097" sldId="272"/>
+            <ac:spMk id="2" creationId="{8E1E0565-665C-4CE9-9C6D-A8BA0C4B4354}"/>
+          </ac:spMkLst>
+        </pc:spChg>
+        <pc:spChg chg="mod ord">
+          <ac:chgData name="Chris Macintosh" userId="14dd4ef2642f5a57" providerId="LiveId" clId="{0B728BBC-8025-42EE-B16C-100ACCF90F3A}" dt="2019-09-23T03:47:53.397" v="3594" actId="1076"/>
+          <ac:spMkLst>
+            <pc:docMk/>
+            <pc:sldMk cId="1365929097" sldId="272"/>
+            <ac:spMk id="3" creationId="{99C2061D-8172-44B1-8691-E815FC37774E}"/>
+          </ac:spMkLst>
+        </pc:spChg>
+        <pc:spChg chg="add">
+          <ac:chgData name="Chris Macintosh" userId="14dd4ef2642f5a57" providerId="LiveId" clId="{0B728BBC-8025-42EE-B16C-100ACCF90F3A}" dt="2019-09-23T03:46:25.236" v="3592" actId="26606"/>
+          <ac:spMkLst>
+            <pc:docMk/>
+            <pc:sldMk cId="1365929097" sldId="272"/>
+            <ac:spMk id="8" creationId="{569C1A01-6FB5-43CE-ADCC-936728ACAC0D}"/>
+          </ac:spMkLst>
+        </pc:spChg>
+        <pc:spChg chg="add del">
+          <ac:chgData name="Chris Macintosh" userId="14dd4ef2642f5a57" providerId="LiveId" clId="{0B728BBC-8025-42EE-B16C-100ACCF90F3A}" dt="2019-09-23T03:45:09.155" v="3583" actId="26606"/>
+          <ac:spMkLst>
+            <pc:docMk/>
+            <pc:sldMk cId="1365929097" sldId="272"/>
+            <ac:spMk id="10" creationId="{3CD9DF72-87A3-404E-A828-84CBF11A8303}"/>
+          </ac:spMkLst>
+        </pc:spChg>
+        <pc:spChg chg="add del">
+          <ac:chgData name="Chris Macintosh" userId="14dd4ef2642f5a57" providerId="LiveId" clId="{0B728BBC-8025-42EE-B16C-100ACCF90F3A}" dt="2019-09-23T03:45:20.426" v="3585" actId="26606"/>
+          <ac:spMkLst>
+            <pc:docMk/>
+            <pc:sldMk cId="1365929097" sldId="272"/>
+            <ac:spMk id="14" creationId="{4038CB10-1F5C-4D54-9DF7-12586DE5B007}"/>
+          </ac:spMkLst>
+        </pc:spChg>
+        <pc:spChg chg="add del">
+          <ac:chgData name="Chris Macintosh" userId="14dd4ef2642f5a57" providerId="LiveId" clId="{0B728BBC-8025-42EE-B16C-100ACCF90F3A}" dt="2019-09-23T03:45:20.426" v="3585" actId="26606"/>
+          <ac:spMkLst>
+            <pc:docMk/>
+            <pc:sldMk cId="1365929097" sldId="272"/>
+            <ac:spMk id="15" creationId="{73ED6512-6858-4552-B699-9A97FE9A4EA2}"/>
+          </ac:spMkLst>
+        </pc:spChg>
+        <pc:spChg chg="add del">
+          <ac:chgData name="Chris Macintosh" userId="14dd4ef2642f5a57" providerId="LiveId" clId="{0B728BBC-8025-42EE-B16C-100ACCF90F3A}" dt="2019-09-23T03:46:07.068" v="3589" actId="26606"/>
+          <ac:spMkLst>
+            <pc:docMk/>
+            <pc:sldMk cId="1365929097" sldId="272"/>
+            <ac:spMk id="20" creationId="{569C1A01-6FB5-43CE-ADCC-936728ACAC0D}"/>
+          </ac:spMkLst>
+        </pc:spChg>
+        <pc:picChg chg="add mod ord">
+          <ac:chgData name="Chris Macintosh" userId="14dd4ef2642f5a57" providerId="LiveId" clId="{0B728BBC-8025-42EE-B16C-100ACCF90F3A}" dt="2019-09-23T03:46:25.236" v="3592" actId="26606"/>
+          <ac:picMkLst>
+            <pc:docMk/>
+            <pc:sldMk cId="1365929097" sldId="272"/>
+            <ac:picMk id="5" creationId="{D27319B8-6AB5-4792-BEE0-6BFE9A9EF255}"/>
+          </ac:picMkLst>
+        </pc:picChg>
+        <pc:picChg chg="add">
+          <ac:chgData name="Chris Macintosh" userId="14dd4ef2642f5a57" providerId="LiveId" clId="{0B728BBC-8025-42EE-B16C-100ACCF90F3A}" dt="2019-09-23T03:46:25.236" v="3592" actId="26606"/>
+          <ac:picMkLst>
+            <pc:docMk/>
+            <pc:sldMk cId="1365929097" sldId="272"/>
+            <ac:picMk id="7" creationId="{EE09A529-E47C-4634-BB98-0A9526C372B4}"/>
+          </ac:picMkLst>
+        </pc:picChg>
+        <pc:picChg chg="add del">
+          <ac:chgData name="Chris Macintosh" userId="14dd4ef2642f5a57" providerId="LiveId" clId="{0B728BBC-8025-42EE-B16C-100ACCF90F3A}" dt="2019-09-23T03:45:26.635" v="3587" actId="26606"/>
+          <ac:picMkLst>
+            <pc:docMk/>
+            <pc:sldMk cId="1365929097" sldId="272"/>
+            <ac:picMk id="17" creationId="{54DDEBDD-D8BD-41A6-8A0D-B00E3768B0F9}"/>
+          </ac:picMkLst>
+        </pc:picChg>
+        <pc:picChg chg="add del">
+          <ac:chgData name="Chris Macintosh" userId="14dd4ef2642f5a57" providerId="LiveId" clId="{0B728BBC-8025-42EE-B16C-100ACCF90F3A}" dt="2019-09-23T03:46:07.068" v="3589" actId="26606"/>
+          <ac:picMkLst>
+            <pc:docMk/>
+            <pc:sldMk cId="1365929097" sldId="272"/>
+            <ac:picMk id="19" creationId="{EE09A529-E47C-4634-BB98-0A9526C372B4}"/>
+          </ac:picMkLst>
+        </pc:picChg>
+        <pc:cxnChg chg="add del">
+          <ac:chgData name="Chris Macintosh" userId="14dd4ef2642f5a57" providerId="LiveId" clId="{0B728BBC-8025-42EE-B16C-100ACCF90F3A}" dt="2019-09-23T03:45:09.155" v="3583" actId="26606"/>
+          <ac:cxnSpMkLst>
+            <pc:docMk/>
+            <pc:sldMk cId="1365929097" sldId="272"/>
+            <ac:cxnSpMk id="12" creationId="{20E3A342-4D61-4E3F-AF90-1AB42AEB96CC}"/>
+          </ac:cxnSpMkLst>
+        </pc:cxnChg>
+      </pc:sldChg>
+      <pc:sldChg chg="addSp modSp add mod setBg">
+        <pc:chgData name="Chris Macintosh" userId="14dd4ef2642f5a57" providerId="LiveId" clId="{0B728BBC-8025-42EE-B16C-100ACCF90F3A}" dt="2019-09-23T04:09:08.695" v="3703" actId="20577"/>
+        <pc:sldMkLst>
+          <pc:docMk/>
+          <pc:sldMk cId="2602977704" sldId="273"/>
+        </pc:sldMkLst>
+        <pc:spChg chg="mod">
+          <ac:chgData name="Chris Macintosh" userId="14dd4ef2642f5a57" providerId="LiveId" clId="{0B728BBC-8025-42EE-B16C-100ACCF90F3A}" dt="2019-09-23T03:39:53.858" v="3576" actId="26606"/>
+          <ac:spMkLst>
+            <pc:docMk/>
+            <pc:sldMk cId="2602977704" sldId="273"/>
+            <ac:spMk id="2" creationId="{4A6B9DA5-159A-44D8-ACB8-C0E1BFE26F07}"/>
+          </ac:spMkLst>
+        </pc:spChg>
+        <pc:spChg chg="mod">
+          <ac:chgData name="Chris Macintosh" userId="14dd4ef2642f5a57" providerId="LiveId" clId="{0B728BBC-8025-42EE-B16C-100ACCF90F3A}" dt="2019-09-23T04:09:08.695" v="3703" actId="20577"/>
+          <ac:spMkLst>
+            <pc:docMk/>
+            <pc:sldMk cId="2602977704" sldId="273"/>
+            <ac:spMk id="3" creationId="{1B48A86A-5EC6-4E8D-9428-0111B659033B}"/>
+          </ac:spMkLst>
+        </pc:spChg>
+        <pc:picChg chg="add mod">
+          <ac:chgData name="Chris Macintosh" userId="14dd4ef2642f5a57" providerId="LiveId" clId="{0B728BBC-8025-42EE-B16C-100ACCF90F3A}" dt="2019-09-23T03:39:53.858" v="3576" actId="26606"/>
+          <ac:picMkLst>
+            <pc:docMk/>
+            <pc:sldMk cId="2602977704" sldId="273"/>
+            <ac:picMk id="5" creationId="{9F69F36E-552C-4F7D-ABD7-5A5BDF776520}"/>
+          </ac:picMkLst>
+        </pc:picChg>
+      </pc:sldChg>
+      <pc:sldChg chg="addSp modSp add mod setBg">
+        <pc:chgData name="Chris Macintosh" userId="14dd4ef2642f5a57" providerId="LiveId" clId="{0B728BBC-8025-42EE-B16C-100ACCF90F3A}" dt="2019-09-23T04:12:36.338" v="3797" actId="20577"/>
+        <pc:sldMkLst>
+          <pc:docMk/>
+          <pc:sldMk cId="2705293009" sldId="274"/>
+        </pc:sldMkLst>
+        <pc:spChg chg="mod">
+          <ac:chgData name="Chris Macintosh" userId="14dd4ef2642f5a57" providerId="LiveId" clId="{0B728BBC-8025-42EE-B16C-100ACCF90F3A}" dt="2019-09-23T03:42:46.442" v="3580" actId="26606"/>
+          <ac:spMkLst>
+            <pc:docMk/>
+            <pc:sldMk cId="2705293009" sldId="274"/>
+            <ac:spMk id="2" creationId="{F202E734-A2BF-4A4F-8C20-40F09C1B1BE2}"/>
+          </ac:spMkLst>
+        </pc:spChg>
+        <pc:spChg chg="mod">
+          <ac:chgData name="Chris Macintosh" userId="14dd4ef2642f5a57" providerId="LiveId" clId="{0B728BBC-8025-42EE-B16C-100ACCF90F3A}" dt="2019-09-23T04:12:36.338" v="3797" actId="20577"/>
+          <ac:spMkLst>
+            <pc:docMk/>
+            <pc:sldMk cId="2705293009" sldId="274"/>
+            <ac:spMk id="3" creationId="{52F4A721-2389-430B-9658-C920F6BCE4C4}"/>
+          </ac:spMkLst>
+        </pc:spChg>
+        <pc:picChg chg="add mod">
+          <ac:chgData name="Chris Macintosh" userId="14dd4ef2642f5a57" providerId="LiveId" clId="{0B728BBC-8025-42EE-B16C-100ACCF90F3A}" dt="2019-09-23T03:42:46.442" v="3580" actId="26606"/>
+          <ac:picMkLst>
+            <pc:docMk/>
+            <pc:sldMk cId="2705293009" sldId="274"/>
+            <ac:picMk id="5" creationId="{C2EA07C6-A272-4D95-A502-2AFFD3E4BEF0}"/>
+          </ac:picMkLst>
+        </pc:picChg>
+        <pc:cxnChg chg="add">
+          <ac:chgData name="Chris Macintosh" userId="14dd4ef2642f5a57" providerId="LiveId" clId="{0B728BBC-8025-42EE-B16C-100ACCF90F3A}" dt="2019-09-23T03:42:46.442" v="3580" actId="26606"/>
+          <ac:cxnSpMkLst>
+            <pc:docMk/>
+            <pc:sldMk cId="2705293009" sldId="274"/>
+            <ac:cxnSpMk id="10" creationId="{E4A809D5-3600-46D4-A466-67F2349A54FB}"/>
+          </ac:cxnSpMkLst>
+        </pc:cxnChg>
+      </pc:sldChg>
+      <pc:sldChg chg="addSp modSp add mod setBg">
+        <pc:chgData name="Chris Macintosh" userId="14dd4ef2642f5a57" providerId="LiveId" clId="{0B728BBC-8025-42EE-B16C-100ACCF90F3A}" dt="2019-09-23T03:54:16.127" v="3598" actId="26606"/>
+        <pc:sldMkLst>
+          <pc:docMk/>
+          <pc:sldMk cId="2286558551" sldId="275"/>
+        </pc:sldMkLst>
+        <pc:spChg chg="mod">
+          <ac:chgData name="Chris Macintosh" userId="14dd4ef2642f5a57" providerId="LiveId" clId="{0B728BBC-8025-42EE-B16C-100ACCF90F3A}" dt="2019-09-23T03:54:16.127" v="3598" actId="26606"/>
+          <ac:spMkLst>
+            <pc:docMk/>
+            <pc:sldMk cId="2286558551" sldId="275"/>
+            <ac:spMk id="2" creationId="{8FCD397C-385D-4F26-AE08-59943AFE6106}"/>
+          </ac:spMkLst>
+        </pc:spChg>
+        <pc:spChg chg="mod">
+          <ac:chgData name="Chris Macintosh" userId="14dd4ef2642f5a57" providerId="LiveId" clId="{0B728BBC-8025-42EE-B16C-100ACCF90F3A}" dt="2019-09-23T03:54:16.127" v="3598" actId="26606"/>
+          <ac:spMkLst>
+            <pc:docMk/>
+            <pc:sldMk cId="2286558551" sldId="275"/>
+            <ac:spMk id="3" creationId="{DDEA24CA-0BF9-49E5-B5AE-DFEE65F911FA}"/>
+          </ac:spMkLst>
+        </pc:spChg>
+        <pc:picChg chg="add mod">
+          <ac:chgData name="Chris Macintosh" userId="14dd4ef2642f5a57" providerId="LiveId" clId="{0B728BBC-8025-42EE-B16C-100ACCF90F3A}" dt="2019-09-23T03:54:16.127" v="3598" actId="26606"/>
+          <ac:picMkLst>
+            <pc:docMk/>
+            <pc:sldMk cId="2286558551" sldId="275"/>
+            <ac:picMk id="5" creationId="{DA1C7400-35C2-4201-8FEA-8150AA27A7D0}"/>
+          </ac:picMkLst>
+        </pc:picChg>
+      </pc:sldChg>
+      <pc:sldChg chg="addSp delSp modSp add mod setBg">
+        <pc:chgData name="Chris Macintosh" userId="14dd4ef2642f5a57" providerId="LiveId" clId="{0B728BBC-8025-42EE-B16C-100ACCF90F3A}" dt="2019-09-23T04:02:39.213" v="3602" actId="26606"/>
+        <pc:sldMkLst>
+          <pc:docMk/>
+          <pc:sldMk cId="3130813414" sldId="276"/>
+        </pc:sldMkLst>
+        <pc:spChg chg="del">
+          <ac:chgData name="Chris Macintosh" userId="14dd4ef2642f5a57" providerId="LiveId" clId="{0B728BBC-8025-42EE-B16C-100ACCF90F3A}" dt="2019-09-23T03:03:26.366" v="2748"/>
+          <ac:spMkLst>
+            <pc:docMk/>
+            <pc:sldMk cId="3130813414" sldId="276"/>
+            <ac:spMk id="2" creationId="{EA0003F1-C3A6-45B0-8DCE-4A089B3D945A}"/>
+          </ac:spMkLst>
+        </pc:spChg>
+        <pc:spChg chg="del">
+          <ac:chgData name="Chris Macintosh" userId="14dd4ef2642f5a57" providerId="LiveId" clId="{0B728BBC-8025-42EE-B16C-100ACCF90F3A}" dt="2019-09-23T03:03:26.366" v="2748"/>
+          <ac:spMkLst>
+            <pc:docMk/>
+            <pc:sldMk cId="3130813414" sldId="276"/>
+            <ac:spMk id="3" creationId="{9E84D875-95A1-43F5-8C33-875FD125107E}"/>
+          </ac:spMkLst>
+        </pc:spChg>
+        <pc:spChg chg="add mod">
+          <ac:chgData name="Chris Macintosh" userId="14dd4ef2642f5a57" providerId="LiveId" clId="{0B728BBC-8025-42EE-B16C-100ACCF90F3A}" dt="2019-09-23T04:02:39.213" v="3602" actId="26606"/>
+          <ac:spMkLst>
+            <pc:docMk/>
+            <pc:sldMk cId="3130813414" sldId="276"/>
+            <ac:spMk id="4" creationId="{F212F116-A16E-40BB-9324-6EB31AF121F5}"/>
+          </ac:spMkLst>
+        </pc:spChg>
+        <pc:spChg chg="add mod">
+          <ac:chgData name="Chris Macintosh" userId="14dd4ef2642f5a57" providerId="LiveId" clId="{0B728BBC-8025-42EE-B16C-100ACCF90F3A}" dt="2019-09-23T04:02:39.213" v="3602" actId="26606"/>
+          <ac:spMkLst>
+            <pc:docMk/>
+            <pc:sldMk cId="3130813414" sldId="276"/>
+            <ac:spMk id="5" creationId="{22D9AF39-27DF-407C-9F9F-43B226CE1DC6}"/>
+          </ac:spMkLst>
+        </pc:spChg>
+        <pc:picChg chg="add mod">
+          <ac:chgData name="Chris Macintosh" userId="14dd4ef2642f5a57" providerId="LiveId" clId="{0B728BBC-8025-42EE-B16C-100ACCF90F3A}" dt="2019-09-23T04:02:39.213" v="3602" actId="26606"/>
+          <ac:picMkLst>
+            <pc:docMk/>
+            <pc:sldMk cId="3130813414" sldId="276"/>
+            <ac:picMk id="7" creationId="{5F7A375D-1D8F-4198-B3E2-4D6C77CF427E}"/>
+          </ac:picMkLst>
+        </pc:picChg>
       </pc:sldChg>
     </pc:docChg>
+  </pc:docChgLst>
+  <pc:docChgLst>
+    <pc:chgData name="Chris Macintosh" userId="14dd4ef2642f5a57" providerId="LiveId" clId="{5949BD17-CA86-4EE5-859F-08829D7B5BB0}"/>
   </pc:docChgLst>
 </pc:chgInfo>
 </file>
@@ -513,7 +835,7 @@
           <a:p>
             <a:fld id="{03534BD8-4E36-4C77-B858-43B7453118D8}" type="datetimeFigureOut">
               <a:rPr lang="en-US" smtClean="0"/>
-              <a:t>4/10/2019</a:t>
+              <a:t>9/22/2019</a:t>
             </a:fld>
             <a:endParaRPr lang="en-US"/>
           </a:p>
@@ -711,7 +1033,7 @@
           <a:p>
             <a:fld id="{03534BD8-4E36-4C77-B858-43B7453118D8}" type="datetimeFigureOut">
               <a:rPr lang="en-US" smtClean="0"/>
-              <a:t>4/10/2019</a:t>
+              <a:t>9/22/2019</a:t>
             </a:fld>
             <a:endParaRPr lang="en-US"/>
           </a:p>
@@ -919,7 +1241,7 @@
           <a:p>
             <a:fld id="{03534BD8-4E36-4C77-B858-43B7453118D8}" type="datetimeFigureOut">
               <a:rPr lang="en-US" smtClean="0"/>
-              <a:t>4/10/2019</a:t>
+              <a:t>9/22/2019</a:t>
             </a:fld>
             <a:endParaRPr lang="en-US"/>
           </a:p>
@@ -983,6 +1305,2071 @@
     <p:extLst>
       <p:ext uri="{BB962C8B-B14F-4D97-AF65-F5344CB8AC3E}">
         <p14:creationId xmlns:p14="http://schemas.microsoft.com/office/powerpoint/2010/main" val="2391643527"/>
+      </p:ext>
+    </p:extLst>
+  </p:cSld>
+  <p:clrMapOvr>
+    <a:masterClrMapping/>
+  </p:clrMapOvr>
+</p:sldLayout>
+</file>
+
+<file path=ppt/slideLayouts/slideLayout12.xml><?xml version="1.0" encoding="utf-8"?>
+<p:sldLayout xmlns:a="http://schemas.openxmlformats.org/drawingml/2006/main" xmlns:r="http://schemas.openxmlformats.org/officeDocument/2006/relationships" xmlns:p="http://schemas.openxmlformats.org/presentationml/2006/main" type="title" preserve="1">
+  <p:cSld name="Title Slide">
+    <p:spTree>
+      <p:nvGrpSpPr>
+        <p:cNvPr id="1" name=""/>
+        <p:cNvGrpSpPr/>
+        <p:nvPr/>
+      </p:nvGrpSpPr>
+      <p:grpSpPr>
+        <a:xfrm>
+          <a:off x="0" y="0"/>
+          <a:ext cx="0" cy="0"/>
+          <a:chOff x="0" y="0"/>
+          <a:chExt cx="0" cy="0"/>
+        </a:xfrm>
+      </p:grpSpPr>
+      <p:sp>
+        <p:nvSpPr>
+          <p:cNvPr id="2" name="Title 1"/>
+          <p:cNvSpPr>
+            <a:spLocks noGrp="1"/>
+          </p:cNvSpPr>
+          <p:nvPr>
+            <p:ph type="ctrTitle"/>
+          </p:nvPr>
+        </p:nvSpPr>
+        <p:spPr>
+          <a:xfrm>
+            <a:off x="1490133" y="2130426"/>
+            <a:ext cx="9787467" cy="1470025"/>
+          </a:xfrm>
+        </p:spPr>
+        <p:txBody>
+          <a:bodyPr/>
+          <a:lstStyle/>
+          <a:p>
+            <a:r>
+              <a:rPr lang="en-GB"/>
+              <a:t>Click to edit Master title style</a:t>
+            </a:r>
+            <a:endParaRPr lang="en-GB" dirty="0"/>
+          </a:p>
+        </p:txBody>
+      </p:sp>
+      <p:sp>
+        <p:nvSpPr>
+          <p:cNvPr id="3" name="Subtitle 2"/>
+          <p:cNvSpPr>
+            <a:spLocks noGrp="1"/>
+          </p:cNvSpPr>
+          <p:nvPr>
+            <p:ph type="subTitle" idx="1"/>
+          </p:nvPr>
+        </p:nvSpPr>
+        <p:spPr>
+          <a:xfrm>
+            <a:off x="2167467" y="3886200"/>
+            <a:ext cx="8534400" cy="1752600"/>
+          </a:xfrm>
+        </p:spPr>
+        <p:txBody>
+          <a:bodyPr/>
+          <a:lstStyle>
+            <a:lvl1pPr marL="0" indent="0" algn="ctr">
+              <a:buNone/>
+              <a:defRPr/>
+            </a:lvl1pPr>
+            <a:lvl2pPr marL="457200" indent="0" algn="ctr">
+              <a:buNone/>
+              <a:defRPr/>
+            </a:lvl2pPr>
+            <a:lvl3pPr marL="914400" indent="0" algn="ctr">
+              <a:buNone/>
+              <a:defRPr/>
+            </a:lvl3pPr>
+            <a:lvl4pPr marL="1371600" indent="0" algn="ctr">
+              <a:buNone/>
+              <a:defRPr/>
+            </a:lvl4pPr>
+            <a:lvl5pPr marL="1828800" indent="0" algn="ctr">
+              <a:buNone/>
+              <a:defRPr/>
+            </a:lvl5pPr>
+            <a:lvl6pPr marL="2286000" indent="0" algn="ctr">
+              <a:buNone/>
+              <a:defRPr/>
+            </a:lvl6pPr>
+            <a:lvl7pPr marL="2743200" indent="0" algn="ctr">
+              <a:buNone/>
+              <a:defRPr/>
+            </a:lvl7pPr>
+            <a:lvl8pPr marL="3200400" indent="0" algn="ctr">
+              <a:buNone/>
+              <a:defRPr/>
+            </a:lvl8pPr>
+            <a:lvl9pPr marL="3657600" indent="0" algn="ctr">
+              <a:buNone/>
+              <a:defRPr/>
+            </a:lvl9pPr>
+          </a:lstStyle>
+          <a:p>
+            <a:r>
+              <a:rPr lang="en-GB"/>
+              <a:t>Click to edit Master subtitle style</a:t>
+            </a:r>
+            <a:endParaRPr lang="en-GB" dirty="0"/>
+          </a:p>
+        </p:txBody>
+      </p:sp>
+    </p:spTree>
+    <p:extLst>
+      <p:ext uri="{BB962C8B-B14F-4D97-AF65-F5344CB8AC3E}">
+        <p14:creationId xmlns:p14="http://schemas.microsoft.com/office/powerpoint/2010/main" val="242700674"/>
+      </p:ext>
+    </p:extLst>
+  </p:cSld>
+  <p:clrMapOvr>
+    <a:masterClrMapping/>
+  </p:clrMapOvr>
+  <p:timing>
+    <p:tnLst>
+      <p:par>
+        <p:cTn id="1" dur="indefinite" restart="never" nodeType="tmRoot">
+          <p:childTnLst>
+            <p:seq concurrent="1" nextAc="seek">
+              <p:cTn id="2" dur="indefinite" nodeType="mainSeq">
+                <p:childTnLst>
+                  <p:par>
+                    <p:cTn id="3" fill="hold">
+                      <p:stCondLst>
+                        <p:cond delay="indefinite"/>
+                        <p:cond evt="onBegin" delay="0">
+                          <p:tn val="2"/>
+                        </p:cond>
+                      </p:stCondLst>
+                      <p:childTnLst>
+                        <p:par>
+                          <p:cTn id="4" fill="hold">
+                            <p:stCondLst>
+                              <p:cond delay="0"/>
+                            </p:stCondLst>
+                            <p:childTnLst>
+                              <p:par>
+                                <p:cTn id="5" presetID="9" presetClass="entr" presetSubtype="0" fill="hold" grpId="0" nodeType="afterEffect">
+                                  <p:stCondLst>
+                                    <p:cond delay="0"/>
+                                  </p:stCondLst>
+                                  <p:childTnLst>
+                                    <p:set>
+                                      <p:cBhvr>
+                                        <p:cTn id="6" dur="1" fill="hold">
+                                          <p:stCondLst>
+                                            <p:cond delay="0"/>
+                                          </p:stCondLst>
+                                        </p:cTn>
+                                        <p:tgtEl>
+                                          <p:spTgt spid="2"/>
+                                        </p:tgtEl>
+                                        <p:attrNameLst>
+                                          <p:attrName>style.visibility</p:attrName>
+                                        </p:attrNameLst>
+                                      </p:cBhvr>
+                                      <p:to>
+                                        <p:strVal val="visible"/>
+                                      </p:to>
+                                    </p:set>
+                                    <p:animEffect transition="in" filter="dissolve">
+                                      <p:cBhvr>
+                                        <p:cTn id="7" dur="500"/>
+                                        <p:tgtEl>
+                                          <p:spTgt spid="2"/>
+                                        </p:tgtEl>
+                                      </p:cBhvr>
+                                    </p:animEffect>
+                                  </p:childTnLst>
+                                </p:cTn>
+                              </p:par>
+                            </p:childTnLst>
+                          </p:cTn>
+                        </p:par>
+                        <p:par>
+                          <p:cTn id="8" fill="hold">
+                            <p:stCondLst>
+                              <p:cond delay="500"/>
+                            </p:stCondLst>
+                            <p:childTnLst>
+                              <p:par>
+                                <p:cTn id="9" presetID="9" presetClass="entr" presetSubtype="0" fill="hold" grpId="0" nodeType="afterEffect">
+                                  <p:stCondLst>
+                                    <p:cond delay="0"/>
+                                  </p:stCondLst>
+                                  <p:childTnLst>
+                                    <p:set>
+                                      <p:cBhvr>
+                                        <p:cTn id="10" dur="1" fill="hold">
+                                          <p:stCondLst>
+                                            <p:cond delay="0"/>
+                                          </p:stCondLst>
+                                        </p:cTn>
+                                        <p:tgtEl>
+                                          <p:spTgt spid="3">
+                                            <p:txEl>
+                                              <p:pRg st="0" end="0"/>
+                                            </p:txEl>
+                                          </p:spTgt>
+                                        </p:tgtEl>
+                                        <p:attrNameLst>
+                                          <p:attrName>style.visibility</p:attrName>
+                                        </p:attrNameLst>
+                                      </p:cBhvr>
+                                      <p:to>
+                                        <p:strVal val="visible"/>
+                                      </p:to>
+                                    </p:set>
+                                    <p:animEffect transition="in" filter="dissolve">
+                                      <p:cBhvr>
+                                        <p:cTn id="11" dur="500"/>
+                                        <p:tgtEl>
+                                          <p:spTgt spid="3">
+                                            <p:txEl>
+                                              <p:pRg st="0" end="0"/>
+                                            </p:txEl>
+                                          </p:spTgt>
+                                        </p:tgtEl>
+                                      </p:cBhvr>
+                                    </p:animEffect>
+                                  </p:childTnLst>
+                                </p:cTn>
+                              </p:par>
+                            </p:childTnLst>
+                          </p:cTn>
+                        </p:par>
+                      </p:childTnLst>
+                    </p:cTn>
+                  </p:par>
+                </p:childTnLst>
+              </p:cTn>
+              <p:prevCondLst>
+                <p:cond evt="onPrev" delay="0">
+                  <p:tgtEl>
+                    <p:sldTgt/>
+                  </p:tgtEl>
+                </p:cond>
+              </p:prevCondLst>
+              <p:nextCondLst>
+                <p:cond evt="onNext" delay="0">
+                  <p:tgtEl>
+                    <p:sldTgt/>
+                  </p:tgtEl>
+                </p:cond>
+              </p:nextCondLst>
+            </p:seq>
+          </p:childTnLst>
+        </p:cTn>
+      </p:par>
+    </p:tnLst>
+    <p:bldLst>
+      <p:bldP spid="2" grpId="0"/>
+      <p:bldP spid="3" grpId="0" build="p">
+        <p:tmplLst>
+          <p:tmpl lvl="1">
+            <p:tnLst>
+              <p:par>
+                <p:cTn presetID="9" presetClass="entr" presetSubtype="0" fill="hold" nodeType="afterEffect">
+                  <p:stCondLst>
+                    <p:cond delay="0"/>
+                  </p:stCondLst>
+                  <p:childTnLst>
+                    <p:set>
+                      <p:cBhvr>
+                        <p:cTn dur="1" fill="hold">
+                          <p:stCondLst>
+                            <p:cond delay="0"/>
+                          </p:stCondLst>
+                        </p:cTn>
+                        <p:tgtEl>
+                          <p:spTgt spid="3"/>
+                        </p:tgtEl>
+                        <p:attrNameLst>
+                          <p:attrName>style.visibility</p:attrName>
+                        </p:attrNameLst>
+                      </p:cBhvr>
+                      <p:to>
+                        <p:strVal val="visible"/>
+                      </p:to>
+                    </p:set>
+                    <p:animEffect transition="in" filter="dissolve">
+                      <p:cBhvr>
+                        <p:cTn dur="500"/>
+                        <p:tgtEl>
+                          <p:spTgt spid="3"/>
+                        </p:tgtEl>
+                      </p:cBhvr>
+                    </p:animEffect>
+                  </p:childTnLst>
+                </p:cTn>
+              </p:par>
+            </p:tnLst>
+          </p:tmpl>
+        </p:tmplLst>
+      </p:bldP>
+    </p:bldLst>
+  </p:timing>
+</p:sldLayout>
+</file>
+
+<file path=ppt/slideLayouts/slideLayout13.xml><?xml version="1.0" encoding="utf-8"?>
+<p:sldLayout xmlns:a="http://schemas.openxmlformats.org/drawingml/2006/main" xmlns:r="http://schemas.openxmlformats.org/officeDocument/2006/relationships" xmlns:p="http://schemas.openxmlformats.org/presentationml/2006/main" type="obj" preserve="1">
+  <p:cSld name="Title and Content">
+    <p:spTree>
+      <p:nvGrpSpPr>
+        <p:cNvPr id="1" name=""/>
+        <p:cNvGrpSpPr/>
+        <p:nvPr/>
+      </p:nvGrpSpPr>
+      <p:grpSpPr>
+        <a:xfrm>
+          <a:off x="0" y="0"/>
+          <a:ext cx="0" cy="0"/>
+          <a:chOff x="0" y="0"/>
+          <a:chExt cx="0" cy="0"/>
+        </a:xfrm>
+      </p:grpSpPr>
+      <p:sp>
+        <p:nvSpPr>
+          <p:cNvPr id="2" name="Title 1"/>
+          <p:cNvSpPr>
+            <a:spLocks noGrp="1"/>
+          </p:cNvSpPr>
+          <p:nvPr>
+            <p:ph type="title"/>
+          </p:nvPr>
+        </p:nvSpPr>
+        <p:spPr/>
+        <p:txBody>
+          <a:bodyPr/>
+          <a:lstStyle>
+            <a:lvl1pPr>
+              <a:defRPr>
+                <a:latin typeface="+mn-lt"/>
+              </a:defRPr>
+            </a:lvl1pPr>
+          </a:lstStyle>
+          <a:p>
+            <a:r>
+              <a:rPr lang="en-GB"/>
+              <a:t>Click to edit Master title style</a:t>
+            </a:r>
+            <a:endParaRPr lang="en-GB" dirty="0"/>
+          </a:p>
+        </p:txBody>
+      </p:sp>
+      <p:sp>
+        <p:nvSpPr>
+          <p:cNvPr id="3" name="Content Placeholder 2"/>
+          <p:cNvSpPr>
+            <a:spLocks noGrp="1"/>
+          </p:cNvSpPr>
+          <p:nvPr>
+            <p:ph idx="1"/>
+          </p:nvPr>
+        </p:nvSpPr>
+        <p:spPr/>
+        <p:txBody>
+          <a:bodyPr/>
+          <a:lstStyle>
+            <a:lvl1pPr>
+              <a:defRPr>
+                <a:solidFill>
+                  <a:schemeClr val="accent2">
+                    <a:lumMod val="75000"/>
+                  </a:schemeClr>
+                </a:solidFill>
+                <a:latin typeface="+mn-lt"/>
+              </a:defRPr>
+            </a:lvl1pPr>
+            <a:lvl2pPr>
+              <a:defRPr>
+                <a:latin typeface="+mn-lt"/>
+              </a:defRPr>
+            </a:lvl2pPr>
+            <a:lvl3pPr>
+              <a:defRPr>
+                <a:latin typeface="+mn-lt"/>
+              </a:defRPr>
+            </a:lvl3pPr>
+            <a:lvl4pPr>
+              <a:defRPr>
+                <a:latin typeface="+mn-lt"/>
+              </a:defRPr>
+            </a:lvl4pPr>
+            <a:lvl5pPr>
+              <a:defRPr>
+                <a:latin typeface="+mn-lt"/>
+              </a:defRPr>
+            </a:lvl5pPr>
+          </a:lstStyle>
+          <a:p>
+            <a:pPr lvl="0"/>
+            <a:r>
+              <a:rPr lang="en-GB"/>
+              <a:t>Click to edit Master text styles</a:t>
+            </a:r>
+          </a:p>
+          <a:p>
+            <a:pPr lvl="1"/>
+            <a:r>
+              <a:rPr lang="en-GB"/>
+              <a:t>Second level</a:t>
+            </a:r>
+          </a:p>
+          <a:p>
+            <a:pPr lvl="2"/>
+            <a:r>
+              <a:rPr lang="en-GB"/>
+              <a:t>Third level</a:t>
+            </a:r>
+          </a:p>
+          <a:p>
+            <a:pPr lvl="3"/>
+            <a:r>
+              <a:rPr lang="en-GB"/>
+              <a:t>Fourth level</a:t>
+            </a:r>
+          </a:p>
+          <a:p>
+            <a:pPr lvl="4"/>
+            <a:r>
+              <a:rPr lang="en-GB"/>
+              <a:t>Fifth level</a:t>
+            </a:r>
+            <a:endParaRPr lang="en-GB" dirty="0"/>
+          </a:p>
+        </p:txBody>
+      </p:sp>
+    </p:spTree>
+    <p:extLst>
+      <p:ext uri="{BB962C8B-B14F-4D97-AF65-F5344CB8AC3E}">
+        <p14:creationId xmlns:p14="http://schemas.microsoft.com/office/powerpoint/2010/main" val="3582860493"/>
+      </p:ext>
+    </p:extLst>
+  </p:cSld>
+  <p:clrMapOvr>
+    <a:masterClrMapping/>
+  </p:clrMapOvr>
+  <p:timing>
+    <p:tnLst>
+      <p:par>
+        <p:cTn id="1" dur="indefinite" restart="never" nodeType="tmRoot">
+          <p:childTnLst>
+            <p:seq concurrent="1" nextAc="seek">
+              <p:cTn id="2" dur="indefinite" nodeType="mainSeq">
+                <p:childTnLst>
+                  <p:par>
+                    <p:cTn id="3" fill="hold">
+                      <p:stCondLst>
+                        <p:cond delay="indefinite"/>
+                        <p:cond evt="onBegin" delay="0">
+                          <p:tn val="2"/>
+                        </p:cond>
+                      </p:stCondLst>
+                      <p:childTnLst>
+                        <p:par>
+                          <p:cTn id="4" fill="hold">
+                            <p:stCondLst>
+                              <p:cond delay="0"/>
+                            </p:stCondLst>
+                            <p:childTnLst>
+                              <p:par>
+                                <p:cTn id="5" presetID="9" presetClass="entr" presetSubtype="0" fill="hold" grpId="0" nodeType="withEffect">
+                                  <p:stCondLst>
+                                    <p:cond delay="0"/>
+                                  </p:stCondLst>
+                                  <p:childTnLst>
+                                    <p:set>
+                                      <p:cBhvr>
+                                        <p:cTn id="6" dur="1" fill="hold">
+                                          <p:stCondLst>
+                                            <p:cond delay="0"/>
+                                          </p:stCondLst>
+                                        </p:cTn>
+                                        <p:tgtEl>
+                                          <p:spTgt spid="2"/>
+                                        </p:tgtEl>
+                                        <p:attrNameLst>
+                                          <p:attrName>style.visibility</p:attrName>
+                                        </p:attrNameLst>
+                                      </p:cBhvr>
+                                      <p:to>
+                                        <p:strVal val="visible"/>
+                                      </p:to>
+                                    </p:set>
+                                    <p:animEffect transition="in" filter="dissolve">
+                                      <p:cBhvr>
+                                        <p:cTn id="7" dur="500"/>
+                                        <p:tgtEl>
+                                          <p:spTgt spid="2"/>
+                                        </p:tgtEl>
+                                      </p:cBhvr>
+                                    </p:animEffect>
+                                  </p:childTnLst>
+                                </p:cTn>
+                              </p:par>
+                            </p:childTnLst>
+                          </p:cTn>
+                        </p:par>
+                      </p:childTnLst>
+                    </p:cTn>
+                  </p:par>
+                  <p:par>
+                    <p:cTn id="8" fill="hold">
+                      <p:stCondLst>
+                        <p:cond delay="indefinite"/>
+                      </p:stCondLst>
+                      <p:childTnLst>
+                        <p:par>
+                          <p:cTn id="9" fill="hold">
+                            <p:stCondLst>
+                              <p:cond delay="0"/>
+                            </p:stCondLst>
+                            <p:childTnLst>
+                              <p:par>
+                                <p:cTn id="10" presetID="9" presetClass="entr" presetSubtype="0" fill="hold" grpId="0" nodeType="clickEffect">
+                                  <p:stCondLst>
+                                    <p:cond delay="0"/>
+                                  </p:stCondLst>
+                                  <p:childTnLst>
+                                    <p:set>
+                                      <p:cBhvr>
+                                        <p:cTn id="11" dur="1" fill="hold">
+                                          <p:stCondLst>
+                                            <p:cond delay="0"/>
+                                          </p:stCondLst>
+                                        </p:cTn>
+                                        <p:tgtEl>
+                                          <p:spTgt spid="3">
+                                            <p:txEl>
+                                              <p:pRg st="0" end="0"/>
+                                            </p:txEl>
+                                          </p:spTgt>
+                                        </p:tgtEl>
+                                        <p:attrNameLst>
+                                          <p:attrName>style.visibility</p:attrName>
+                                        </p:attrNameLst>
+                                      </p:cBhvr>
+                                      <p:to>
+                                        <p:strVal val="visible"/>
+                                      </p:to>
+                                    </p:set>
+                                    <p:animEffect transition="in" filter="dissolve">
+                                      <p:cBhvr>
+                                        <p:cTn id="12" dur="500"/>
+                                        <p:tgtEl>
+                                          <p:spTgt spid="3">
+                                            <p:txEl>
+                                              <p:pRg st="0" end="0"/>
+                                            </p:txEl>
+                                          </p:spTgt>
+                                        </p:tgtEl>
+                                      </p:cBhvr>
+                                    </p:animEffect>
+                                  </p:childTnLst>
+                                </p:cTn>
+                              </p:par>
+                              <p:par>
+                                <p:cTn id="13" presetID="9" presetClass="entr" presetSubtype="0" fill="hold" grpId="0" nodeType="withEffect">
+                                  <p:stCondLst>
+                                    <p:cond delay="0"/>
+                                  </p:stCondLst>
+                                  <p:childTnLst>
+                                    <p:set>
+                                      <p:cBhvr>
+                                        <p:cTn id="14" dur="1" fill="hold">
+                                          <p:stCondLst>
+                                            <p:cond delay="0"/>
+                                          </p:stCondLst>
+                                        </p:cTn>
+                                        <p:tgtEl>
+                                          <p:spTgt spid="3">
+                                            <p:txEl>
+                                              <p:pRg st="1" end="1"/>
+                                            </p:txEl>
+                                          </p:spTgt>
+                                        </p:tgtEl>
+                                        <p:attrNameLst>
+                                          <p:attrName>style.visibility</p:attrName>
+                                        </p:attrNameLst>
+                                      </p:cBhvr>
+                                      <p:to>
+                                        <p:strVal val="visible"/>
+                                      </p:to>
+                                    </p:set>
+                                    <p:animEffect transition="in" filter="dissolve">
+                                      <p:cBhvr>
+                                        <p:cTn id="15" dur="500"/>
+                                        <p:tgtEl>
+                                          <p:spTgt spid="3">
+                                            <p:txEl>
+                                              <p:pRg st="1" end="1"/>
+                                            </p:txEl>
+                                          </p:spTgt>
+                                        </p:tgtEl>
+                                      </p:cBhvr>
+                                    </p:animEffect>
+                                  </p:childTnLst>
+                                </p:cTn>
+                              </p:par>
+                              <p:par>
+                                <p:cTn id="16" presetID="9" presetClass="entr" presetSubtype="0" fill="hold" grpId="0" nodeType="withEffect">
+                                  <p:stCondLst>
+                                    <p:cond delay="0"/>
+                                  </p:stCondLst>
+                                  <p:childTnLst>
+                                    <p:set>
+                                      <p:cBhvr>
+                                        <p:cTn id="17" dur="1" fill="hold">
+                                          <p:stCondLst>
+                                            <p:cond delay="0"/>
+                                          </p:stCondLst>
+                                        </p:cTn>
+                                        <p:tgtEl>
+                                          <p:spTgt spid="3">
+                                            <p:txEl>
+                                              <p:pRg st="2" end="2"/>
+                                            </p:txEl>
+                                          </p:spTgt>
+                                        </p:tgtEl>
+                                        <p:attrNameLst>
+                                          <p:attrName>style.visibility</p:attrName>
+                                        </p:attrNameLst>
+                                      </p:cBhvr>
+                                      <p:to>
+                                        <p:strVal val="visible"/>
+                                      </p:to>
+                                    </p:set>
+                                    <p:animEffect transition="in" filter="dissolve">
+                                      <p:cBhvr>
+                                        <p:cTn id="18" dur="500"/>
+                                        <p:tgtEl>
+                                          <p:spTgt spid="3">
+                                            <p:txEl>
+                                              <p:pRg st="2" end="2"/>
+                                            </p:txEl>
+                                          </p:spTgt>
+                                        </p:tgtEl>
+                                      </p:cBhvr>
+                                    </p:animEffect>
+                                  </p:childTnLst>
+                                </p:cTn>
+                              </p:par>
+                              <p:par>
+                                <p:cTn id="19" presetID="9" presetClass="entr" presetSubtype="0" fill="hold" grpId="0" nodeType="withEffect">
+                                  <p:stCondLst>
+                                    <p:cond delay="0"/>
+                                  </p:stCondLst>
+                                  <p:childTnLst>
+                                    <p:set>
+                                      <p:cBhvr>
+                                        <p:cTn id="20" dur="1" fill="hold">
+                                          <p:stCondLst>
+                                            <p:cond delay="0"/>
+                                          </p:stCondLst>
+                                        </p:cTn>
+                                        <p:tgtEl>
+                                          <p:spTgt spid="3">
+                                            <p:txEl>
+                                              <p:pRg st="3" end="3"/>
+                                            </p:txEl>
+                                          </p:spTgt>
+                                        </p:tgtEl>
+                                        <p:attrNameLst>
+                                          <p:attrName>style.visibility</p:attrName>
+                                        </p:attrNameLst>
+                                      </p:cBhvr>
+                                      <p:to>
+                                        <p:strVal val="visible"/>
+                                      </p:to>
+                                    </p:set>
+                                    <p:animEffect transition="in" filter="dissolve">
+                                      <p:cBhvr>
+                                        <p:cTn id="21" dur="500"/>
+                                        <p:tgtEl>
+                                          <p:spTgt spid="3">
+                                            <p:txEl>
+                                              <p:pRg st="3" end="3"/>
+                                            </p:txEl>
+                                          </p:spTgt>
+                                        </p:tgtEl>
+                                      </p:cBhvr>
+                                    </p:animEffect>
+                                  </p:childTnLst>
+                                </p:cTn>
+                              </p:par>
+                              <p:par>
+                                <p:cTn id="22" presetID="9" presetClass="entr" presetSubtype="0" fill="hold" grpId="0" nodeType="withEffect">
+                                  <p:stCondLst>
+                                    <p:cond delay="0"/>
+                                  </p:stCondLst>
+                                  <p:childTnLst>
+                                    <p:set>
+                                      <p:cBhvr>
+                                        <p:cTn id="23" dur="1" fill="hold">
+                                          <p:stCondLst>
+                                            <p:cond delay="0"/>
+                                          </p:stCondLst>
+                                        </p:cTn>
+                                        <p:tgtEl>
+                                          <p:spTgt spid="3">
+                                            <p:txEl>
+                                              <p:pRg st="4" end="4"/>
+                                            </p:txEl>
+                                          </p:spTgt>
+                                        </p:tgtEl>
+                                        <p:attrNameLst>
+                                          <p:attrName>style.visibility</p:attrName>
+                                        </p:attrNameLst>
+                                      </p:cBhvr>
+                                      <p:to>
+                                        <p:strVal val="visible"/>
+                                      </p:to>
+                                    </p:set>
+                                    <p:animEffect transition="in" filter="dissolve">
+                                      <p:cBhvr>
+                                        <p:cTn id="24" dur="500"/>
+                                        <p:tgtEl>
+                                          <p:spTgt spid="3">
+                                            <p:txEl>
+                                              <p:pRg st="4" end="4"/>
+                                            </p:txEl>
+                                          </p:spTgt>
+                                        </p:tgtEl>
+                                      </p:cBhvr>
+                                    </p:animEffect>
+                                  </p:childTnLst>
+                                </p:cTn>
+                              </p:par>
+                            </p:childTnLst>
+                          </p:cTn>
+                        </p:par>
+                      </p:childTnLst>
+                    </p:cTn>
+                  </p:par>
+                </p:childTnLst>
+              </p:cTn>
+              <p:prevCondLst>
+                <p:cond evt="onPrev" delay="0">
+                  <p:tgtEl>
+                    <p:sldTgt/>
+                  </p:tgtEl>
+                </p:cond>
+              </p:prevCondLst>
+              <p:nextCondLst>
+                <p:cond evt="onNext" delay="0">
+                  <p:tgtEl>
+                    <p:sldTgt/>
+                  </p:tgtEl>
+                </p:cond>
+              </p:nextCondLst>
+            </p:seq>
+          </p:childTnLst>
+        </p:cTn>
+      </p:par>
+    </p:tnLst>
+    <p:bldLst>
+      <p:bldP spid="2" grpId="0"/>
+      <p:bldP spid="3" grpId="0" build="p">
+        <p:tmplLst>
+          <p:tmpl lvl="1">
+            <p:tnLst>
+              <p:par>
+                <p:cTn presetID="9" presetClass="entr" presetSubtype="0" fill="hold" nodeType="clickEffect">
+                  <p:stCondLst>
+                    <p:cond delay="0"/>
+                  </p:stCondLst>
+                  <p:childTnLst>
+                    <p:set>
+                      <p:cBhvr>
+                        <p:cTn dur="1" fill="hold">
+                          <p:stCondLst>
+                            <p:cond delay="0"/>
+                          </p:stCondLst>
+                        </p:cTn>
+                        <p:tgtEl>
+                          <p:spTgt spid="3"/>
+                        </p:tgtEl>
+                        <p:attrNameLst>
+                          <p:attrName>style.visibility</p:attrName>
+                        </p:attrNameLst>
+                      </p:cBhvr>
+                      <p:to>
+                        <p:strVal val="visible"/>
+                      </p:to>
+                    </p:set>
+                    <p:animEffect transition="in" filter="dissolve">
+                      <p:cBhvr>
+                        <p:cTn dur="500"/>
+                        <p:tgtEl>
+                          <p:spTgt spid="3"/>
+                        </p:tgtEl>
+                      </p:cBhvr>
+                    </p:animEffect>
+                  </p:childTnLst>
+                </p:cTn>
+              </p:par>
+            </p:tnLst>
+          </p:tmpl>
+          <p:tmpl lvl="2">
+            <p:tnLst>
+              <p:par>
+                <p:cTn presetID="9" presetClass="entr" presetSubtype="0" fill="hold" nodeType="withEffect">
+                  <p:stCondLst>
+                    <p:cond delay="0"/>
+                  </p:stCondLst>
+                  <p:childTnLst>
+                    <p:set>
+                      <p:cBhvr>
+                        <p:cTn dur="1" fill="hold">
+                          <p:stCondLst>
+                            <p:cond delay="0"/>
+                          </p:stCondLst>
+                        </p:cTn>
+                        <p:tgtEl>
+                          <p:spTgt spid="3"/>
+                        </p:tgtEl>
+                        <p:attrNameLst>
+                          <p:attrName>style.visibility</p:attrName>
+                        </p:attrNameLst>
+                      </p:cBhvr>
+                      <p:to>
+                        <p:strVal val="visible"/>
+                      </p:to>
+                    </p:set>
+                    <p:animEffect transition="in" filter="dissolve">
+                      <p:cBhvr>
+                        <p:cTn dur="500"/>
+                        <p:tgtEl>
+                          <p:spTgt spid="3"/>
+                        </p:tgtEl>
+                      </p:cBhvr>
+                    </p:animEffect>
+                  </p:childTnLst>
+                </p:cTn>
+              </p:par>
+            </p:tnLst>
+          </p:tmpl>
+          <p:tmpl lvl="3">
+            <p:tnLst>
+              <p:par>
+                <p:cTn presetID="9" presetClass="entr" presetSubtype="0" fill="hold" nodeType="withEffect">
+                  <p:stCondLst>
+                    <p:cond delay="0"/>
+                  </p:stCondLst>
+                  <p:childTnLst>
+                    <p:set>
+                      <p:cBhvr>
+                        <p:cTn dur="1" fill="hold">
+                          <p:stCondLst>
+                            <p:cond delay="0"/>
+                          </p:stCondLst>
+                        </p:cTn>
+                        <p:tgtEl>
+                          <p:spTgt spid="3"/>
+                        </p:tgtEl>
+                        <p:attrNameLst>
+                          <p:attrName>style.visibility</p:attrName>
+                        </p:attrNameLst>
+                      </p:cBhvr>
+                      <p:to>
+                        <p:strVal val="visible"/>
+                      </p:to>
+                    </p:set>
+                    <p:animEffect transition="in" filter="dissolve">
+                      <p:cBhvr>
+                        <p:cTn dur="500"/>
+                        <p:tgtEl>
+                          <p:spTgt spid="3"/>
+                        </p:tgtEl>
+                      </p:cBhvr>
+                    </p:animEffect>
+                  </p:childTnLst>
+                </p:cTn>
+              </p:par>
+            </p:tnLst>
+          </p:tmpl>
+          <p:tmpl lvl="4">
+            <p:tnLst>
+              <p:par>
+                <p:cTn presetID="9" presetClass="entr" presetSubtype="0" fill="hold" nodeType="withEffect">
+                  <p:stCondLst>
+                    <p:cond delay="0"/>
+                  </p:stCondLst>
+                  <p:childTnLst>
+                    <p:set>
+                      <p:cBhvr>
+                        <p:cTn dur="1" fill="hold">
+                          <p:stCondLst>
+                            <p:cond delay="0"/>
+                          </p:stCondLst>
+                        </p:cTn>
+                        <p:tgtEl>
+                          <p:spTgt spid="3"/>
+                        </p:tgtEl>
+                        <p:attrNameLst>
+                          <p:attrName>style.visibility</p:attrName>
+                        </p:attrNameLst>
+                      </p:cBhvr>
+                      <p:to>
+                        <p:strVal val="visible"/>
+                      </p:to>
+                    </p:set>
+                    <p:animEffect transition="in" filter="dissolve">
+                      <p:cBhvr>
+                        <p:cTn dur="500"/>
+                        <p:tgtEl>
+                          <p:spTgt spid="3"/>
+                        </p:tgtEl>
+                      </p:cBhvr>
+                    </p:animEffect>
+                  </p:childTnLst>
+                </p:cTn>
+              </p:par>
+            </p:tnLst>
+          </p:tmpl>
+          <p:tmpl lvl="5">
+            <p:tnLst>
+              <p:par>
+                <p:cTn presetID="9" presetClass="entr" presetSubtype="0" fill="hold" nodeType="withEffect">
+                  <p:stCondLst>
+                    <p:cond delay="0"/>
+                  </p:stCondLst>
+                  <p:childTnLst>
+                    <p:set>
+                      <p:cBhvr>
+                        <p:cTn dur="1" fill="hold">
+                          <p:stCondLst>
+                            <p:cond delay="0"/>
+                          </p:stCondLst>
+                        </p:cTn>
+                        <p:tgtEl>
+                          <p:spTgt spid="3"/>
+                        </p:tgtEl>
+                        <p:attrNameLst>
+                          <p:attrName>style.visibility</p:attrName>
+                        </p:attrNameLst>
+                      </p:cBhvr>
+                      <p:to>
+                        <p:strVal val="visible"/>
+                      </p:to>
+                    </p:set>
+                    <p:animEffect transition="in" filter="dissolve">
+                      <p:cBhvr>
+                        <p:cTn dur="500"/>
+                        <p:tgtEl>
+                          <p:spTgt spid="3"/>
+                        </p:tgtEl>
+                      </p:cBhvr>
+                    </p:animEffect>
+                  </p:childTnLst>
+                </p:cTn>
+              </p:par>
+            </p:tnLst>
+          </p:tmpl>
+        </p:tmplLst>
+      </p:bldP>
+    </p:bldLst>
+  </p:timing>
+</p:sldLayout>
+</file>
+
+<file path=ppt/slideLayouts/slideLayout14.xml><?xml version="1.0" encoding="utf-8"?>
+<p:sldLayout xmlns:a="http://schemas.openxmlformats.org/drawingml/2006/main" xmlns:r="http://schemas.openxmlformats.org/officeDocument/2006/relationships" xmlns:p="http://schemas.openxmlformats.org/presentationml/2006/main" type="secHead" preserve="1">
+  <p:cSld name="Section Header">
+    <p:spTree>
+      <p:nvGrpSpPr>
+        <p:cNvPr id="1" name=""/>
+        <p:cNvGrpSpPr/>
+        <p:nvPr/>
+      </p:nvGrpSpPr>
+      <p:grpSpPr>
+        <a:xfrm>
+          <a:off x="0" y="0"/>
+          <a:ext cx="0" cy="0"/>
+          <a:chOff x="0" y="0"/>
+          <a:chExt cx="0" cy="0"/>
+        </a:xfrm>
+      </p:grpSpPr>
+      <p:sp>
+        <p:nvSpPr>
+          <p:cNvPr id="2" name="Title 1"/>
+          <p:cNvSpPr>
+            <a:spLocks noGrp="1"/>
+          </p:cNvSpPr>
+          <p:nvPr>
+            <p:ph type="title"/>
+          </p:nvPr>
+        </p:nvSpPr>
+        <p:spPr>
+          <a:xfrm>
+            <a:off x="1490133" y="4406901"/>
+            <a:ext cx="9836151" cy="1362075"/>
+          </a:xfrm>
+        </p:spPr>
+        <p:txBody>
+          <a:bodyPr anchor="t"/>
+          <a:lstStyle>
+            <a:lvl1pPr algn="l">
+              <a:defRPr sz="4000" b="1" cap="all"/>
+            </a:lvl1pPr>
+          </a:lstStyle>
+          <a:p>
+            <a:r>
+              <a:rPr lang="en-GB"/>
+              <a:t>Click to edit Master title style</a:t>
+            </a:r>
+            <a:endParaRPr lang="en-GB" dirty="0"/>
+          </a:p>
+        </p:txBody>
+      </p:sp>
+      <p:sp>
+        <p:nvSpPr>
+          <p:cNvPr id="3" name="Text Placeholder 2"/>
+          <p:cNvSpPr>
+            <a:spLocks noGrp="1"/>
+          </p:cNvSpPr>
+          <p:nvPr>
+            <p:ph type="body" idx="1"/>
+          </p:nvPr>
+        </p:nvSpPr>
+        <p:spPr>
+          <a:xfrm>
+            <a:off x="1490133" y="2906713"/>
+            <a:ext cx="9836151" cy="1500187"/>
+          </a:xfrm>
+        </p:spPr>
+        <p:txBody>
+          <a:bodyPr anchor="b"/>
+          <a:lstStyle>
+            <a:lvl1pPr marL="0" indent="0">
+              <a:buNone/>
+              <a:defRPr sz="2000"/>
+            </a:lvl1pPr>
+            <a:lvl2pPr marL="457200" indent="0">
+              <a:buNone/>
+              <a:defRPr sz="1800"/>
+            </a:lvl2pPr>
+            <a:lvl3pPr marL="914400" indent="0">
+              <a:buNone/>
+              <a:defRPr sz="1600"/>
+            </a:lvl3pPr>
+            <a:lvl4pPr marL="1371600" indent="0">
+              <a:buNone/>
+              <a:defRPr sz="1400"/>
+            </a:lvl4pPr>
+            <a:lvl5pPr marL="1828800" indent="0">
+              <a:buNone/>
+              <a:defRPr sz="1400"/>
+            </a:lvl5pPr>
+            <a:lvl6pPr marL="2286000" indent="0">
+              <a:buNone/>
+              <a:defRPr sz="1400"/>
+            </a:lvl6pPr>
+            <a:lvl7pPr marL="2743200" indent="0">
+              <a:buNone/>
+              <a:defRPr sz="1400"/>
+            </a:lvl7pPr>
+            <a:lvl8pPr marL="3200400" indent="0">
+              <a:buNone/>
+              <a:defRPr sz="1400"/>
+            </a:lvl8pPr>
+            <a:lvl9pPr marL="3657600" indent="0">
+              <a:buNone/>
+              <a:defRPr sz="1400"/>
+            </a:lvl9pPr>
+          </a:lstStyle>
+          <a:p>
+            <a:pPr lvl="0"/>
+            <a:r>
+              <a:rPr lang="en-GB"/>
+              <a:t>Click to edit Master text styles</a:t>
+            </a:r>
+          </a:p>
+        </p:txBody>
+      </p:sp>
+    </p:spTree>
+    <p:extLst>
+      <p:ext uri="{BB962C8B-B14F-4D97-AF65-F5344CB8AC3E}">
+        <p14:creationId xmlns:p14="http://schemas.microsoft.com/office/powerpoint/2010/main" val="937204593"/>
+      </p:ext>
+    </p:extLst>
+  </p:cSld>
+  <p:clrMapOvr>
+    <a:masterClrMapping/>
+  </p:clrMapOvr>
+</p:sldLayout>
+</file>
+
+<file path=ppt/slideLayouts/slideLayout15.xml><?xml version="1.0" encoding="utf-8"?>
+<p:sldLayout xmlns:a="http://schemas.openxmlformats.org/drawingml/2006/main" xmlns:r="http://schemas.openxmlformats.org/officeDocument/2006/relationships" xmlns:p="http://schemas.openxmlformats.org/presentationml/2006/main" type="twoObj" preserve="1">
+  <p:cSld name="Two Content">
+    <p:spTree>
+      <p:nvGrpSpPr>
+        <p:cNvPr id="1" name=""/>
+        <p:cNvGrpSpPr/>
+        <p:nvPr/>
+      </p:nvGrpSpPr>
+      <p:grpSpPr>
+        <a:xfrm>
+          <a:off x="0" y="0"/>
+          <a:ext cx="0" cy="0"/>
+          <a:chOff x="0" y="0"/>
+          <a:chExt cx="0" cy="0"/>
+        </a:xfrm>
+      </p:grpSpPr>
+      <p:sp>
+        <p:nvSpPr>
+          <p:cNvPr id="2" name="Title 1"/>
+          <p:cNvSpPr>
+            <a:spLocks noGrp="1"/>
+          </p:cNvSpPr>
+          <p:nvPr>
+            <p:ph type="title"/>
+          </p:nvPr>
+        </p:nvSpPr>
+        <p:spPr/>
+        <p:txBody>
+          <a:bodyPr/>
+          <a:lstStyle/>
+          <a:p>
+            <a:r>
+              <a:rPr lang="en-GB"/>
+              <a:t>Click to edit Master title style</a:t>
+            </a:r>
+          </a:p>
+        </p:txBody>
+      </p:sp>
+      <p:sp>
+        <p:nvSpPr>
+          <p:cNvPr id="3" name="Content Placeholder 2"/>
+          <p:cNvSpPr>
+            <a:spLocks noGrp="1"/>
+          </p:cNvSpPr>
+          <p:nvPr>
+            <p:ph sz="half" idx="1"/>
+          </p:nvPr>
+        </p:nvSpPr>
+        <p:spPr>
+          <a:xfrm>
+            <a:off x="1521883" y="1600201"/>
+            <a:ext cx="4929716" cy="4525963"/>
+          </a:xfrm>
+        </p:spPr>
+        <p:txBody>
+          <a:bodyPr/>
+          <a:lstStyle>
+            <a:lvl1pPr>
+              <a:defRPr sz="2800"/>
+            </a:lvl1pPr>
+            <a:lvl2pPr>
+              <a:defRPr sz="2400"/>
+            </a:lvl2pPr>
+            <a:lvl3pPr>
+              <a:defRPr sz="2000"/>
+            </a:lvl3pPr>
+            <a:lvl4pPr>
+              <a:defRPr sz="1800"/>
+            </a:lvl4pPr>
+            <a:lvl5pPr>
+              <a:defRPr sz="1800"/>
+            </a:lvl5pPr>
+            <a:lvl6pPr>
+              <a:defRPr sz="1800"/>
+            </a:lvl6pPr>
+            <a:lvl7pPr>
+              <a:defRPr sz="1800"/>
+            </a:lvl7pPr>
+            <a:lvl8pPr>
+              <a:defRPr sz="1800"/>
+            </a:lvl8pPr>
+            <a:lvl9pPr>
+              <a:defRPr sz="1800"/>
+            </a:lvl9pPr>
+          </a:lstStyle>
+          <a:p>
+            <a:pPr lvl="0"/>
+            <a:r>
+              <a:rPr lang="en-GB"/>
+              <a:t>Click to edit Master text styles</a:t>
+            </a:r>
+          </a:p>
+          <a:p>
+            <a:pPr lvl="1"/>
+            <a:r>
+              <a:rPr lang="en-GB"/>
+              <a:t>Second level</a:t>
+            </a:r>
+          </a:p>
+          <a:p>
+            <a:pPr lvl="2"/>
+            <a:r>
+              <a:rPr lang="en-GB"/>
+              <a:t>Third level</a:t>
+            </a:r>
+          </a:p>
+          <a:p>
+            <a:pPr lvl="3"/>
+            <a:r>
+              <a:rPr lang="en-GB"/>
+              <a:t>Fourth level</a:t>
+            </a:r>
+          </a:p>
+          <a:p>
+            <a:pPr lvl="4"/>
+            <a:r>
+              <a:rPr lang="en-GB"/>
+              <a:t>Fifth level</a:t>
+            </a:r>
+            <a:endParaRPr lang="en-GB" dirty="0"/>
+          </a:p>
+        </p:txBody>
+      </p:sp>
+      <p:sp>
+        <p:nvSpPr>
+          <p:cNvPr id="4" name="Content Placeholder 3"/>
+          <p:cNvSpPr>
+            <a:spLocks noGrp="1"/>
+          </p:cNvSpPr>
+          <p:nvPr>
+            <p:ph sz="half" idx="2"/>
+          </p:nvPr>
+        </p:nvSpPr>
+        <p:spPr>
+          <a:xfrm>
+            <a:off x="6722535" y="1600201"/>
+            <a:ext cx="4859867" cy="4525963"/>
+          </a:xfrm>
+        </p:spPr>
+        <p:txBody>
+          <a:bodyPr/>
+          <a:lstStyle>
+            <a:lvl1pPr>
+              <a:defRPr sz="2800"/>
+            </a:lvl1pPr>
+            <a:lvl2pPr>
+              <a:defRPr sz="2400"/>
+            </a:lvl2pPr>
+            <a:lvl3pPr>
+              <a:defRPr sz="2000"/>
+            </a:lvl3pPr>
+            <a:lvl4pPr>
+              <a:defRPr sz="1800"/>
+            </a:lvl4pPr>
+            <a:lvl5pPr>
+              <a:defRPr sz="1800"/>
+            </a:lvl5pPr>
+            <a:lvl6pPr>
+              <a:defRPr sz="1800"/>
+            </a:lvl6pPr>
+            <a:lvl7pPr>
+              <a:defRPr sz="1800"/>
+            </a:lvl7pPr>
+            <a:lvl8pPr>
+              <a:defRPr sz="1800"/>
+            </a:lvl8pPr>
+            <a:lvl9pPr>
+              <a:defRPr sz="1800"/>
+            </a:lvl9pPr>
+          </a:lstStyle>
+          <a:p>
+            <a:pPr lvl="0"/>
+            <a:r>
+              <a:rPr lang="en-GB"/>
+              <a:t>Click to edit Master text styles</a:t>
+            </a:r>
+          </a:p>
+          <a:p>
+            <a:pPr lvl="1"/>
+            <a:r>
+              <a:rPr lang="en-GB"/>
+              <a:t>Second level</a:t>
+            </a:r>
+          </a:p>
+          <a:p>
+            <a:pPr lvl="2"/>
+            <a:r>
+              <a:rPr lang="en-GB"/>
+              <a:t>Third level</a:t>
+            </a:r>
+          </a:p>
+          <a:p>
+            <a:pPr lvl="3"/>
+            <a:r>
+              <a:rPr lang="en-GB"/>
+              <a:t>Fourth level</a:t>
+            </a:r>
+          </a:p>
+          <a:p>
+            <a:pPr lvl="4"/>
+            <a:r>
+              <a:rPr lang="en-GB"/>
+              <a:t>Fifth level</a:t>
+            </a:r>
+            <a:endParaRPr lang="en-GB" dirty="0"/>
+          </a:p>
+        </p:txBody>
+      </p:sp>
+    </p:spTree>
+    <p:extLst>
+      <p:ext uri="{BB962C8B-B14F-4D97-AF65-F5344CB8AC3E}">
+        <p14:creationId xmlns:p14="http://schemas.microsoft.com/office/powerpoint/2010/main" val="3772442049"/>
+      </p:ext>
+    </p:extLst>
+  </p:cSld>
+  <p:clrMapOvr>
+    <a:masterClrMapping/>
+  </p:clrMapOvr>
+</p:sldLayout>
+</file>
+
+<file path=ppt/slideLayouts/slideLayout16.xml><?xml version="1.0" encoding="utf-8"?>
+<p:sldLayout xmlns:a="http://schemas.openxmlformats.org/drawingml/2006/main" xmlns:r="http://schemas.openxmlformats.org/officeDocument/2006/relationships" xmlns:p="http://schemas.openxmlformats.org/presentationml/2006/main" type="twoTxTwoObj" preserve="1">
+  <p:cSld name="Comparison">
+    <p:spTree>
+      <p:nvGrpSpPr>
+        <p:cNvPr id="1" name=""/>
+        <p:cNvGrpSpPr/>
+        <p:nvPr/>
+      </p:nvGrpSpPr>
+      <p:grpSpPr>
+        <a:xfrm>
+          <a:off x="0" y="0"/>
+          <a:ext cx="0" cy="0"/>
+          <a:chOff x="0" y="0"/>
+          <a:chExt cx="0" cy="0"/>
+        </a:xfrm>
+      </p:grpSpPr>
+      <p:sp>
+        <p:nvSpPr>
+          <p:cNvPr id="2" name="Title 1"/>
+          <p:cNvSpPr>
+            <a:spLocks noGrp="1"/>
+          </p:cNvSpPr>
+          <p:nvPr>
+            <p:ph type="title"/>
+          </p:nvPr>
+        </p:nvSpPr>
+        <p:spPr>
+          <a:xfrm>
+            <a:off x="1219200" y="274638"/>
+            <a:ext cx="10363200" cy="1143000"/>
+          </a:xfrm>
+        </p:spPr>
+        <p:txBody>
+          <a:bodyPr/>
+          <a:lstStyle>
+            <a:lvl1pPr>
+              <a:defRPr/>
+            </a:lvl1pPr>
+          </a:lstStyle>
+          <a:p>
+            <a:r>
+              <a:rPr lang="en-GB"/>
+              <a:t>Click to edit Master title style</a:t>
+            </a:r>
+            <a:endParaRPr lang="en-GB" dirty="0"/>
+          </a:p>
+        </p:txBody>
+      </p:sp>
+      <p:sp>
+        <p:nvSpPr>
+          <p:cNvPr id="3" name="Text Placeholder 2"/>
+          <p:cNvSpPr>
+            <a:spLocks noGrp="1"/>
+          </p:cNvSpPr>
+          <p:nvPr>
+            <p:ph type="body" idx="1"/>
+          </p:nvPr>
+        </p:nvSpPr>
+        <p:spPr>
+          <a:xfrm>
+            <a:off x="1236133" y="1535113"/>
+            <a:ext cx="4760384" cy="639762"/>
+          </a:xfrm>
+        </p:spPr>
+        <p:txBody>
+          <a:bodyPr anchor="b"/>
+          <a:lstStyle>
+            <a:lvl1pPr marL="0" indent="0">
+              <a:buNone/>
+              <a:defRPr sz="2400" b="1"/>
+            </a:lvl1pPr>
+            <a:lvl2pPr marL="457200" indent="0">
+              <a:buNone/>
+              <a:defRPr sz="2000" b="1"/>
+            </a:lvl2pPr>
+            <a:lvl3pPr marL="914400" indent="0">
+              <a:buNone/>
+              <a:defRPr sz="1800" b="1"/>
+            </a:lvl3pPr>
+            <a:lvl4pPr marL="1371600" indent="0">
+              <a:buNone/>
+              <a:defRPr sz="1600" b="1"/>
+            </a:lvl4pPr>
+            <a:lvl5pPr marL="1828800" indent="0">
+              <a:buNone/>
+              <a:defRPr sz="1600" b="1"/>
+            </a:lvl5pPr>
+            <a:lvl6pPr marL="2286000" indent="0">
+              <a:buNone/>
+              <a:defRPr sz="1600" b="1"/>
+            </a:lvl6pPr>
+            <a:lvl7pPr marL="2743200" indent="0">
+              <a:buNone/>
+              <a:defRPr sz="1600" b="1"/>
+            </a:lvl7pPr>
+            <a:lvl8pPr marL="3200400" indent="0">
+              <a:buNone/>
+              <a:defRPr sz="1600" b="1"/>
+            </a:lvl8pPr>
+            <a:lvl9pPr marL="3657600" indent="0">
+              <a:buNone/>
+              <a:defRPr sz="1600" b="1"/>
+            </a:lvl9pPr>
+          </a:lstStyle>
+          <a:p>
+            <a:pPr lvl="0"/>
+            <a:r>
+              <a:rPr lang="en-GB"/>
+              <a:t>Click to edit Master text styles</a:t>
+            </a:r>
+          </a:p>
+        </p:txBody>
+      </p:sp>
+      <p:sp>
+        <p:nvSpPr>
+          <p:cNvPr id="4" name="Content Placeholder 3"/>
+          <p:cNvSpPr>
+            <a:spLocks noGrp="1"/>
+          </p:cNvSpPr>
+          <p:nvPr>
+            <p:ph sz="half" idx="2"/>
+          </p:nvPr>
+        </p:nvSpPr>
+        <p:spPr>
+          <a:xfrm>
+            <a:off x="1236133" y="2174875"/>
+            <a:ext cx="4760384" cy="3951288"/>
+          </a:xfrm>
+        </p:spPr>
+        <p:txBody>
+          <a:bodyPr/>
+          <a:lstStyle>
+            <a:lvl1pPr>
+              <a:defRPr sz="2400"/>
+            </a:lvl1pPr>
+            <a:lvl2pPr>
+              <a:defRPr sz="2000"/>
+            </a:lvl2pPr>
+            <a:lvl3pPr>
+              <a:defRPr sz="1800"/>
+            </a:lvl3pPr>
+            <a:lvl4pPr>
+              <a:defRPr sz="1600"/>
+            </a:lvl4pPr>
+            <a:lvl5pPr>
+              <a:defRPr sz="1600"/>
+            </a:lvl5pPr>
+            <a:lvl6pPr>
+              <a:defRPr sz="1600"/>
+            </a:lvl6pPr>
+            <a:lvl7pPr>
+              <a:defRPr sz="1600"/>
+            </a:lvl7pPr>
+            <a:lvl8pPr>
+              <a:defRPr sz="1600"/>
+            </a:lvl8pPr>
+            <a:lvl9pPr>
+              <a:defRPr sz="1600"/>
+            </a:lvl9pPr>
+          </a:lstStyle>
+          <a:p>
+            <a:pPr lvl="0"/>
+            <a:r>
+              <a:rPr lang="en-GB"/>
+              <a:t>Click to edit Master text styles</a:t>
+            </a:r>
+          </a:p>
+          <a:p>
+            <a:pPr lvl="1"/>
+            <a:r>
+              <a:rPr lang="en-GB"/>
+              <a:t>Second level</a:t>
+            </a:r>
+          </a:p>
+          <a:p>
+            <a:pPr lvl="2"/>
+            <a:r>
+              <a:rPr lang="en-GB"/>
+              <a:t>Third level</a:t>
+            </a:r>
+          </a:p>
+          <a:p>
+            <a:pPr lvl="3"/>
+            <a:r>
+              <a:rPr lang="en-GB"/>
+              <a:t>Fourth level</a:t>
+            </a:r>
+          </a:p>
+          <a:p>
+            <a:pPr lvl="4"/>
+            <a:r>
+              <a:rPr lang="en-GB"/>
+              <a:t>Fifth level</a:t>
+            </a:r>
+            <a:endParaRPr lang="en-GB" dirty="0"/>
+          </a:p>
+        </p:txBody>
+      </p:sp>
+      <p:sp>
+        <p:nvSpPr>
+          <p:cNvPr id="5" name="Text Placeholder 4"/>
+          <p:cNvSpPr>
+            <a:spLocks noGrp="1"/>
+          </p:cNvSpPr>
+          <p:nvPr>
+            <p:ph type="body" sz="quarter" idx="3"/>
+          </p:nvPr>
+        </p:nvSpPr>
+        <p:spPr>
+          <a:xfrm>
+            <a:off x="6485467" y="1535113"/>
+            <a:ext cx="5096933" cy="639762"/>
+          </a:xfrm>
+        </p:spPr>
+        <p:txBody>
+          <a:bodyPr anchor="b"/>
+          <a:lstStyle>
+            <a:lvl1pPr marL="0" indent="0">
+              <a:buNone/>
+              <a:defRPr sz="2400" b="1"/>
+            </a:lvl1pPr>
+            <a:lvl2pPr marL="457200" indent="0">
+              <a:buNone/>
+              <a:defRPr sz="2000" b="1"/>
+            </a:lvl2pPr>
+            <a:lvl3pPr marL="914400" indent="0">
+              <a:buNone/>
+              <a:defRPr sz="1800" b="1"/>
+            </a:lvl3pPr>
+            <a:lvl4pPr marL="1371600" indent="0">
+              <a:buNone/>
+              <a:defRPr sz="1600" b="1"/>
+            </a:lvl4pPr>
+            <a:lvl5pPr marL="1828800" indent="0">
+              <a:buNone/>
+              <a:defRPr sz="1600" b="1"/>
+            </a:lvl5pPr>
+            <a:lvl6pPr marL="2286000" indent="0">
+              <a:buNone/>
+              <a:defRPr sz="1600" b="1"/>
+            </a:lvl6pPr>
+            <a:lvl7pPr marL="2743200" indent="0">
+              <a:buNone/>
+              <a:defRPr sz="1600" b="1"/>
+            </a:lvl7pPr>
+            <a:lvl8pPr marL="3200400" indent="0">
+              <a:buNone/>
+              <a:defRPr sz="1600" b="1"/>
+            </a:lvl8pPr>
+            <a:lvl9pPr marL="3657600" indent="0">
+              <a:buNone/>
+              <a:defRPr sz="1600" b="1"/>
+            </a:lvl9pPr>
+          </a:lstStyle>
+          <a:p>
+            <a:pPr lvl="0"/>
+            <a:r>
+              <a:rPr lang="en-GB"/>
+              <a:t>Click to edit Master text styles</a:t>
+            </a:r>
+          </a:p>
+        </p:txBody>
+      </p:sp>
+      <p:sp>
+        <p:nvSpPr>
+          <p:cNvPr id="6" name="Content Placeholder 5"/>
+          <p:cNvSpPr>
+            <a:spLocks noGrp="1"/>
+          </p:cNvSpPr>
+          <p:nvPr>
+            <p:ph sz="quarter" idx="4"/>
+          </p:nvPr>
+        </p:nvSpPr>
+        <p:spPr>
+          <a:xfrm>
+            <a:off x="6502400" y="2174875"/>
+            <a:ext cx="5080000" cy="3951288"/>
+          </a:xfrm>
+        </p:spPr>
+        <p:txBody>
+          <a:bodyPr/>
+          <a:lstStyle>
+            <a:lvl1pPr>
+              <a:defRPr sz="2400"/>
+            </a:lvl1pPr>
+            <a:lvl2pPr>
+              <a:defRPr sz="2000"/>
+            </a:lvl2pPr>
+            <a:lvl3pPr>
+              <a:defRPr sz="1800"/>
+            </a:lvl3pPr>
+            <a:lvl4pPr>
+              <a:defRPr sz="1600"/>
+            </a:lvl4pPr>
+            <a:lvl5pPr>
+              <a:defRPr sz="1600"/>
+            </a:lvl5pPr>
+            <a:lvl6pPr>
+              <a:defRPr sz="1600"/>
+            </a:lvl6pPr>
+            <a:lvl7pPr>
+              <a:defRPr sz="1600"/>
+            </a:lvl7pPr>
+            <a:lvl8pPr>
+              <a:defRPr sz="1600"/>
+            </a:lvl8pPr>
+            <a:lvl9pPr>
+              <a:defRPr sz="1600"/>
+            </a:lvl9pPr>
+          </a:lstStyle>
+          <a:p>
+            <a:pPr lvl="0"/>
+            <a:r>
+              <a:rPr lang="en-GB"/>
+              <a:t>Click to edit Master text styles</a:t>
+            </a:r>
+          </a:p>
+          <a:p>
+            <a:pPr lvl="1"/>
+            <a:r>
+              <a:rPr lang="en-GB"/>
+              <a:t>Second level</a:t>
+            </a:r>
+          </a:p>
+          <a:p>
+            <a:pPr lvl="2"/>
+            <a:r>
+              <a:rPr lang="en-GB"/>
+              <a:t>Third level</a:t>
+            </a:r>
+          </a:p>
+          <a:p>
+            <a:pPr lvl="3"/>
+            <a:r>
+              <a:rPr lang="en-GB"/>
+              <a:t>Fourth level</a:t>
+            </a:r>
+          </a:p>
+          <a:p>
+            <a:pPr lvl="4"/>
+            <a:r>
+              <a:rPr lang="en-GB"/>
+              <a:t>Fifth level</a:t>
+            </a:r>
+            <a:endParaRPr lang="en-GB" dirty="0"/>
+          </a:p>
+        </p:txBody>
+      </p:sp>
+    </p:spTree>
+    <p:extLst>
+      <p:ext uri="{BB962C8B-B14F-4D97-AF65-F5344CB8AC3E}">
+        <p14:creationId xmlns:p14="http://schemas.microsoft.com/office/powerpoint/2010/main" val="4197821346"/>
+      </p:ext>
+    </p:extLst>
+  </p:cSld>
+  <p:clrMapOvr>
+    <a:masterClrMapping/>
+  </p:clrMapOvr>
+</p:sldLayout>
+</file>
+
+<file path=ppt/slideLayouts/slideLayout17.xml><?xml version="1.0" encoding="utf-8"?>
+<p:sldLayout xmlns:a="http://schemas.openxmlformats.org/drawingml/2006/main" xmlns:r="http://schemas.openxmlformats.org/officeDocument/2006/relationships" xmlns:p="http://schemas.openxmlformats.org/presentationml/2006/main" type="titleOnly" preserve="1">
+  <p:cSld name="Title Only">
+    <p:spTree>
+      <p:nvGrpSpPr>
+        <p:cNvPr id="1" name=""/>
+        <p:cNvGrpSpPr/>
+        <p:nvPr/>
+      </p:nvGrpSpPr>
+      <p:grpSpPr>
+        <a:xfrm>
+          <a:off x="0" y="0"/>
+          <a:ext cx="0" cy="0"/>
+          <a:chOff x="0" y="0"/>
+          <a:chExt cx="0" cy="0"/>
+        </a:xfrm>
+      </p:grpSpPr>
+      <p:sp>
+        <p:nvSpPr>
+          <p:cNvPr id="2" name="Title 1"/>
+          <p:cNvSpPr>
+            <a:spLocks noGrp="1"/>
+          </p:cNvSpPr>
+          <p:nvPr>
+            <p:ph type="title"/>
+          </p:nvPr>
+        </p:nvSpPr>
+        <p:spPr/>
+        <p:txBody>
+          <a:bodyPr/>
+          <a:lstStyle/>
+          <a:p>
+            <a:r>
+              <a:rPr lang="en-GB"/>
+              <a:t>Click to edit Master title style</a:t>
+            </a:r>
+            <a:endParaRPr lang="en-GB" dirty="0"/>
+          </a:p>
+        </p:txBody>
+      </p:sp>
+    </p:spTree>
+    <p:extLst>
+      <p:ext uri="{BB962C8B-B14F-4D97-AF65-F5344CB8AC3E}">
+        <p14:creationId xmlns:p14="http://schemas.microsoft.com/office/powerpoint/2010/main" val="3816283860"/>
+      </p:ext>
+    </p:extLst>
+  </p:cSld>
+  <p:clrMapOvr>
+    <a:masterClrMapping/>
+  </p:clrMapOvr>
+  <p:timing>
+    <p:tnLst>
+      <p:par>
+        <p:cTn id="1" dur="indefinite" restart="never" nodeType="tmRoot">
+          <p:childTnLst>
+            <p:seq concurrent="1" nextAc="seek">
+              <p:cTn id="2" dur="indefinite" nodeType="mainSeq">
+                <p:childTnLst>
+                  <p:par>
+                    <p:cTn id="3" fill="hold">
+                      <p:stCondLst>
+                        <p:cond delay="indefinite"/>
+                        <p:cond evt="onBegin" delay="0">
+                          <p:tn val="2"/>
+                        </p:cond>
+                      </p:stCondLst>
+                      <p:childTnLst>
+                        <p:par>
+                          <p:cTn id="4" fill="hold">
+                            <p:stCondLst>
+                              <p:cond delay="0"/>
+                            </p:stCondLst>
+                            <p:childTnLst>
+                              <p:par>
+                                <p:cTn id="5" presetID="9" presetClass="entr" presetSubtype="0" fill="hold" grpId="0" nodeType="withEffect">
+                                  <p:stCondLst>
+                                    <p:cond delay="0"/>
+                                  </p:stCondLst>
+                                  <p:childTnLst>
+                                    <p:set>
+                                      <p:cBhvr>
+                                        <p:cTn id="6" dur="1" fill="hold">
+                                          <p:stCondLst>
+                                            <p:cond delay="0"/>
+                                          </p:stCondLst>
+                                        </p:cTn>
+                                        <p:tgtEl>
+                                          <p:spTgt spid="2"/>
+                                        </p:tgtEl>
+                                        <p:attrNameLst>
+                                          <p:attrName>style.visibility</p:attrName>
+                                        </p:attrNameLst>
+                                      </p:cBhvr>
+                                      <p:to>
+                                        <p:strVal val="visible"/>
+                                      </p:to>
+                                    </p:set>
+                                    <p:animEffect transition="in" filter="dissolve">
+                                      <p:cBhvr>
+                                        <p:cTn id="7" dur="500"/>
+                                        <p:tgtEl>
+                                          <p:spTgt spid="2"/>
+                                        </p:tgtEl>
+                                      </p:cBhvr>
+                                    </p:animEffect>
+                                  </p:childTnLst>
+                                </p:cTn>
+                              </p:par>
+                            </p:childTnLst>
+                          </p:cTn>
+                        </p:par>
+                      </p:childTnLst>
+                    </p:cTn>
+                  </p:par>
+                </p:childTnLst>
+              </p:cTn>
+              <p:prevCondLst>
+                <p:cond evt="onPrev" delay="0">
+                  <p:tgtEl>
+                    <p:sldTgt/>
+                  </p:tgtEl>
+                </p:cond>
+              </p:prevCondLst>
+              <p:nextCondLst>
+                <p:cond evt="onNext" delay="0">
+                  <p:tgtEl>
+                    <p:sldTgt/>
+                  </p:tgtEl>
+                </p:cond>
+              </p:nextCondLst>
+            </p:seq>
+          </p:childTnLst>
+        </p:cTn>
+      </p:par>
+    </p:tnLst>
+    <p:bldLst>
+      <p:bldP spid="2" grpId="0"/>
+    </p:bldLst>
+  </p:timing>
+</p:sldLayout>
+</file>
+
+<file path=ppt/slideLayouts/slideLayout18.xml><?xml version="1.0" encoding="utf-8"?>
+<p:sldLayout xmlns:a="http://schemas.openxmlformats.org/drawingml/2006/main" xmlns:r="http://schemas.openxmlformats.org/officeDocument/2006/relationships" xmlns:p="http://schemas.openxmlformats.org/presentationml/2006/main" type="blank" preserve="1">
+  <p:cSld name="Blank">
+    <p:spTree>
+      <p:nvGrpSpPr>
+        <p:cNvPr id="1" name=""/>
+        <p:cNvGrpSpPr/>
+        <p:nvPr/>
+      </p:nvGrpSpPr>
+      <p:grpSpPr>
+        <a:xfrm>
+          <a:off x="0" y="0"/>
+          <a:ext cx="0" cy="0"/>
+          <a:chOff x="0" y="0"/>
+          <a:chExt cx="0" cy="0"/>
+        </a:xfrm>
+      </p:grpSpPr>
+    </p:spTree>
+    <p:extLst>
+      <p:ext uri="{BB962C8B-B14F-4D97-AF65-F5344CB8AC3E}">
+        <p14:creationId xmlns:p14="http://schemas.microsoft.com/office/powerpoint/2010/main" val="796927425"/>
+      </p:ext>
+    </p:extLst>
+  </p:cSld>
+  <p:clrMapOvr>
+    <a:masterClrMapping/>
+  </p:clrMapOvr>
+</p:sldLayout>
+</file>
+
+<file path=ppt/slideLayouts/slideLayout19.xml><?xml version="1.0" encoding="utf-8"?>
+<p:sldLayout xmlns:a="http://schemas.openxmlformats.org/drawingml/2006/main" xmlns:r="http://schemas.openxmlformats.org/officeDocument/2006/relationships" xmlns:p="http://schemas.openxmlformats.org/presentationml/2006/main" type="objTx" preserve="1">
+  <p:cSld name="Content with Caption">
+    <p:spTree>
+      <p:nvGrpSpPr>
+        <p:cNvPr id="1" name=""/>
+        <p:cNvGrpSpPr/>
+        <p:nvPr/>
+      </p:nvGrpSpPr>
+      <p:grpSpPr>
+        <a:xfrm>
+          <a:off x="0" y="0"/>
+          <a:ext cx="0" cy="0"/>
+          <a:chOff x="0" y="0"/>
+          <a:chExt cx="0" cy="0"/>
+        </a:xfrm>
+      </p:grpSpPr>
+      <p:sp>
+        <p:nvSpPr>
+          <p:cNvPr id="2" name="Title 1"/>
+          <p:cNvSpPr>
+            <a:spLocks noGrp="1"/>
+          </p:cNvSpPr>
+          <p:nvPr>
+            <p:ph type="title"/>
+          </p:nvPr>
+        </p:nvSpPr>
+        <p:spPr>
+          <a:xfrm>
+            <a:off x="1100667" y="273050"/>
+            <a:ext cx="4011084" cy="1162050"/>
+          </a:xfrm>
+        </p:spPr>
+        <p:txBody>
+          <a:bodyPr anchor="b"/>
+          <a:lstStyle>
+            <a:lvl1pPr algn="l">
+              <a:defRPr sz="2000" b="1"/>
+            </a:lvl1pPr>
+          </a:lstStyle>
+          <a:p>
+            <a:r>
+              <a:rPr lang="en-GB"/>
+              <a:t>Click to edit Master title style</a:t>
+            </a:r>
+            <a:endParaRPr lang="en-GB" dirty="0"/>
+          </a:p>
+        </p:txBody>
+      </p:sp>
+      <p:sp>
+        <p:nvSpPr>
+          <p:cNvPr id="3" name="Content Placeholder 2"/>
+          <p:cNvSpPr>
+            <a:spLocks noGrp="1"/>
+          </p:cNvSpPr>
+          <p:nvPr>
+            <p:ph idx="1"/>
+          </p:nvPr>
+        </p:nvSpPr>
+        <p:spPr>
+          <a:xfrm>
+            <a:off x="5181600" y="273051"/>
+            <a:ext cx="6400800" cy="5853113"/>
+          </a:xfrm>
+        </p:spPr>
+        <p:txBody>
+          <a:bodyPr/>
+          <a:lstStyle>
+            <a:lvl1pPr>
+              <a:defRPr sz="3200"/>
+            </a:lvl1pPr>
+            <a:lvl2pPr>
+              <a:defRPr sz="2800"/>
+            </a:lvl2pPr>
+            <a:lvl3pPr>
+              <a:defRPr sz="2400"/>
+            </a:lvl3pPr>
+            <a:lvl4pPr>
+              <a:defRPr sz="2000"/>
+            </a:lvl4pPr>
+            <a:lvl5pPr>
+              <a:defRPr sz="2000"/>
+            </a:lvl5pPr>
+            <a:lvl6pPr>
+              <a:defRPr sz="2000"/>
+            </a:lvl6pPr>
+            <a:lvl7pPr>
+              <a:defRPr sz="2000"/>
+            </a:lvl7pPr>
+            <a:lvl8pPr>
+              <a:defRPr sz="2000"/>
+            </a:lvl8pPr>
+            <a:lvl9pPr>
+              <a:defRPr sz="2000"/>
+            </a:lvl9pPr>
+          </a:lstStyle>
+          <a:p>
+            <a:pPr lvl="0"/>
+            <a:r>
+              <a:rPr lang="en-GB"/>
+              <a:t>Click to edit Master text styles</a:t>
+            </a:r>
+          </a:p>
+          <a:p>
+            <a:pPr lvl="1"/>
+            <a:r>
+              <a:rPr lang="en-GB"/>
+              <a:t>Second level</a:t>
+            </a:r>
+          </a:p>
+          <a:p>
+            <a:pPr lvl="2"/>
+            <a:r>
+              <a:rPr lang="en-GB"/>
+              <a:t>Third level</a:t>
+            </a:r>
+          </a:p>
+          <a:p>
+            <a:pPr lvl="3"/>
+            <a:r>
+              <a:rPr lang="en-GB"/>
+              <a:t>Fourth level</a:t>
+            </a:r>
+          </a:p>
+          <a:p>
+            <a:pPr lvl="4"/>
+            <a:r>
+              <a:rPr lang="en-GB"/>
+              <a:t>Fifth level</a:t>
+            </a:r>
+            <a:endParaRPr lang="en-GB" dirty="0"/>
+          </a:p>
+        </p:txBody>
+      </p:sp>
+      <p:sp>
+        <p:nvSpPr>
+          <p:cNvPr id="4" name="Text Placeholder 3"/>
+          <p:cNvSpPr>
+            <a:spLocks noGrp="1"/>
+          </p:cNvSpPr>
+          <p:nvPr>
+            <p:ph type="body" sz="half" idx="2"/>
+          </p:nvPr>
+        </p:nvSpPr>
+        <p:spPr>
+          <a:xfrm>
+            <a:off x="1100667" y="1435101"/>
+            <a:ext cx="4011084" cy="4691063"/>
+          </a:xfrm>
+        </p:spPr>
+        <p:txBody>
+          <a:bodyPr/>
+          <a:lstStyle>
+            <a:lvl1pPr marL="0" indent="0">
+              <a:buNone/>
+              <a:defRPr sz="1400"/>
+            </a:lvl1pPr>
+            <a:lvl2pPr marL="457200" indent="0">
+              <a:buNone/>
+              <a:defRPr sz="1200"/>
+            </a:lvl2pPr>
+            <a:lvl3pPr marL="914400" indent="0">
+              <a:buNone/>
+              <a:defRPr sz="1000"/>
+            </a:lvl3pPr>
+            <a:lvl4pPr marL="1371600" indent="0">
+              <a:buNone/>
+              <a:defRPr sz="900"/>
+            </a:lvl4pPr>
+            <a:lvl5pPr marL="1828800" indent="0">
+              <a:buNone/>
+              <a:defRPr sz="900"/>
+            </a:lvl5pPr>
+            <a:lvl6pPr marL="2286000" indent="0">
+              <a:buNone/>
+              <a:defRPr sz="900"/>
+            </a:lvl6pPr>
+            <a:lvl7pPr marL="2743200" indent="0">
+              <a:buNone/>
+              <a:defRPr sz="900"/>
+            </a:lvl7pPr>
+            <a:lvl8pPr marL="3200400" indent="0">
+              <a:buNone/>
+              <a:defRPr sz="900"/>
+            </a:lvl8pPr>
+            <a:lvl9pPr marL="3657600" indent="0">
+              <a:buNone/>
+              <a:defRPr sz="900"/>
+            </a:lvl9pPr>
+          </a:lstStyle>
+          <a:p>
+            <a:pPr lvl="0"/>
+            <a:r>
+              <a:rPr lang="en-GB"/>
+              <a:t>Click to edit Master text styles</a:t>
+            </a:r>
+          </a:p>
+        </p:txBody>
+      </p:sp>
+    </p:spTree>
+    <p:extLst>
+      <p:ext uri="{BB962C8B-B14F-4D97-AF65-F5344CB8AC3E}">
+        <p14:creationId xmlns:p14="http://schemas.microsoft.com/office/powerpoint/2010/main" val="3896275940"/>
       </p:ext>
     </p:extLst>
   </p:cSld>
@@ -1117,7 +3504,7 @@
           <a:p>
             <a:fld id="{03534BD8-4E36-4C77-B858-43B7453118D8}" type="datetimeFigureOut">
               <a:rPr lang="en-US" smtClean="0"/>
-              <a:t>4/10/2019</a:t>
+              <a:t>9/22/2019</a:t>
             </a:fld>
             <a:endParaRPr lang="en-US"/>
           </a:p>
@@ -1181,6 +3568,882 @@
     <p:extLst>
       <p:ext uri="{BB962C8B-B14F-4D97-AF65-F5344CB8AC3E}">
         <p14:creationId xmlns:p14="http://schemas.microsoft.com/office/powerpoint/2010/main" val="1799488191"/>
+      </p:ext>
+    </p:extLst>
+  </p:cSld>
+  <p:clrMapOvr>
+    <a:masterClrMapping/>
+  </p:clrMapOvr>
+</p:sldLayout>
+</file>
+
+<file path=ppt/slideLayouts/slideLayout20.xml><?xml version="1.0" encoding="utf-8"?>
+<p:sldLayout xmlns:a="http://schemas.openxmlformats.org/drawingml/2006/main" xmlns:r="http://schemas.openxmlformats.org/officeDocument/2006/relationships" xmlns:p="http://schemas.openxmlformats.org/presentationml/2006/main" type="picTx" preserve="1">
+  <p:cSld name="Picture with Caption">
+    <p:spTree>
+      <p:nvGrpSpPr>
+        <p:cNvPr id="1" name=""/>
+        <p:cNvGrpSpPr/>
+        <p:nvPr/>
+      </p:nvGrpSpPr>
+      <p:grpSpPr>
+        <a:xfrm>
+          <a:off x="0" y="0"/>
+          <a:ext cx="0" cy="0"/>
+          <a:chOff x="0" y="0"/>
+          <a:chExt cx="0" cy="0"/>
+        </a:xfrm>
+      </p:grpSpPr>
+      <p:sp>
+        <p:nvSpPr>
+          <p:cNvPr id="2" name="Title 1"/>
+          <p:cNvSpPr>
+            <a:spLocks noGrp="1"/>
+          </p:cNvSpPr>
+          <p:nvPr>
+            <p:ph type="title"/>
+          </p:nvPr>
+        </p:nvSpPr>
+        <p:spPr>
+          <a:xfrm>
+            <a:off x="2389717" y="4800600"/>
+            <a:ext cx="7315200" cy="566738"/>
+          </a:xfrm>
+        </p:spPr>
+        <p:txBody>
+          <a:bodyPr anchor="b"/>
+          <a:lstStyle>
+            <a:lvl1pPr algn="l">
+              <a:defRPr sz="2000" b="1"/>
+            </a:lvl1pPr>
+          </a:lstStyle>
+          <a:p>
+            <a:r>
+              <a:rPr lang="en-GB"/>
+              <a:t>Click to edit Master title style</a:t>
+            </a:r>
+            <a:endParaRPr lang="en-GB" dirty="0"/>
+          </a:p>
+        </p:txBody>
+      </p:sp>
+      <p:sp>
+        <p:nvSpPr>
+          <p:cNvPr id="3" name="Picture Placeholder 2"/>
+          <p:cNvSpPr>
+            <a:spLocks noGrp="1"/>
+          </p:cNvSpPr>
+          <p:nvPr>
+            <p:ph type="pic" idx="1"/>
+          </p:nvPr>
+        </p:nvSpPr>
+        <p:spPr>
+          <a:xfrm>
+            <a:off x="2389717" y="612775"/>
+            <a:ext cx="7315200" cy="4114800"/>
+          </a:xfrm>
+        </p:spPr>
+        <p:txBody>
+          <a:bodyPr/>
+          <a:lstStyle>
+            <a:lvl1pPr marL="0" indent="0">
+              <a:buNone/>
+              <a:defRPr sz="3200"/>
+            </a:lvl1pPr>
+            <a:lvl2pPr marL="457200" indent="0">
+              <a:buNone/>
+              <a:defRPr sz="2800"/>
+            </a:lvl2pPr>
+            <a:lvl3pPr marL="914400" indent="0">
+              <a:buNone/>
+              <a:defRPr sz="2400"/>
+            </a:lvl3pPr>
+            <a:lvl4pPr marL="1371600" indent="0">
+              <a:buNone/>
+              <a:defRPr sz="2000"/>
+            </a:lvl4pPr>
+            <a:lvl5pPr marL="1828800" indent="0">
+              <a:buNone/>
+              <a:defRPr sz="2000"/>
+            </a:lvl5pPr>
+            <a:lvl6pPr marL="2286000" indent="0">
+              <a:buNone/>
+              <a:defRPr sz="2000"/>
+            </a:lvl6pPr>
+            <a:lvl7pPr marL="2743200" indent="0">
+              <a:buNone/>
+              <a:defRPr sz="2000"/>
+            </a:lvl7pPr>
+            <a:lvl8pPr marL="3200400" indent="0">
+              <a:buNone/>
+              <a:defRPr sz="2000"/>
+            </a:lvl8pPr>
+            <a:lvl9pPr marL="3657600" indent="0">
+              <a:buNone/>
+              <a:defRPr sz="2000"/>
+            </a:lvl9pPr>
+          </a:lstStyle>
+          <a:p>
+            <a:pPr lvl="0"/>
+            <a:r>
+              <a:rPr lang="en-GB" noProof="0"/>
+              <a:t>Drag picture to placeholder or click icon to add</a:t>
+            </a:r>
+          </a:p>
+        </p:txBody>
+      </p:sp>
+      <p:sp>
+        <p:nvSpPr>
+          <p:cNvPr id="4" name="Text Placeholder 3"/>
+          <p:cNvSpPr>
+            <a:spLocks noGrp="1"/>
+          </p:cNvSpPr>
+          <p:nvPr>
+            <p:ph type="body" sz="half" idx="2"/>
+          </p:nvPr>
+        </p:nvSpPr>
+        <p:spPr>
+          <a:xfrm>
+            <a:off x="2389717" y="5367338"/>
+            <a:ext cx="7315200" cy="804862"/>
+          </a:xfrm>
+        </p:spPr>
+        <p:txBody>
+          <a:bodyPr/>
+          <a:lstStyle>
+            <a:lvl1pPr marL="0" indent="0">
+              <a:buNone/>
+              <a:defRPr sz="1400"/>
+            </a:lvl1pPr>
+            <a:lvl2pPr marL="457200" indent="0">
+              <a:buNone/>
+              <a:defRPr sz="1200"/>
+            </a:lvl2pPr>
+            <a:lvl3pPr marL="914400" indent="0">
+              <a:buNone/>
+              <a:defRPr sz="1000"/>
+            </a:lvl3pPr>
+            <a:lvl4pPr marL="1371600" indent="0">
+              <a:buNone/>
+              <a:defRPr sz="900"/>
+            </a:lvl4pPr>
+            <a:lvl5pPr marL="1828800" indent="0">
+              <a:buNone/>
+              <a:defRPr sz="900"/>
+            </a:lvl5pPr>
+            <a:lvl6pPr marL="2286000" indent="0">
+              <a:buNone/>
+              <a:defRPr sz="900"/>
+            </a:lvl6pPr>
+            <a:lvl7pPr marL="2743200" indent="0">
+              <a:buNone/>
+              <a:defRPr sz="900"/>
+            </a:lvl7pPr>
+            <a:lvl8pPr marL="3200400" indent="0">
+              <a:buNone/>
+              <a:defRPr sz="900"/>
+            </a:lvl8pPr>
+            <a:lvl9pPr marL="3657600" indent="0">
+              <a:buNone/>
+              <a:defRPr sz="900"/>
+            </a:lvl9pPr>
+          </a:lstStyle>
+          <a:p>
+            <a:pPr lvl="0"/>
+            <a:r>
+              <a:rPr lang="en-GB"/>
+              <a:t>Click to edit Master text styles</a:t>
+            </a:r>
+          </a:p>
+        </p:txBody>
+      </p:sp>
+    </p:spTree>
+    <p:extLst>
+      <p:ext uri="{BB962C8B-B14F-4D97-AF65-F5344CB8AC3E}">
+        <p14:creationId xmlns:p14="http://schemas.microsoft.com/office/powerpoint/2010/main" val="1570917731"/>
+      </p:ext>
+    </p:extLst>
+  </p:cSld>
+  <p:clrMapOvr>
+    <a:masterClrMapping/>
+  </p:clrMapOvr>
+</p:sldLayout>
+</file>
+
+<file path=ppt/slideLayouts/slideLayout21.xml><?xml version="1.0" encoding="utf-8"?>
+<p:sldLayout xmlns:a="http://schemas.openxmlformats.org/drawingml/2006/main" xmlns:r="http://schemas.openxmlformats.org/officeDocument/2006/relationships" xmlns:p="http://schemas.openxmlformats.org/presentationml/2006/main" type="vertTx" preserve="1">
+  <p:cSld name="Title and Vertical Text">
+    <p:spTree>
+      <p:nvGrpSpPr>
+        <p:cNvPr id="1" name=""/>
+        <p:cNvGrpSpPr/>
+        <p:nvPr/>
+      </p:nvGrpSpPr>
+      <p:grpSpPr>
+        <a:xfrm>
+          <a:off x="0" y="0"/>
+          <a:ext cx="0" cy="0"/>
+          <a:chOff x="0" y="0"/>
+          <a:chExt cx="0" cy="0"/>
+        </a:xfrm>
+      </p:grpSpPr>
+      <p:sp>
+        <p:nvSpPr>
+          <p:cNvPr id="2" name="Title 1"/>
+          <p:cNvSpPr>
+            <a:spLocks noGrp="1"/>
+          </p:cNvSpPr>
+          <p:nvPr>
+            <p:ph type="title"/>
+          </p:nvPr>
+        </p:nvSpPr>
+        <p:spPr/>
+        <p:txBody>
+          <a:bodyPr/>
+          <a:lstStyle/>
+          <a:p>
+            <a:r>
+              <a:rPr lang="en-GB"/>
+              <a:t>Click to edit Master title style</a:t>
+            </a:r>
+          </a:p>
+        </p:txBody>
+      </p:sp>
+      <p:sp>
+        <p:nvSpPr>
+          <p:cNvPr id="3" name="Vertical Text Placeholder 2"/>
+          <p:cNvSpPr>
+            <a:spLocks noGrp="1"/>
+          </p:cNvSpPr>
+          <p:nvPr>
+            <p:ph type="body" orient="vert" idx="1"/>
+          </p:nvPr>
+        </p:nvSpPr>
+        <p:spPr/>
+        <p:txBody>
+          <a:bodyPr vert="eaVert"/>
+          <a:lstStyle/>
+          <a:p>
+            <a:pPr lvl="0"/>
+            <a:r>
+              <a:rPr lang="en-GB"/>
+              <a:t>Click to edit Master text styles</a:t>
+            </a:r>
+          </a:p>
+          <a:p>
+            <a:pPr lvl="1"/>
+            <a:r>
+              <a:rPr lang="en-GB"/>
+              <a:t>Second level</a:t>
+            </a:r>
+          </a:p>
+          <a:p>
+            <a:pPr lvl="2"/>
+            <a:r>
+              <a:rPr lang="en-GB"/>
+              <a:t>Third level</a:t>
+            </a:r>
+          </a:p>
+          <a:p>
+            <a:pPr lvl="3"/>
+            <a:r>
+              <a:rPr lang="en-GB"/>
+              <a:t>Fourth level</a:t>
+            </a:r>
+          </a:p>
+          <a:p>
+            <a:pPr lvl="4"/>
+            <a:r>
+              <a:rPr lang="en-GB"/>
+              <a:t>Fifth level</a:t>
+            </a:r>
+          </a:p>
+        </p:txBody>
+      </p:sp>
+    </p:spTree>
+    <p:extLst>
+      <p:ext uri="{BB962C8B-B14F-4D97-AF65-F5344CB8AC3E}">
+        <p14:creationId xmlns:p14="http://schemas.microsoft.com/office/powerpoint/2010/main" val="1198915569"/>
+      </p:ext>
+    </p:extLst>
+  </p:cSld>
+  <p:clrMapOvr>
+    <a:masterClrMapping/>
+  </p:clrMapOvr>
+</p:sldLayout>
+</file>
+
+<file path=ppt/slideLayouts/slideLayout22.xml><?xml version="1.0" encoding="utf-8"?>
+<p:sldLayout xmlns:a="http://schemas.openxmlformats.org/drawingml/2006/main" xmlns:r="http://schemas.openxmlformats.org/officeDocument/2006/relationships" xmlns:p="http://schemas.openxmlformats.org/presentationml/2006/main" type="vertTitleAndTx" preserve="1">
+  <p:cSld name="Vertical Title and Text">
+    <p:spTree>
+      <p:nvGrpSpPr>
+        <p:cNvPr id="1" name=""/>
+        <p:cNvGrpSpPr/>
+        <p:nvPr/>
+      </p:nvGrpSpPr>
+      <p:grpSpPr>
+        <a:xfrm>
+          <a:off x="0" y="0"/>
+          <a:ext cx="0" cy="0"/>
+          <a:chOff x="0" y="0"/>
+          <a:chExt cx="0" cy="0"/>
+        </a:xfrm>
+      </p:grpSpPr>
+      <p:sp>
+        <p:nvSpPr>
+          <p:cNvPr id="2" name="Vertical Title 1"/>
+          <p:cNvSpPr>
+            <a:spLocks noGrp="1"/>
+          </p:cNvSpPr>
+          <p:nvPr>
+            <p:ph type="title" orient="vert"/>
+          </p:nvPr>
+        </p:nvSpPr>
+        <p:spPr>
+          <a:xfrm>
+            <a:off x="9275234" y="274639"/>
+            <a:ext cx="2307167" cy="5851525"/>
+          </a:xfrm>
+        </p:spPr>
+        <p:txBody>
+          <a:bodyPr vert="eaVert"/>
+          <a:lstStyle/>
+          <a:p>
+            <a:r>
+              <a:rPr lang="en-GB"/>
+              <a:t>Click to edit Master title style</a:t>
+            </a:r>
+          </a:p>
+        </p:txBody>
+      </p:sp>
+      <p:sp>
+        <p:nvSpPr>
+          <p:cNvPr id="3" name="Vertical Text Placeholder 2"/>
+          <p:cNvSpPr>
+            <a:spLocks noGrp="1"/>
+          </p:cNvSpPr>
+          <p:nvPr>
+            <p:ph type="body" orient="vert" idx="1"/>
+          </p:nvPr>
+        </p:nvSpPr>
+        <p:spPr>
+          <a:xfrm>
+            <a:off x="2351617" y="274639"/>
+            <a:ext cx="6720416" cy="5851525"/>
+          </a:xfrm>
+        </p:spPr>
+        <p:txBody>
+          <a:bodyPr vert="eaVert"/>
+          <a:lstStyle/>
+          <a:p>
+            <a:pPr lvl="0"/>
+            <a:r>
+              <a:rPr lang="en-GB"/>
+              <a:t>Click to edit Master text styles</a:t>
+            </a:r>
+          </a:p>
+          <a:p>
+            <a:pPr lvl="1"/>
+            <a:r>
+              <a:rPr lang="en-GB"/>
+              <a:t>Second level</a:t>
+            </a:r>
+          </a:p>
+          <a:p>
+            <a:pPr lvl="2"/>
+            <a:r>
+              <a:rPr lang="en-GB"/>
+              <a:t>Third level</a:t>
+            </a:r>
+          </a:p>
+          <a:p>
+            <a:pPr lvl="3"/>
+            <a:r>
+              <a:rPr lang="en-GB"/>
+              <a:t>Fourth level</a:t>
+            </a:r>
+          </a:p>
+          <a:p>
+            <a:pPr lvl="4"/>
+            <a:r>
+              <a:rPr lang="en-GB"/>
+              <a:t>Fifth level</a:t>
+            </a:r>
+          </a:p>
+        </p:txBody>
+      </p:sp>
+    </p:spTree>
+    <p:extLst>
+      <p:ext uri="{BB962C8B-B14F-4D97-AF65-F5344CB8AC3E}">
+        <p14:creationId xmlns:p14="http://schemas.microsoft.com/office/powerpoint/2010/main" val="1812195753"/>
+      </p:ext>
+    </p:extLst>
+  </p:cSld>
+  <p:clrMapOvr>
+    <a:masterClrMapping/>
+  </p:clrMapOvr>
+</p:sldLayout>
+</file>
+
+<file path=ppt/slideLayouts/slideLayout23.xml><?xml version="1.0" encoding="utf-8"?>
+<p:sldLayout xmlns:a="http://schemas.openxmlformats.org/drawingml/2006/main" xmlns:r="http://schemas.openxmlformats.org/officeDocument/2006/relationships" xmlns:p="http://schemas.openxmlformats.org/presentationml/2006/main" type="objOnly" preserve="1">
+  <p:cSld name="Content">
+    <p:spTree>
+      <p:nvGrpSpPr>
+        <p:cNvPr id="1" name=""/>
+        <p:cNvGrpSpPr/>
+        <p:nvPr/>
+      </p:nvGrpSpPr>
+      <p:grpSpPr>
+        <a:xfrm>
+          <a:off x="0" y="0"/>
+          <a:ext cx="0" cy="0"/>
+          <a:chOff x="0" y="0"/>
+          <a:chExt cx="0" cy="0"/>
+        </a:xfrm>
+      </p:grpSpPr>
+      <p:sp>
+        <p:nvSpPr>
+          <p:cNvPr id="2" name="Content Placeholder 1"/>
+          <p:cNvSpPr>
+            <a:spLocks noGrp="1"/>
+          </p:cNvSpPr>
+          <p:nvPr>
+            <p:ph/>
+          </p:nvPr>
+        </p:nvSpPr>
+        <p:spPr>
+          <a:xfrm>
+            <a:off x="2351618" y="274639"/>
+            <a:ext cx="9230783" cy="5851525"/>
+          </a:xfrm>
+        </p:spPr>
+        <p:txBody>
+          <a:bodyPr/>
+          <a:lstStyle/>
+          <a:p>
+            <a:pPr lvl="0"/>
+            <a:r>
+              <a:rPr lang="en-GB"/>
+              <a:t>Click to edit Master text styles</a:t>
+            </a:r>
+          </a:p>
+          <a:p>
+            <a:pPr lvl="1"/>
+            <a:r>
+              <a:rPr lang="en-GB"/>
+              <a:t>Second level</a:t>
+            </a:r>
+          </a:p>
+          <a:p>
+            <a:pPr lvl="2"/>
+            <a:r>
+              <a:rPr lang="en-GB"/>
+              <a:t>Third level</a:t>
+            </a:r>
+          </a:p>
+          <a:p>
+            <a:pPr lvl="3"/>
+            <a:r>
+              <a:rPr lang="en-GB"/>
+              <a:t>Fourth level</a:t>
+            </a:r>
+          </a:p>
+          <a:p>
+            <a:pPr lvl="4"/>
+            <a:r>
+              <a:rPr lang="en-GB"/>
+              <a:t>Fifth level</a:t>
+            </a:r>
+          </a:p>
+        </p:txBody>
+      </p:sp>
+    </p:spTree>
+    <p:extLst>
+      <p:ext uri="{BB962C8B-B14F-4D97-AF65-F5344CB8AC3E}">
+        <p14:creationId xmlns:p14="http://schemas.microsoft.com/office/powerpoint/2010/main" val="608073001"/>
+      </p:ext>
+    </p:extLst>
+  </p:cSld>
+  <p:clrMapOvr>
+    <a:masterClrMapping/>
+  </p:clrMapOvr>
+</p:sldLayout>
+</file>
+
+<file path=ppt/slideLayouts/slideLayout24.xml><?xml version="1.0" encoding="utf-8"?>
+<p:sldLayout xmlns:a="http://schemas.openxmlformats.org/drawingml/2006/main" xmlns:r="http://schemas.openxmlformats.org/officeDocument/2006/relationships" xmlns:p="http://schemas.openxmlformats.org/presentationml/2006/main" type="txOverObj" preserve="1">
+  <p:cSld name="Title and Text over Content">
+    <p:spTree>
+      <p:nvGrpSpPr>
+        <p:cNvPr id="1" name=""/>
+        <p:cNvGrpSpPr/>
+        <p:nvPr/>
+      </p:nvGrpSpPr>
+      <p:grpSpPr>
+        <a:xfrm>
+          <a:off x="0" y="0"/>
+          <a:ext cx="0" cy="0"/>
+          <a:chOff x="0" y="0"/>
+          <a:chExt cx="0" cy="0"/>
+        </a:xfrm>
+      </p:grpSpPr>
+      <p:sp>
+        <p:nvSpPr>
+          <p:cNvPr id="2" name="Title 1"/>
+          <p:cNvSpPr>
+            <a:spLocks noGrp="1"/>
+          </p:cNvSpPr>
+          <p:nvPr>
+            <p:ph type="title"/>
+          </p:nvPr>
+        </p:nvSpPr>
+        <p:spPr>
+          <a:xfrm>
+            <a:off x="1303868" y="274638"/>
+            <a:ext cx="10278533" cy="1143000"/>
+          </a:xfrm>
+        </p:spPr>
+        <p:txBody>
+          <a:bodyPr/>
+          <a:lstStyle/>
+          <a:p>
+            <a:r>
+              <a:rPr lang="en-GB"/>
+              <a:t>Click to edit Master title style</a:t>
+            </a:r>
+            <a:endParaRPr lang="en-GB" dirty="0"/>
+          </a:p>
+        </p:txBody>
+      </p:sp>
+      <p:sp>
+        <p:nvSpPr>
+          <p:cNvPr id="3" name="Text Placeholder 2"/>
+          <p:cNvSpPr>
+            <a:spLocks noGrp="1"/>
+          </p:cNvSpPr>
+          <p:nvPr>
+            <p:ph type="body" sz="half" idx="1"/>
+          </p:nvPr>
+        </p:nvSpPr>
+        <p:spPr>
+          <a:xfrm>
+            <a:off x="1303868" y="1600200"/>
+            <a:ext cx="10278533" cy="2185988"/>
+          </a:xfrm>
+        </p:spPr>
+        <p:txBody>
+          <a:bodyPr/>
+          <a:lstStyle/>
+          <a:p>
+            <a:pPr lvl="0"/>
+            <a:r>
+              <a:rPr lang="en-GB"/>
+              <a:t>Click to edit Master text styles</a:t>
+            </a:r>
+          </a:p>
+          <a:p>
+            <a:pPr lvl="1"/>
+            <a:r>
+              <a:rPr lang="en-GB"/>
+              <a:t>Second level</a:t>
+            </a:r>
+          </a:p>
+          <a:p>
+            <a:pPr lvl="2"/>
+            <a:r>
+              <a:rPr lang="en-GB"/>
+              <a:t>Third level</a:t>
+            </a:r>
+          </a:p>
+          <a:p>
+            <a:pPr lvl="3"/>
+            <a:r>
+              <a:rPr lang="en-GB"/>
+              <a:t>Fourth level</a:t>
+            </a:r>
+          </a:p>
+          <a:p>
+            <a:pPr lvl="4"/>
+            <a:r>
+              <a:rPr lang="en-GB"/>
+              <a:t>Fifth level</a:t>
+            </a:r>
+            <a:endParaRPr lang="en-GB" dirty="0"/>
+          </a:p>
+        </p:txBody>
+      </p:sp>
+      <p:sp>
+        <p:nvSpPr>
+          <p:cNvPr id="4" name="Content Placeholder 3"/>
+          <p:cNvSpPr>
+            <a:spLocks noGrp="1"/>
+          </p:cNvSpPr>
+          <p:nvPr>
+            <p:ph sz="half" idx="2"/>
+          </p:nvPr>
+        </p:nvSpPr>
+        <p:spPr>
+          <a:xfrm>
+            <a:off x="1303868" y="3938589"/>
+            <a:ext cx="10278533" cy="2187575"/>
+          </a:xfrm>
+        </p:spPr>
+        <p:txBody>
+          <a:bodyPr/>
+          <a:lstStyle/>
+          <a:p>
+            <a:pPr lvl="0"/>
+            <a:r>
+              <a:rPr lang="en-GB"/>
+              <a:t>Click to edit Master text styles</a:t>
+            </a:r>
+          </a:p>
+          <a:p>
+            <a:pPr lvl="1"/>
+            <a:r>
+              <a:rPr lang="en-GB"/>
+              <a:t>Second level</a:t>
+            </a:r>
+          </a:p>
+          <a:p>
+            <a:pPr lvl="2"/>
+            <a:r>
+              <a:rPr lang="en-GB"/>
+              <a:t>Third level</a:t>
+            </a:r>
+          </a:p>
+          <a:p>
+            <a:pPr lvl="3"/>
+            <a:r>
+              <a:rPr lang="en-GB"/>
+              <a:t>Fourth level</a:t>
+            </a:r>
+          </a:p>
+          <a:p>
+            <a:pPr lvl="4"/>
+            <a:r>
+              <a:rPr lang="en-GB"/>
+              <a:t>Fifth level</a:t>
+            </a:r>
+            <a:endParaRPr lang="en-GB" dirty="0"/>
+          </a:p>
+        </p:txBody>
+      </p:sp>
+    </p:spTree>
+    <p:extLst>
+      <p:ext uri="{BB962C8B-B14F-4D97-AF65-F5344CB8AC3E}">
+        <p14:creationId xmlns:p14="http://schemas.microsoft.com/office/powerpoint/2010/main" val="3264199966"/>
+      </p:ext>
+    </p:extLst>
+  </p:cSld>
+  <p:clrMapOvr>
+    <a:masterClrMapping/>
+  </p:clrMapOvr>
+</p:sldLayout>
+</file>
+
+<file path=ppt/slideLayouts/slideLayout25.xml><?xml version="1.0" encoding="utf-8"?>
+<p:sldLayout xmlns:a="http://schemas.openxmlformats.org/drawingml/2006/main" xmlns:r="http://schemas.openxmlformats.org/officeDocument/2006/relationships" xmlns:p="http://schemas.openxmlformats.org/presentationml/2006/main" type="txAndObj">
+  <p:cSld name="Title, Text, and Content">
+    <p:spTree>
+      <p:nvGrpSpPr>
+        <p:cNvPr id="1" name=""/>
+        <p:cNvGrpSpPr/>
+        <p:nvPr/>
+      </p:nvGrpSpPr>
+      <p:grpSpPr>
+        <a:xfrm>
+          <a:off x="0" y="0"/>
+          <a:ext cx="0" cy="0"/>
+          <a:chOff x="0" y="0"/>
+          <a:chExt cx="0" cy="0"/>
+        </a:xfrm>
+      </p:grpSpPr>
+      <p:sp>
+        <p:nvSpPr>
+          <p:cNvPr id="2" name="Title 1"/>
+          <p:cNvSpPr>
+            <a:spLocks noGrp="1"/>
+          </p:cNvSpPr>
+          <p:nvPr>
+            <p:ph type="title"/>
+          </p:nvPr>
+        </p:nvSpPr>
+        <p:spPr>
+          <a:xfrm>
+            <a:off x="2351618" y="274638"/>
+            <a:ext cx="9230783" cy="1143000"/>
+          </a:xfrm>
+        </p:spPr>
+        <p:txBody>
+          <a:bodyPr/>
+          <a:lstStyle/>
+          <a:p>
+            <a:r>
+              <a:rPr lang="en-GB"/>
+              <a:t>Click to edit Master title style</a:t>
+            </a:r>
+          </a:p>
+        </p:txBody>
+      </p:sp>
+      <p:sp>
+        <p:nvSpPr>
+          <p:cNvPr id="3" name="Text Placeholder 2"/>
+          <p:cNvSpPr>
+            <a:spLocks noGrp="1"/>
+          </p:cNvSpPr>
+          <p:nvPr>
+            <p:ph type="body" sz="half" idx="1"/>
+          </p:nvPr>
+        </p:nvSpPr>
+        <p:spPr>
+          <a:xfrm>
+            <a:off x="2351618" y="1600201"/>
+            <a:ext cx="4512733" cy="4525963"/>
+          </a:xfrm>
+        </p:spPr>
+        <p:txBody>
+          <a:bodyPr/>
+          <a:lstStyle/>
+          <a:p>
+            <a:pPr lvl="0"/>
+            <a:r>
+              <a:rPr lang="en-GB"/>
+              <a:t>Click to edit Master text styles</a:t>
+            </a:r>
+          </a:p>
+          <a:p>
+            <a:pPr lvl="1"/>
+            <a:r>
+              <a:rPr lang="en-GB"/>
+              <a:t>Second level</a:t>
+            </a:r>
+          </a:p>
+          <a:p>
+            <a:pPr lvl="2"/>
+            <a:r>
+              <a:rPr lang="en-GB"/>
+              <a:t>Third level</a:t>
+            </a:r>
+          </a:p>
+          <a:p>
+            <a:pPr lvl="3"/>
+            <a:r>
+              <a:rPr lang="en-GB"/>
+              <a:t>Fourth level</a:t>
+            </a:r>
+          </a:p>
+          <a:p>
+            <a:pPr lvl="4"/>
+            <a:r>
+              <a:rPr lang="en-GB"/>
+              <a:t>Fifth level</a:t>
+            </a:r>
+          </a:p>
+        </p:txBody>
+      </p:sp>
+      <p:sp>
+        <p:nvSpPr>
+          <p:cNvPr id="4" name="Content Placeholder 3"/>
+          <p:cNvSpPr>
+            <a:spLocks noGrp="1"/>
+          </p:cNvSpPr>
+          <p:nvPr>
+            <p:ph sz="half" idx="2"/>
+          </p:nvPr>
+        </p:nvSpPr>
+        <p:spPr>
+          <a:xfrm>
+            <a:off x="7067552" y="1600201"/>
+            <a:ext cx="4514849" cy="4525963"/>
+          </a:xfrm>
+        </p:spPr>
+        <p:txBody>
+          <a:bodyPr/>
+          <a:lstStyle/>
+          <a:p>
+            <a:pPr lvl="0"/>
+            <a:r>
+              <a:rPr lang="en-GB"/>
+              <a:t>Click to edit Master text styles</a:t>
+            </a:r>
+          </a:p>
+          <a:p>
+            <a:pPr lvl="1"/>
+            <a:r>
+              <a:rPr lang="en-GB"/>
+              <a:t>Second level</a:t>
+            </a:r>
+          </a:p>
+          <a:p>
+            <a:pPr lvl="2"/>
+            <a:r>
+              <a:rPr lang="en-GB"/>
+              <a:t>Third level</a:t>
+            </a:r>
+          </a:p>
+          <a:p>
+            <a:pPr lvl="3"/>
+            <a:r>
+              <a:rPr lang="en-GB"/>
+              <a:t>Fourth level</a:t>
+            </a:r>
+          </a:p>
+          <a:p>
+            <a:pPr lvl="4"/>
+            <a:r>
+              <a:rPr lang="en-GB"/>
+              <a:t>Fifth level</a:t>
+            </a:r>
+          </a:p>
+        </p:txBody>
+      </p:sp>
+      <p:sp>
+        <p:nvSpPr>
+          <p:cNvPr id="5" name="Date Placeholder 4"/>
+          <p:cNvSpPr>
+            <a:spLocks noGrp="1" noChangeArrowheads="1"/>
+          </p:cNvSpPr>
+          <p:nvPr>
+            <p:ph type="dt" sz="half" idx="10"/>
+          </p:nvPr>
+        </p:nvSpPr>
+        <p:spPr>
+          <a:xfrm>
+            <a:off x="609600" y="6381751"/>
+            <a:ext cx="2844800" cy="339725"/>
+          </a:xfrm>
+          <a:prstGeom prst="rect">
+            <a:avLst/>
+          </a:prstGeom>
+          <a:ln/>
+        </p:spPr>
+        <p:txBody>
+          <a:bodyPr/>
+          <a:lstStyle>
+            <a:lvl1pPr>
+              <a:defRPr/>
+            </a:lvl1pPr>
+          </a:lstStyle>
+          <a:p>
+            <a:r>
+              <a:rPr lang="en-US"/>
+              <a:t>Slide </a:t>
+            </a:r>
+            <a:fld id="{BDF85106-AC1E-B04B-98E8-4099A3202C19}" type="slidenum">
+              <a:rPr lang="en-US"/>
+              <a:pPr/>
+              <a:t>‹#›</a:t>
+            </a:fld>
+            <a:endParaRPr lang="en-US"/>
+          </a:p>
+        </p:txBody>
+      </p:sp>
+    </p:spTree>
+    <p:extLst>
+      <p:ext uri="{BB962C8B-B14F-4D97-AF65-F5344CB8AC3E}">
+        <p14:creationId xmlns:p14="http://schemas.microsoft.com/office/powerpoint/2010/main" val="2289437179"/>
       </p:ext>
     </p:extLst>
   </p:cSld>
@@ -1392,7 +4655,7 @@
           <a:p>
             <a:fld id="{03534BD8-4E36-4C77-B858-43B7453118D8}" type="datetimeFigureOut">
               <a:rPr lang="en-US" smtClean="0"/>
-              <a:t>4/10/2019</a:t>
+              <a:t>9/22/2019</a:t>
             </a:fld>
             <a:endParaRPr lang="en-US"/>
           </a:p>
@@ -1657,7 +4920,7 @@
           <a:p>
             <a:fld id="{03534BD8-4E36-4C77-B858-43B7453118D8}" type="datetimeFigureOut">
               <a:rPr lang="en-US" smtClean="0"/>
-              <a:t>4/10/2019</a:t>
+              <a:t>9/22/2019</a:t>
             </a:fld>
             <a:endParaRPr lang="en-US"/>
           </a:p>
@@ -2069,7 +5332,7 @@
           <a:p>
             <a:fld id="{03534BD8-4E36-4C77-B858-43B7453118D8}" type="datetimeFigureOut">
               <a:rPr lang="en-US" smtClean="0"/>
-              <a:t>4/10/2019</a:t>
+              <a:t>9/22/2019</a:t>
             </a:fld>
             <a:endParaRPr lang="en-US"/>
           </a:p>
@@ -2210,7 +5473,7 @@
           <a:p>
             <a:fld id="{03534BD8-4E36-4C77-B858-43B7453118D8}" type="datetimeFigureOut">
               <a:rPr lang="en-US" smtClean="0"/>
-              <a:t>4/10/2019</a:t>
+              <a:t>9/22/2019</a:t>
             </a:fld>
             <a:endParaRPr lang="en-US"/>
           </a:p>
@@ -2323,7 +5586,7 @@
           <a:p>
             <a:fld id="{03534BD8-4E36-4C77-B858-43B7453118D8}" type="datetimeFigureOut">
               <a:rPr lang="en-US" smtClean="0"/>
-              <a:t>4/10/2019</a:t>
+              <a:t>9/22/2019</a:t>
             </a:fld>
             <a:endParaRPr lang="en-US"/>
           </a:p>
@@ -2634,7 +5897,7 @@
           <a:p>
             <a:fld id="{03534BD8-4E36-4C77-B858-43B7453118D8}" type="datetimeFigureOut">
               <a:rPr lang="en-US" smtClean="0"/>
-              <a:t>4/10/2019</a:t>
+              <a:t>9/22/2019</a:t>
             </a:fld>
             <a:endParaRPr lang="en-US"/>
           </a:p>
@@ -2922,7 +6185,7 @@
           <a:p>
             <a:fld id="{03534BD8-4E36-4C77-B858-43B7453118D8}" type="datetimeFigureOut">
               <a:rPr lang="en-US" smtClean="0"/>
-              <a:t>4/10/2019</a:t>
+              <a:t>9/22/2019</a:t>
             </a:fld>
             <a:endParaRPr lang="en-US"/>
           </a:p>
@@ -3163,7 +6426,7 @@
           <a:p>
             <a:fld id="{03534BD8-4E36-4C77-B858-43B7453118D8}" type="datetimeFigureOut">
               <a:rPr lang="en-US" smtClean="0"/>
-              <a:t>4/10/2019</a:t>
+              <a:t>9/22/2019</a:t>
             </a:fld>
             <a:endParaRPr lang="en-US"/>
           </a:p>
@@ -3563,9 +6826,23 @@
 </p:sldMaster>
 </file>
 
-<file path=ppt/slides/slide1.xml><?xml version="1.0" encoding="utf-8"?>
-<p:sld xmlns:a="http://schemas.openxmlformats.org/drawingml/2006/main" xmlns:r="http://schemas.openxmlformats.org/officeDocument/2006/relationships" xmlns:p="http://schemas.openxmlformats.org/presentationml/2006/main">
+<file path=ppt/slideMasters/slideMaster2.xml><?xml version="1.0" encoding="utf-8"?>
+<p:sldMaster xmlns:a="http://schemas.openxmlformats.org/drawingml/2006/main" xmlns:r="http://schemas.openxmlformats.org/officeDocument/2006/relationships" xmlns:p="http://schemas.openxmlformats.org/presentationml/2006/main" preserve="1">
   <p:cSld>
+    <p:bg>
+      <p:bgPr>
+        <a:blipFill dpi="0" rotWithShape="1">
+          <a:blip r:embed="rId16">
+            <a:lum/>
+          </a:blip>
+          <a:srcRect/>
+          <a:stretch>
+            <a:fillRect/>
+          </a:stretch>
+        </a:blipFill>
+        <a:effectLst/>
+      </p:bgPr>
+    </p:bg>
     <p:spTree>
       <p:nvGrpSpPr>
         <p:cNvPr id="1" name=""/>
@@ -3582,6 +6859,726 @@
       </p:grpSpPr>
       <p:sp>
         <p:nvSpPr>
+          <p:cNvPr id="72706" name="Rectangle 2"/>
+          <p:cNvSpPr>
+            <a:spLocks noGrp="1" noChangeArrowheads="1"/>
+          </p:cNvSpPr>
+          <p:nvPr>
+            <p:ph type="title"/>
+          </p:nvPr>
+        </p:nvSpPr>
+        <p:spPr bwMode="auto">
+          <a:xfrm>
+            <a:off x="1524001" y="274638"/>
+            <a:ext cx="10058400" cy="1143000"/>
+          </a:xfrm>
+          <a:prstGeom prst="rect">
+            <a:avLst/>
+          </a:prstGeom>
+          <a:noFill/>
+          <a:ln>
+            <a:noFill/>
+          </a:ln>
+          <a:extLst>
+            <a:ext uri="{FAA26D3D-D897-4be2-8F04-BA451C77F1D7}">
+              <ma14:placeholderFlag xmlns:ma14="http://schemas.microsoft.com/office/mac/drawingml/2011/main" xmlns="" val="1"/>
+            </a:ext>
+            <a:ext uri="{909E8E84-426E-40dd-AFC4-6F175D3DCCD1}">
+              <a14:hiddenFill xmlns="" xmlns:a14="http://schemas.microsoft.com/office/drawing/2010/main">
+                <a:solidFill>
+                  <a:srgbClr val="FFFFFF"/>
+                </a:solidFill>
+              </a14:hiddenFill>
+            </a:ext>
+            <a:ext uri="{91240B29-F687-4f45-9708-019B960494DF}">
+              <a14:hiddenLine xmlns="" xmlns:a14="http://schemas.microsoft.com/office/drawing/2010/main" w="9525">
+                <a:solidFill>
+                  <a:srgbClr val="000000"/>
+                </a:solidFill>
+                <a:miter lim="800000"/>
+                <a:headEnd/>
+                <a:tailEnd/>
+              </a14:hiddenLine>
+            </a:ext>
+          </a:extLst>
+        </p:spPr>
+        <p:txBody>
+          <a:bodyPr vert="horz" wrap="square" lIns="91440" tIns="45720" rIns="91440" bIns="45720" numCol="1" anchor="ctr" anchorCtr="0" compatLnSpc="1">
+            <a:prstTxWarp prst="textNoShape">
+              <a:avLst/>
+            </a:prstTxWarp>
+          </a:bodyPr>
+          <a:lstStyle/>
+          <a:p>
+            <a:pPr lvl="0"/>
+            <a:r>
+              <a:rPr lang="en-US" dirty="0"/>
+              <a:t>Heading</a:t>
+            </a:r>
+          </a:p>
+        </p:txBody>
+      </p:sp>
+      <p:sp>
+        <p:nvSpPr>
+          <p:cNvPr id="1027" name="Rectangle 3"/>
+          <p:cNvSpPr>
+            <a:spLocks noGrp="1" noChangeArrowheads="1"/>
+          </p:cNvSpPr>
+          <p:nvPr>
+            <p:ph type="body" idx="1"/>
+          </p:nvPr>
+        </p:nvSpPr>
+        <p:spPr bwMode="auto">
+          <a:xfrm>
+            <a:off x="1540935" y="1600201"/>
+            <a:ext cx="10041467" cy="4525963"/>
+          </a:xfrm>
+          <a:prstGeom prst="rect">
+            <a:avLst/>
+          </a:prstGeom>
+          <a:noFill/>
+          <a:ln>
+            <a:noFill/>
+          </a:ln>
+          <a:extLst>
+            <a:ext uri="{FAA26D3D-D897-4be2-8F04-BA451C77F1D7}">
+              <ma14:placeholderFlag xmlns:ma14="http://schemas.microsoft.com/office/mac/drawingml/2011/main" xmlns="" val="1"/>
+            </a:ext>
+            <a:ext uri="{909E8E84-426E-40dd-AFC4-6F175D3DCCD1}">
+              <a14:hiddenFill xmlns="" xmlns:a14="http://schemas.microsoft.com/office/drawing/2010/main">
+                <a:solidFill>
+                  <a:srgbClr val="FFFFFF"/>
+                </a:solidFill>
+              </a14:hiddenFill>
+            </a:ext>
+            <a:ext uri="{91240B29-F687-4f45-9708-019B960494DF}">
+              <a14:hiddenLine xmlns="" xmlns:a14="http://schemas.microsoft.com/office/drawing/2010/main" w="9525">
+                <a:solidFill>
+                  <a:srgbClr val="000000"/>
+                </a:solidFill>
+                <a:miter lim="800000"/>
+                <a:headEnd/>
+                <a:tailEnd/>
+              </a14:hiddenLine>
+            </a:ext>
+          </a:extLst>
+        </p:spPr>
+        <p:txBody>
+          <a:bodyPr vert="horz" wrap="square" lIns="91440" tIns="45720" rIns="91440" bIns="45720" numCol="1" anchor="t" anchorCtr="0" compatLnSpc="1">
+            <a:prstTxWarp prst="textNoShape">
+              <a:avLst/>
+            </a:prstTxWarp>
+          </a:bodyPr>
+          <a:lstStyle/>
+          <a:p>
+            <a:pPr lvl="0"/>
+            <a:r>
+              <a:rPr lang="en-GB"/>
+              <a:t>Click to edit Master text styles</a:t>
+            </a:r>
+          </a:p>
+          <a:p>
+            <a:pPr lvl="1"/>
+            <a:r>
+              <a:rPr lang="en-GB"/>
+              <a:t>Second level</a:t>
+            </a:r>
+          </a:p>
+          <a:p>
+            <a:pPr lvl="2"/>
+            <a:r>
+              <a:rPr lang="en-GB"/>
+              <a:t>Third level</a:t>
+            </a:r>
+          </a:p>
+          <a:p>
+            <a:pPr lvl="3"/>
+            <a:r>
+              <a:rPr lang="en-GB"/>
+              <a:t>Fourth level</a:t>
+            </a:r>
+          </a:p>
+          <a:p>
+            <a:pPr lvl="4"/>
+            <a:r>
+              <a:rPr lang="en-GB"/>
+              <a:t>Fifth level</a:t>
+            </a:r>
+            <a:endParaRPr lang="en-US" dirty="0"/>
+          </a:p>
+        </p:txBody>
+      </p:sp>
+    </p:spTree>
+    <p:extLst>
+      <p:ext uri="{BB962C8B-B14F-4D97-AF65-F5344CB8AC3E}">
+        <p14:creationId xmlns:p14="http://schemas.microsoft.com/office/powerpoint/2010/main" val="1123507282"/>
+      </p:ext>
+    </p:extLst>
+  </p:cSld>
+  <p:clrMap bg1="lt1" tx1="dk1" bg2="lt2" tx2="dk2" accent1="accent1" accent2="accent2" accent3="accent3" accent4="accent4" accent5="accent5" accent6="accent6" hlink="hlink" folHlink="folHlink"/>
+  <p:sldLayoutIdLst>
+    <p:sldLayoutId id="2147483661" r:id="rId1"/>
+    <p:sldLayoutId id="2147483662" r:id="rId2"/>
+    <p:sldLayoutId id="2147483663" r:id="rId3"/>
+    <p:sldLayoutId id="2147483664" r:id="rId4"/>
+    <p:sldLayoutId id="2147483665" r:id="rId5"/>
+    <p:sldLayoutId id="2147483666" r:id="rId6"/>
+    <p:sldLayoutId id="2147483667" r:id="rId7"/>
+    <p:sldLayoutId id="2147483668" r:id="rId8"/>
+    <p:sldLayoutId id="2147483669" r:id="rId9"/>
+    <p:sldLayoutId id="2147483670" r:id="rId10"/>
+    <p:sldLayoutId id="2147483671" r:id="rId11"/>
+    <p:sldLayoutId id="2147483672" r:id="rId12"/>
+    <p:sldLayoutId id="2147483673" r:id="rId13"/>
+    <p:sldLayoutId id="2147483674" r:id="rId14"/>
+  </p:sldLayoutIdLst>
+  <p:hf sldNum="0" hdr="0" ftr="0"/>
+  <p:txStyles>
+    <p:titleStyle>
+      <a:lvl1pPr algn="ctr" rtl="0" eaLnBrk="1" fontAlgn="base" hangingPunct="1">
+        <a:spcBef>
+          <a:spcPct val="0"/>
+        </a:spcBef>
+        <a:spcAft>
+          <a:spcPct val="0"/>
+        </a:spcAft>
+        <a:defRPr sz="4400">
+          <a:solidFill>
+            <a:schemeClr val="accent1">
+              <a:lumMod val="50000"/>
+            </a:schemeClr>
+          </a:solidFill>
+          <a:latin typeface="+mj-lt"/>
+          <a:ea typeface="ＭＳ Ｐゴシック" charset="-128"/>
+          <a:cs typeface="ＭＳ Ｐゴシック" charset="-128"/>
+        </a:defRPr>
+      </a:lvl1pPr>
+      <a:lvl2pPr algn="ctr" rtl="0" eaLnBrk="1" fontAlgn="base" hangingPunct="1">
+        <a:spcBef>
+          <a:spcPct val="0"/>
+        </a:spcBef>
+        <a:spcAft>
+          <a:spcPct val="0"/>
+        </a:spcAft>
+        <a:defRPr sz="4400">
+          <a:solidFill>
+            <a:srgbClr val="333399"/>
+          </a:solidFill>
+          <a:latin typeface="Trebuchet MS" pitchFamily="34" charset="0"/>
+          <a:ea typeface="ＭＳ Ｐゴシック" charset="-128"/>
+          <a:cs typeface="ＭＳ Ｐゴシック" charset="-128"/>
+        </a:defRPr>
+      </a:lvl2pPr>
+      <a:lvl3pPr algn="ctr" rtl="0" eaLnBrk="1" fontAlgn="base" hangingPunct="1">
+        <a:spcBef>
+          <a:spcPct val="0"/>
+        </a:spcBef>
+        <a:spcAft>
+          <a:spcPct val="0"/>
+        </a:spcAft>
+        <a:defRPr sz="4400">
+          <a:solidFill>
+            <a:srgbClr val="333399"/>
+          </a:solidFill>
+          <a:latin typeface="Trebuchet MS" pitchFamily="34" charset="0"/>
+          <a:ea typeface="ＭＳ Ｐゴシック" charset="-128"/>
+          <a:cs typeface="ＭＳ Ｐゴシック" charset="-128"/>
+        </a:defRPr>
+      </a:lvl3pPr>
+      <a:lvl4pPr algn="ctr" rtl="0" eaLnBrk="1" fontAlgn="base" hangingPunct="1">
+        <a:spcBef>
+          <a:spcPct val="0"/>
+        </a:spcBef>
+        <a:spcAft>
+          <a:spcPct val="0"/>
+        </a:spcAft>
+        <a:defRPr sz="4400">
+          <a:solidFill>
+            <a:srgbClr val="333399"/>
+          </a:solidFill>
+          <a:latin typeface="Trebuchet MS" pitchFamily="34" charset="0"/>
+          <a:ea typeface="ＭＳ Ｐゴシック" charset="-128"/>
+          <a:cs typeface="ＭＳ Ｐゴシック" charset="-128"/>
+        </a:defRPr>
+      </a:lvl4pPr>
+      <a:lvl5pPr algn="ctr" rtl="0" eaLnBrk="1" fontAlgn="base" hangingPunct="1">
+        <a:spcBef>
+          <a:spcPct val="0"/>
+        </a:spcBef>
+        <a:spcAft>
+          <a:spcPct val="0"/>
+        </a:spcAft>
+        <a:defRPr sz="4400">
+          <a:solidFill>
+            <a:srgbClr val="333399"/>
+          </a:solidFill>
+          <a:latin typeface="Trebuchet MS" pitchFamily="34" charset="0"/>
+          <a:ea typeface="ＭＳ Ｐゴシック" charset="-128"/>
+          <a:cs typeface="ＭＳ Ｐゴシック" charset="-128"/>
+        </a:defRPr>
+      </a:lvl5pPr>
+      <a:lvl6pPr marL="457200" algn="ctr" rtl="0" eaLnBrk="1" fontAlgn="base" hangingPunct="1">
+        <a:spcBef>
+          <a:spcPct val="0"/>
+        </a:spcBef>
+        <a:spcAft>
+          <a:spcPct val="0"/>
+        </a:spcAft>
+        <a:defRPr sz="4400">
+          <a:solidFill>
+            <a:srgbClr val="333399"/>
+          </a:solidFill>
+          <a:latin typeface="Trebuchet MS" pitchFamily="34" charset="0"/>
+        </a:defRPr>
+      </a:lvl6pPr>
+      <a:lvl7pPr marL="914400" algn="ctr" rtl="0" eaLnBrk="1" fontAlgn="base" hangingPunct="1">
+        <a:spcBef>
+          <a:spcPct val="0"/>
+        </a:spcBef>
+        <a:spcAft>
+          <a:spcPct val="0"/>
+        </a:spcAft>
+        <a:defRPr sz="4400">
+          <a:solidFill>
+            <a:srgbClr val="333399"/>
+          </a:solidFill>
+          <a:latin typeface="Trebuchet MS" pitchFamily="34" charset="0"/>
+        </a:defRPr>
+      </a:lvl7pPr>
+      <a:lvl8pPr marL="1371600" algn="ctr" rtl="0" eaLnBrk="1" fontAlgn="base" hangingPunct="1">
+        <a:spcBef>
+          <a:spcPct val="0"/>
+        </a:spcBef>
+        <a:spcAft>
+          <a:spcPct val="0"/>
+        </a:spcAft>
+        <a:defRPr sz="4400">
+          <a:solidFill>
+            <a:srgbClr val="333399"/>
+          </a:solidFill>
+          <a:latin typeface="Trebuchet MS" pitchFamily="34" charset="0"/>
+        </a:defRPr>
+      </a:lvl8pPr>
+      <a:lvl9pPr marL="1828800" algn="ctr" rtl="0" eaLnBrk="1" fontAlgn="base" hangingPunct="1">
+        <a:spcBef>
+          <a:spcPct val="0"/>
+        </a:spcBef>
+        <a:spcAft>
+          <a:spcPct val="0"/>
+        </a:spcAft>
+        <a:defRPr sz="4400">
+          <a:solidFill>
+            <a:srgbClr val="333399"/>
+          </a:solidFill>
+          <a:latin typeface="Trebuchet MS" pitchFamily="34" charset="0"/>
+        </a:defRPr>
+      </a:lvl9pPr>
+    </p:titleStyle>
+    <p:bodyStyle>
+      <a:lvl1pPr marL="342900" indent="-342900" algn="l" rtl="0" eaLnBrk="1" fontAlgn="base" hangingPunct="1">
+        <a:spcBef>
+          <a:spcPct val="20000"/>
+        </a:spcBef>
+        <a:spcAft>
+          <a:spcPct val="0"/>
+        </a:spcAft>
+        <a:buChar char="•"/>
+        <a:defRPr sz="3200">
+          <a:solidFill>
+            <a:schemeClr val="accent2">
+              <a:lumMod val="75000"/>
+            </a:schemeClr>
+          </a:solidFill>
+          <a:latin typeface="+mn-lt"/>
+          <a:ea typeface="ＭＳ Ｐゴシック" charset="-128"/>
+          <a:cs typeface="ＭＳ Ｐゴシック" charset="-128"/>
+        </a:defRPr>
+      </a:lvl1pPr>
+      <a:lvl2pPr marL="742950" indent="-285750" algn="l" rtl="0" eaLnBrk="1" fontAlgn="base" hangingPunct="1">
+        <a:spcBef>
+          <a:spcPct val="20000"/>
+        </a:spcBef>
+        <a:spcAft>
+          <a:spcPct val="0"/>
+        </a:spcAft>
+        <a:buChar char="–"/>
+        <a:defRPr sz="2800">
+          <a:solidFill>
+            <a:schemeClr val="accent1">
+              <a:lumMod val="50000"/>
+            </a:schemeClr>
+          </a:solidFill>
+          <a:latin typeface="+mn-lt"/>
+          <a:ea typeface="ＭＳ Ｐゴシック" charset="-128"/>
+        </a:defRPr>
+      </a:lvl2pPr>
+      <a:lvl3pPr marL="1143000" indent="-228600" algn="l" rtl="0" eaLnBrk="1" fontAlgn="base" hangingPunct="1">
+        <a:spcBef>
+          <a:spcPct val="20000"/>
+        </a:spcBef>
+        <a:spcAft>
+          <a:spcPct val="0"/>
+        </a:spcAft>
+        <a:buChar char="•"/>
+        <a:defRPr sz="2400">
+          <a:solidFill>
+            <a:schemeClr val="accent1">
+              <a:lumMod val="50000"/>
+            </a:schemeClr>
+          </a:solidFill>
+          <a:latin typeface="+mn-lt"/>
+          <a:ea typeface="ＭＳ Ｐゴシック" charset="-128"/>
+        </a:defRPr>
+      </a:lvl3pPr>
+      <a:lvl4pPr marL="1600200" indent="-228600" algn="l" rtl="0" eaLnBrk="1" fontAlgn="base" hangingPunct="1">
+        <a:spcBef>
+          <a:spcPct val="20000"/>
+        </a:spcBef>
+        <a:spcAft>
+          <a:spcPct val="0"/>
+        </a:spcAft>
+        <a:buChar char="–"/>
+        <a:defRPr sz="2000">
+          <a:solidFill>
+            <a:schemeClr val="accent1">
+              <a:lumMod val="50000"/>
+            </a:schemeClr>
+          </a:solidFill>
+          <a:latin typeface="+mn-lt"/>
+          <a:ea typeface="ＭＳ Ｐゴシック" charset="-128"/>
+        </a:defRPr>
+      </a:lvl4pPr>
+      <a:lvl5pPr marL="2057400" indent="-228600" algn="l" rtl="0" eaLnBrk="1" fontAlgn="base" hangingPunct="1">
+        <a:spcBef>
+          <a:spcPct val="20000"/>
+        </a:spcBef>
+        <a:spcAft>
+          <a:spcPct val="0"/>
+        </a:spcAft>
+        <a:buChar char="»"/>
+        <a:defRPr sz="2000">
+          <a:solidFill>
+            <a:schemeClr val="accent1">
+              <a:lumMod val="50000"/>
+            </a:schemeClr>
+          </a:solidFill>
+          <a:latin typeface="+mn-lt"/>
+          <a:ea typeface="ＭＳ Ｐゴシック" charset="-128"/>
+        </a:defRPr>
+      </a:lvl5pPr>
+      <a:lvl6pPr marL="2514600" indent="-228600" algn="l" rtl="0" eaLnBrk="1" fontAlgn="base" hangingPunct="1">
+        <a:spcBef>
+          <a:spcPct val="20000"/>
+        </a:spcBef>
+        <a:spcAft>
+          <a:spcPct val="0"/>
+        </a:spcAft>
+        <a:buChar char="»"/>
+        <a:defRPr sz="2000">
+          <a:solidFill>
+            <a:srgbClr val="333399"/>
+          </a:solidFill>
+          <a:latin typeface="+mn-lt"/>
+        </a:defRPr>
+      </a:lvl6pPr>
+      <a:lvl7pPr marL="2971800" indent="-228600" algn="l" rtl="0" eaLnBrk="1" fontAlgn="base" hangingPunct="1">
+        <a:spcBef>
+          <a:spcPct val="20000"/>
+        </a:spcBef>
+        <a:spcAft>
+          <a:spcPct val="0"/>
+        </a:spcAft>
+        <a:buChar char="»"/>
+        <a:defRPr sz="2000">
+          <a:solidFill>
+            <a:srgbClr val="333399"/>
+          </a:solidFill>
+          <a:latin typeface="+mn-lt"/>
+        </a:defRPr>
+      </a:lvl7pPr>
+      <a:lvl8pPr marL="3429000" indent="-228600" algn="l" rtl="0" eaLnBrk="1" fontAlgn="base" hangingPunct="1">
+        <a:spcBef>
+          <a:spcPct val="20000"/>
+        </a:spcBef>
+        <a:spcAft>
+          <a:spcPct val="0"/>
+        </a:spcAft>
+        <a:buChar char="»"/>
+        <a:defRPr sz="2000">
+          <a:solidFill>
+            <a:srgbClr val="333399"/>
+          </a:solidFill>
+          <a:latin typeface="+mn-lt"/>
+        </a:defRPr>
+      </a:lvl8pPr>
+      <a:lvl9pPr marL="3886200" indent="-228600" algn="l" rtl="0" eaLnBrk="1" fontAlgn="base" hangingPunct="1">
+        <a:spcBef>
+          <a:spcPct val="20000"/>
+        </a:spcBef>
+        <a:spcAft>
+          <a:spcPct val="0"/>
+        </a:spcAft>
+        <a:buChar char="»"/>
+        <a:defRPr sz="2000">
+          <a:solidFill>
+            <a:srgbClr val="333399"/>
+          </a:solidFill>
+          <a:latin typeface="+mn-lt"/>
+        </a:defRPr>
+      </a:lvl9pPr>
+    </p:bodyStyle>
+    <p:otherStyle>
+      <a:defPPr>
+        <a:defRPr lang="en-US"/>
+      </a:defPPr>
+      <a:lvl1pPr marL="0" algn="l" defTabSz="914400" rtl="0" eaLnBrk="1" latinLnBrk="0" hangingPunct="1">
+        <a:defRPr sz="1800" kern="1200">
+          <a:solidFill>
+            <a:schemeClr val="tx1"/>
+          </a:solidFill>
+          <a:latin typeface="+mn-lt"/>
+          <a:ea typeface="+mn-ea"/>
+          <a:cs typeface="+mn-cs"/>
+        </a:defRPr>
+      </a:lvl1pPr>
+      <a:lvl2pPr marL="457200" algn="l" defTabSz="914400" rtl="0" eaLnBrk="1" latinLnBrk="0" hangingPunct="1">
+        <a:defRPr sz="1800" kern="1200">
+          <a:solidFill>
+            <a:schemeClr val="tx1"/>
+          </a:solidFill>
+          <a:latin typeface="+mn-lt"/>
+          <a:ea typeface="+mn-ea"/>
+          <a:cs typeface="+mn-cs"/>
+        </a:defRPr>
+      </a:lvl2pPr>
+      <a:lvl3pPr marL="914400" algn="l" defTabSz="914400" rtl="0" eaLnBrk="1" latinLnBrk="0" hangingPunct="1">
+        <a:defRPr sz="1800" kern="1200">
+          <a:solidFill>
+            <a:schemeClr val="tx1"/>
+          </a:solidFill>
+          <a:latin typeface="+mn-lt"/>
+          <a:ea typeface="+mn-ea"/>
+          <a:cs typeface="+mn-cs"/>
+        </a:defRPr>
+      </a:lvl3pPr>
+      <a:lvl4pPr marL="1371600" algn="l" defTabSz="914400" rtl="0" eaLnBrk="1" latinLnBrk="0" hangingPunct="1">
+        <a:defRPr sz="1800" kern="1200">
+          <a:solidFill>
+            <a:schemeClr val="tx1"/>
+          </a:solidFill>
+          <a:latin typeface="+mn-lt"/>
+          <a:ea typeface="+mn-ea"/>
+          <a:cs typeface="+mn-cs"/>
+        </a:defRPr>
+      </a:lvl4pPr>
+      <a:lvl5pPr marL="1828800" algn="l" defTabSz="914400" rtl="0" eaLnBrk="1" latinLnBrk="0" hangingPunct="1">
+        <a:defRPr sz="1800" kern="1200">
+          <a:solidFill>
+            <a:schemeClr val="tx1"/>
+          </a:solidFill>
+          <a:latin typeface="+mn-lt"/>
+          <a:ea typeface="+mn-ea"/>
+          <a:cs typeface="+mn-cs"/>
+        </a:defRPr>
+      </a:lvl5pPr>
+      <a:lvl6pPr marL="2286000" algn="l" defTabSz="914400" rtl="0" eaLnBrk="1" latinLnBrk="0" hangingPunct="1">
+        <a:defRPr sz="1800" kern="1200">
+          <a:solidFill>
+            <a:schemeClr val="tx1"/>
+          </a:solidFill>
+          <a:latin typeface="+mn-lt"/>
+          <a:ea typeface="+mn-ea"/>
+          <a:cs typeface="+mn-cs"/>
+        </a:defRPr>
+      </a:lvl6pPr>
+      <a:lvl7pPr marL="2743200" algn="l" defTabSz="914400" rtl="0" eaLnBrk="1" latinLnBrk="0" hangingPunct="1">
+        <a:defRPr sz="1800" kern="1200">
+          <a:solidFill>
+            <a:schemeClr val="tx1"/>
+          </a:solidFill>
+          <a:latin typeface="+mn-lt"/>
+          <a:ea typeface="+mn-ea"/>
+          <a:cs typeface="+mn-cs"/>
+        </a:defRPr>
+      </a:lvl7pPr>
+      <a:lvl8pPr marL="3200400" algn="l" defTabSz="914400" rtl="0" eaLnBrk="1" latinLnBrk="0" hangingPunct="1">
+        <a:defRPr sz="1800" kern="1200">
+          <a:solidFill>
+            <a:schemeClr val="tx1"/>
+          </a:solidFill>
+          <a:latin typeface="+mn-lt"/>
+          <a:ea typeface="+mn-ea"/>
+          <a:cs typeface="+mn-cs"/>
+        </a:defRPr>
+      </a:lvl8pPr>
+      <a:lvl9pPr marL="3657600" algn="l" defTabSz="914400" rtl="0" eaLnBrk="1" latinLnBrk="0" hangingPunct="1">
+        <a:defRPr sz="1800" kern="1200">
+          <a:solidFill>
+            <a:schemeClr val="tx1"/>
+          </a:solidFill>
+          <a:latin typeface="+mn-lt"/>
+          <a:ea typeface="+mn-ea"/>
+          <a:cs typeface="+mn-cs"/>
+        </a:defRPr>
+      </a:lvl9pPr>
+    </p:otherStyle>
+  </p:txStyles>
+</p:sldMaster>
+</file>
+
+<file path=ppt/slides/slide1.xml><?xml version="1.0" encoding="utf-8"?>
+<p:sld xmlns:a="http://schemas.openxmlformats.org/drawingml/2006/main" xmlns:r="http://schemas.openxmlformats.org/officeDocument/2006/relationships" xmlns:p="http://schemas.openxmlformats.org/presentationml/2006/main">
+  <p:cSld>
+    <p:bg>
+      <p:bgPr>
+        <a:solidFill>
+          <a:schemeClr val="bg1"/>
+        </a:solidFill>
+        <a:effectLst/>
+      </p:bgPr>
+    </p:bg>
+    <p:spTree>
+      <p:nvGrpSpPr>
+        <p:cNvPr id="1" name=""/>
+        <p:cNvGrpSpPr/>
+        <p:nvPr/>
+      </p:nvGrpSpPr>
+      <p:grpSpPr>
+        <a:xfrm>
+          <a:off x="0" y="0"/>
+          <a:ext cx="0" cy="0"/>
+          <a:chOff x="0" y="0"/>
+          <a:chExt cx="0" cy="0"/>
+        </a:xfrm>
+      </p:grpSpPr>
+      <p:sp>
+        <p:nvSpPr>
+          <p:cNvPr id="10" name="Rectangle 9">
+            <a:extLst>
+              <a:ext uri="{FF2B5EF4-FFF2-40B4-BE49-F238E27FC236}">
+                <a16:creationId xmlns:a16="http://schemas.microsoft.com/office/drawing/2014/main" id="{1045B59B-615E-4718-A150-42DE5D03E1C8}"/>
+              </a:ext>
+              <a:ext uri="{C183D7F6-B498-43B3-948B-1728B52AA6E4}">
+                <adec:decorative xmlns:adec="http://schemas.microsoft.com/office/drawing/2017/decorative" val="1"/>
+              </a:ext>
+            </a:extLst>
+          </p:cNvPr>
+          <p:cNvSpPr>
+            <a:spLocks noGrp="1" noRot="1" noChangeAspect="1" noMove="1" noResize="1" noEditPoints="1" noAdjustHandles="1" noChangeArrowheads="1" noChangeShapeType="1" noTextEdit="1"/>
+          </p:cNvSpPr>
+          <p:nvPr>
+            <p:extLst>
+              <p:ext uri="{386F3935-93C4-4BCD-93E2-E3B085C9AB24}">
+                <p16:designElem xmlns:p16="http://schemas.microsoft.com/office/powerpoint/2015/main" val="1"/>
+              </p:ext>
+            </p:extLst>
+          </p:nvPr>
+        </p:nvSpPr>
+        <p:spPr>
+          <a:xfrm>
+            <a:off x="0" y="0"/>
+            <a:ext cx="12192000" cy="6858000"/>
+          </a:xfrm>
+          <a:prstGeom prst="rect">
+            <a:avLst/>
+          </a:prstGeom>
+          <a:solidFill>
+            <a:srgbClr val="FFFFFF"/>
+          </a:solidFill>
+          <a:ln>
+            <a:noFill/>
+          </a:ln>
+        </p:spPr>
+        <p:style>
+          <a:lnRef idx="2">
+            <a:schemeClr val="accent1">
+              <a:shade val="50000"/>
+            </a:schemeClr>
+          </a:lnRef>
+          <a:fillRef idx="1">
+            <a:schemeClr val="accent1"/>
+          </a:fillRef>
+          <a:effectRef idx="0">
+            <a:schemeClr val="accent1"/>
+          </a:effectRef>
+          <a:fontRef idx="minor">
+            <a:schemeClr val="lt1"/>
+          </a:fontRef>
+        </p:style>
+        <p:txBody>
+          <a:bodyPr rtlCol="0" anchor="ctr"/>
+          <a:lstStyle/>
+          <a:p>
+            <a:pPr algn="ctr"/>
+            <a:endParaRPr lang="en-US"/>
+          </a:p>
+        </p:txBody>
+      </p:sp>
+      <p:sp>
+        <p:nvSpPr>
+          <p:cNvPr id="12" name="Rectangle 11">
+            <a:extLst>
+              <a:ext uri="{FF2B5EF4-FFF2-40B4-BE49-F238E27FC236}">
+                <a16:creationId xmlns:a16="http://schemas.microsoft.com/office/drawing/2014/main" id="{D6CF29CD-38B8-4924-BA11-6D60517487EF}"/>
+              </a:ext>
+              <a:ext uri="{C183D7F6-B498-43B3-948B-1728B52AA6E4}">
+                <adec:decorative xmlns:adec="http://schemas.microsoft.com/office/drawing/2017/decorative" val="1"/>
+              </a:ext>
+            </a:extLst>
+          </p:cNvPr>
+          <p:cNvSpPr>
+            <a:spLocks noGrp="1" noRot="1" noChangeAspect="1" noMove="1" noResize="1" noEditPoints="1" noAdjustHandles="1" noChangeArrowheads="1" noChangeShapeType="1" noTextEdit="1"/>
+          </p:cNvSpPr>
+          <p:nvPr>
+            <p:extLst>
+              <p:ext uri="{386F3935-93C4-4BCD-93E2-E3B085C9AB24}">
+                <p16:designElem xmlns:p16="http://schemas.microsoft.com/office/powerpoint/2015/main" val="1"/>
+              </p:ext>
+            </p:extLst>
+          </p:nvPr>
+        </p:nvSpPr>
+        <p:spPr>
+          <a:xfrm>
+            <a:off x="0" y="4242816"/>
+            <a:ext cx="12192000" cy="2615184"/>
+          </a:xfrm>
+          <a:prstGeom prst="rect">
+            <a:avLst/>
+          </a:prstGeom>
+          <a:solidFill>
+            <a:srgbClr val="404040"/>
+          </a:solidFill>
+          <a:ln>
+            <a:noFill/>
+          </a:ln>
+        </p:spPr>
+        <p:style>
+          <a:lnRef idx="2">
+            <a:schemeClr val="accent1">
+              <a:shade val="50000"/>
+            </a:schemeClr>
+          </a:lnRef>
+          <a:fillRef idx="1">
+            <a:schemeClr val="accent1"/>
+          </a:fillRef>
+          <a:effectRef idx="0">
+            <a:schemeClr val="accent1"/>
+          </a:effectRef>
+          <a:fontRef idx="minor">
+            <a:schemeClr val="lt1"/>
+          </a:fontRef>
+        </p:style>
+        <p:txBody>
+          <a:bodyPr rtlCol="0" anchor="ctr"/>
+          <a:lstStyle/>
+          <a:p>
+            <a:pPr algn="ctr"/>
+            <a:endParaRPr lang="en-US"/>
+          </a:p>
+        </p:txBody>
+      </p:sp>
+      <p:sp>
+        <p:nvSpPr>
           <p:cNvPr id="2" name="Title 1">
             <a:extLst>
               <a:ext uri="{FF2B5EF4-FFF2-40B4-BE49-F238E27FC236}">
@@ -3596,14 +7593,25 @@
             <p:ph type="ctrTitle"/>
           </p:nvPr>
         </p:nvSpPr>
-        <p:spPr/>
-        <p:txBody>
-          <a:bodyPr/>
+        <p:spPr>
+          <a:xfrm>
+            <a:off x="707011" y="4502330"/>
+            <a:ext cx="10765410" cy="1207269"/>
+          </a:xfrm>
+        </p:spPr>
+        <p:txBody>
+          <a:bodyPr>
+            <a:normAutofit/>
+          </a:bodyPr>
           <a:lstStyle/>
           <a:p>
             <a:r>
-              <a:rPr lang="en-US" dirty="0"/>
-              <a:t>Week 1</a:t>
+              <a:rPr lang="en-US">
+                <a:solidFill>
+                  <a:srgbClr val="FFFFFF"/>
+                </a:solidFill>
+              </a:rPr>
+              <a:t>Week 1 Key Concepts</a:t>
             </a:r>
           </a:p>
         </p:txBody>
@@ -3624,15 +7632,75 @@
             <p:ph type="subTitle" idx="1"/>
           </p:nvPr>
         </p:nvSpPr>
-        <p:spPr/>
-        <p:txBody>
-          <a:bodyPr/>
+        <p:spPr>
+          <a:xfrm>
+            <a:off x="1376313" y="5665510"/>
+            <a:ext cx="9426806" cy="719122"/>
+          </a:xfrm>
+        </p:spPr>
+        <p:txBody>
+          <a:bodyPr>
+            <a:normAutofit fontScale="92500" lnSpcReduction="20000"/>
+          </a:bodyPr>
           <a:lstStyle/>
           <a:p>
-            <a:endParaRPr lang="en-US"/>
-          </a:p>
-        </p:txBody>
-      </p:sp>
+            <a:r>
+              <a:rPr lang="en-US" dirty="0">
+                <a:solidFill>
+                  <a:srgbClr val="E7E6E6"/>
+                </a:solidFill>
+              </a:rPr>
+              <a:t>NURS 6075</a:t>
+            </a:r>
+          </a:p>
+          <a:p>
+            <a:r>
+              <a:rPr lang="en-US" dirty="0">
+                <a:solidFill>
+                  <a:srgbClr val="E7E6E6"/>
+                </a:solidFill>
+              </a:rPr>
+              <a:t>Chris Macintosh, PhD, RN</a:t>
+            </a:r>
+          </a:p>
+        </p:txBody>
+      </p:sp>
+      <p:pic>
+        <p:nvPicPr>
+          <p:cNvPr id="5" name="Picture 4" descr="A black and red text&#10;&#10;Description automatically generated">
+            <a:extLst>
+              <a:ext uri="{FF2B5EF4-FFF2-40B4-BE49-F238E27FC236}">
+                <a16:creationId xmlns:a16="http://schemas.microsoft.com/office/drawing/2014/main" id="{82BFBA7D-BCEE-4BD3-BA59-0E88AC4ED9F5}"/>
+              </a:ext>
+            </a:extLst>
+          </p:cNvPr>
+          <p:cNvPicPr>
+            <a:picLocks noChangeAspect="1"/>
+          </p:cNvPicPr>
+          <p:nvPr/>
+        </p:nvPicPr>
+        <p:blipFill>
+          <a:blip r:embed="rId2">
+            <a:extLst>
+              <a:ext uri="{28A0092B-C50C-407E-A947-70E740481C1C}">
+                <a14:useLocalDpi xmlns:a14="http://schemas.microsoft.com/office/drawing/2010/main" val="0"/>
+              </a:ext>
+            </a:extLst>
+          </a:blip>
+          <a:stretch>
+            <a:fillRect/>
+          </a:stretch>
+        </p:blipFill>
+        <p:spPr>
+          <a:xfrm>
+            <a:off x="650449" y="1003300"/>
+            <a:ext cx="10901471" cy="2916142"/>
+          </a:xfrm>
+          <a:prstGeom prst="rect">
+            <a:avLst/>
+          </a:prstGeom>
+        </p:spPr>
+      </p:pic>
     </p:spTree>
     <p:extLst>
       <p:ext uri="{BB962C8B-B14F-4D97-AF65-F5344CB8AC3E}">
@@ -3665,13 +7733,7 @@
       </p:grpSpPr>
       <p:sp>
         <p:nvSpPr>
-          <p:cNvPr id="2" name="Title 1">
-            <a:extLst>
-              <a:ext uri="{FF2B5EF4-FFF2-40B4-BE49-F238E27FC236}">
-                <a16:creationId xmlns:a16="http://schemas.microsoft.com/office/drawing/2014/main" id="{BDB16258-14DC-4633-A64D-96533486D696}"/>
-              </a:ext>
-            </a:extLst>
-          </p:cNvPr>
+          <p:cNvPr id="2" name="Title 1"/>
           <p:cNvSpPr>
             <a:spLocks noGrp="1"/>
           </p:cNvSpPr>
@@ -3685,21 +7747,15 @@
           <a:lstStyle/>
           <a:p>
             <a:r>
-              <a:rPr lang="en-US" dirty="0"/>
-              <a:t>Continuous Variable</a:t>
-            </a:r>
-          </a:p>
-        </p:txBody>
-      </p:sp>
-      <p:sp>
-        <p:nvSpPr>
-          <p:cNvPr id="3" name="Content Placeholder 2">
-            <a:extLst>
-              <a:ext uri="{FF2B5EF4-FFF2-40B4-BE49-F238E27FC236}">
-                <a16:creationId xmlns:a16="http://schemas.microsoft.com/office/drawing/2014/main" id="{268D7CB3-C894-4667-95FC-D069C46C521C}"/>
-              </a:ext>
-            </a:extLst>
-          </p:cNvPr>
+              <a:rPr lang="en-GB" dirty="0"/>
+              <a:t>Levels of measurement</a:t>
+            </a:r>
+          </a:p>
+        </p:txBody>
+      </p:sp>
+      <p:sp>
+        <p:nvSpPr>
+          <p:cNvPr id="3" name="Content Placeholder 2"/>
           <p:cNvSpPr>
             <a:spLocks noGrp="1"/>
           </p:cNvSpPr>
@@ -3709,19 +7765,95 @@
         </p:nvSpPr>
         <p:spPr/>
         <p:txBody>
-          <a:bodyPr/>
+          <a:bodyPr>
+            <a:normAutofit fontScale="70000" lnSpcReduction="20000"/>
+          </a:bodyPr>
           <a:lstStyle/>
           <a:p>
-            <a:endParaRPr lang="en-US"/>
+            <a:r>
+              <a:rPr lang="en-GB" dirty="0"/>
+              <a:t>Categorical (entities are divided into distinct categories):</a:t>
+            </a:r>
+          </a:p>
+          <a:p>
+            <a:pPr lvl="1"/>
+            <a:r>
+              <a:rPr lang="en-GB" dirty="0"/>
+              <a:t>Binary variable: There are only two categories</a:t>
+            </a:r>
+          </a:p>
+          <a:p>
+            <a:pPr lvl="2"/>
+            <a:r>
+              <a:rPr lang="en-GB" dirty="0"/>
+              <a:t>e.g. dead or alive.</a:t>
+            </a:r>
+          </a:p>
+          <a:p>
+            <a:pPr lvl="1"/>
+            <a:r>
+              <a:rPr lang="en-GB" dirty="0"/>
+              <a:t>Nominal variable: There are more than two categories </a:t>
+            </a:r>
+          </a:p>
+          <a:p>
+            <a:pPr lvl="2"/>
+            <a:r>
+              <a:rPr lang="en-GB" dirty="0"/>
+              <a:t>e.g. whether someone is an omnivore, vegetarian, vegan, or fruitarian.</a:t>
+            </a:r>
+          </a:p>
+          <a:p>
+            <a:pPr lvl="1"/>
+            <a:r>
+              <a:rPr lang="en-GB" dirty="0"/>
+              <a:t>Ordinal variable: The same as a nominal variable but the categories have a logical order</a:t>
+            </a:r>
+          </a:p>
+          <a:p>
+            <a:pPr lvl="2"/>
+            <a:r>
+              <a:rPr lang="en-GB" dirty="0"/>
+              <a:t>e.g. whether people got a fail, a pass, a merit or a distinction in their exam.</a:t>
+            </a:r>
+          </a:p>
+          <a:p>
+            <a:r>
+              <a:rPr lang="en-GB" dirty="0"/>
+              <a:t>Continuous (entities get a distinct score):</a:t>
+            </a:r>
+          </a:p>
+          <a:p>
+            <a:pPr lvl="1"/>
+            <a:r>
+              <a:rPr lang="en-GB" dirty="0"/>
+              <a:t>Interval variable: Equal intervals on the variable represent equal differences in the property being measured</a:t>
+            </a:r>
+          </a:p>
+          <a:p>
+            <a:pPr lvl="2"/>
+            <a:r>
+              <a:rPr lang="en-GB" dirty="0"/>
+              <a:t>e.g. the difference between 6 and 8 is equivalent to the difference between 13 and 15.</a:t>
+            </a:r>
+          </a:p>
+          <a:p>
+            <a:pPr lvl="1"/>
+            <a:r>
+              <a:rPr lang="en-GB" dirty="0"/>
+              <a:t>Ratio variable: The same as an interval variable, but the ratios of scores on the scale must also make sense</a:t>
+            </a:r>
+          </a:p>
+          <a:p>
+            <a:pPr lvl="2"/>
+            <a:r>
+              <a:rPr lang="en-GB" dirty="0"/>
+              <a:t>e.g. a score of 16 on an anxiety scale means that the person is, in reality, twice as anxious as someone scoring 8.</a:t>
+            </a:r>
           </a:p>
         </p:txBody>
       </p:sp>
     </p:spTree>
-    <p:extLst>
-      <p:ext uri="{BB962C8B-B14F-4D97-AF65-F5344CB8AC3E}">
-        <p14:creationId xmlns:p14="http://schemas.microsoft.com/office/powerpoint/2010/main" val="2912189511"/>
-      </p:ext>
-    </p:extLst>
   </p:cSld>
   <p:clrMapOvr>
     <a:masterClrMapping/>
@@ -3732,6 +7864,14 @@
 <file path=ppt/slides/slide11.xml><?xml version="1.0" encoding="utf-8"?>
 <p:sld xmlns:a="http://schemas.openxmlformats.org/drawingml/2006/main" xmlns:r="http://schemas.openxmlformats.org/officeDocument/2006/relationships" xmlns:p="http://schemas.openxmlformats.org/presentationml/2006/main">
   <p:cSld>
+    <p:bg>
+      <p:bgPr>
+        <a:solidFill>
+          <a:schemeClr val="bg1"/>
+        </a:solidFill>
+        <a:effectLst/>
+      </p:bgPr>
+    </p:bg>
     <p:spTree>
       <p:nvGrpSpPr>
         <p:cNvPr id="1" name=""/>
@@ -3748,10 +7888,10 @@
       </p:grpSpPr>
       <p:sp>
         <p:nvSpPr>
-          <p:cNvPr id="2" name="Title 1">
+          <p:cNvPr id="4" name="Title 3">
             <a:extLst>
               <a:ext uri="{FF2B5EF4-FFF2-40B4-BE49-F238E27FC236}">
-                <a16:creationId xmlns:a16="http://schemas.microsoft.com/office/drawing/2014/main" id="{75FEFBD2-613B-4904-83BD-7E140BFD1EB8}"/>
+                <a16:creationId xmlns:a16="http://schemas.microsoft.com/office/drawing/2014/main" id="{F212F116-A16E-40BB-9324-6EB31AF121F5}"/>
               </a:ext>
             </a:extLst>
           </p:cNvPr>
@@ -3762,24 +7902,31 @@
             <p:ph type="title"/>
           </p:nvPr>
         </p:nvSpPr>
-        <p:spPr/>
-        <p:txBody>
-          <a:bodyPr/>
+        <p:spPr>
+          <a:xfrm>
+            <a:off x="838200" y="365125"/>
+            <a:ext cx="10515600" cy="1325563"/>
+          </a:xfrm>
+        </p:spPr>
+        <p:txBody>
+          <a:bodyPr>
+            <a:normAutofit/>
+          </a:bodyPr>
           <a:lstStyle/>
           <a:p>
             <a:r>
               <a:rPr lang="en-US" dirty="0"/>
-              <a:t>Interval</a:t>
-            </a:r>
-          </a:p>
-        </p:txBody>
-      </p:sp>
-      <p:sp>
-        <p:nvSpPr>
-          <p:cNvPr id="3" name="Content Placeholder 2">
+              <a:t>Level of Measurement Can’t be Identified by Name Alone!</a:t>
+            </a:r>
+          </a:p>
+        </p:txBody>
+      </p:sp>
+      <p:sp>
+        <p:nvSpPr>
+          <p:cNvPr id="5" name="Content Placeholder 4">
             <a:extLst>
               <a:ext uri="{FF2B5EF4-FFF2-40B4-BE49-F238E27FC236}">
-                <a16:creationId xmlns:a16="http://schemas.microsoft.com/office/drawing/2014/main" id="{8CAAC389-1D8B-4C64-9797-2840277EE45B}"/>
+                <a16:creationId xmlns:a16="http://schemas.microsoft.com/office/drawing/2014/main" id="{22D9AF39-27DF-407C-9F9F-43B226CE1DC6}"/>
               </a:ext>
             </a:extLst>
           </p:cNvPr>
@@ -3790,19 +7937,103 @@
             <p:ph idx="1"/>
           </p:nvPr>
         </p:nvSpPr>
-        <p:spPr/>
-        <p:txBody>
-          <a:bodyPr/>
+        <p:spPr>
+          <a:xfrm>
+            <a:off x="838200" y="1825625"/>
+            <a:ext cx="5015484" cy="4351338"/>
+          </a:xfrm>
+        </p:spPr>
+        <p:txBody>
+          <a:bodyPr>
+            <a:normAutofit/>
+          </a:bodyPr>
           <a:lstStyle/>
           <a:p>
-            <a:endParaRPr lang="en-US"/>
-          </a:p>
-        </p:txBody>
-      </p:sp>
+            <a:r>
+              <a:rPr lang="en-US" sz="1700"/>
+              <a:t>You can’t identify the level of measurement of a variable by only knowing the name. You need to know what the data actually look like.</a:t>
+            </a:r>
+          </a:p>
+          <a:p>
+            <a:r>
+              <a:rPr lang="en-US" sz="1700"/>
+              <a:t>Take Income for an example:</a:t>
+            </a:r>
+          </a:p>
+          <a:p>
+            <a:pPr lvl="1"/>
+            <a:r>
+              <a:rPr lang="en-US" sz="1700"/>
+              <a:t>Nominal – Source of income. (Job, Stocks, Bonds, Inheritance, etc.)</a:t>
+            </a:r>
+          </a:p>
+          <a:p>
+            <a:pPr lvl="1"/>
+            <a:r>
+              <a:rPr lang="en-US" sz="1700"/>
+              <a:t>Ordinal – Yearly income is reported in ranges. ($20,000 - $29,999, $30,000 - $39,000, etc.)</a:t>
+            </a:r>
+          </a:p>
+          <a:p>
+            <a:pPr lvl="1"/>
+            <a:r>
+              <a:rPr lang="en-US" sz="1700"/>
+              <a:t>Ratio – Yearly income is reported in specific dollar amount. ($40,000/year, $52,000/year, etc.)</a:t>
+            </a:r>
+          </a:p>
+          <a:p>
+            <a:r>
+              <a:rPr lang="en-US" sz="1700"/>
+              <a:t>Those could all be named “Income” as variables, but the level of measurement is very different.</a:t>
+            </a:r>
+          </a:p>
+          <a:p>
+            <a:r>
+              <a:rPr lang="en-US" sz="1700"/>
+              <a:t>Many students miss this point.</a:t>
+            </a:r>
+          </a:p>
+        </p:txBody>
+      </p:sp>
+      <p:pic>
+        <p:nvPicPr>
+          <p:cNvPr id="7" name="Picture 6" descr="A person standing in front of a brick building&#10;&#10;Description automatically generated">
+            <a:extLst>
+              <a:ext uri="{FF2B5EF4-FFF2-40B4-BE49-F238E27FC236}">
+                <a16:creationId xmlns:a16="http://schemas.microsoft.com/office/drawing/2014/main" id="{5F7A375D-1D8F-4198-B3E2-4D6C77CF427E}"/>
+              </a:ext>
+            </a:extLst>
+          </p:cNvPr>
+          <p:cNvPicPr>
+            <a:picLocks noChangeAspect="1"/>
+          </p:cNvPicPr>
+          <p:nvPr/>
+        </p:nvPicPr>
+        <p:blipFill rotWithShape="1">
+          <a:blip r:embed="rId2">
+            <a:extLst>
+              <a:ext uri="{28A0092B-C50C-407E-A947-70E740481C1C}">
+                <a14:useLocalDpi xmlns:a14="http://schemas.microsoft.com/office/drawing/2010/main" val="0"/>
+              </a:ext>
+            </a:extLst>
+          </a:blip>
+          <a:srcRect l="1472" r="19557" b="2"/>
+          <a:stretch/>
+        </p:blipFill>
+        <p:spPr>
+          <a:xfrm>
+            <a:off x="6338316" y="1904281"/>
+            <a:ext cx="5074070" cy="4272681"/>
+          </a:xfrm>
+          <a:prstGeom prst="rect">
+            <a:avLst/>
+          </a:prstGeom>
+        </p:spPr>
+      </p:pic>
     </p:spTree>
     <p:extLst>
       <p:ext uri="{BB962C8B-B14F-4D97-AF65-F5344CB8AC3E}">
-        <p14:creationId xmlns:p14="http://schemas.microsoft.com/office/powerpoint/2010/main" val="1208034222"/>
+        <p14:creationId xmlns:p14="http://schemas.microsoft.com/office/powerpoint/2010/main" val="3130813414"/>
       </p:ext>
     </p:extLst>
   </p:cSld>
@@ -3815,6 +8046,14 @@
 <file path=ppt/slides/slide12.xml><?xml version="1.0" encoding="utf-8"?>
 <p:sld xmlns:a="http://schemas.openxmlformats.org/drawingml/2006/main" xmlns:r="http://schemas.openxmlformats.org/officeDocument/2006/relationships" xmlns:p="http://schemas.openxmlformats.org/presentationml/2006/main">
   <p:cSld>
+    <p:bg>
+      <p:bgPr>
+        <a:solidFill>
+          <a:schemeClr val="bg1"/>
+        </a:solidFill>
+        <a:effectLst/>
+      </p:bgPr>
+    </p:bg>
     <p:spTree>
       <p:nvGrpSpPr>
         <p:cNvPr id="1" name=""/>
@@ -3831,87 +8070,67 @@
       </p:grpSpPr>
       <p:sp>
         <p:nvSpPr>
-          <p:cNvPr id="2" name="Title 1">
+          <p:cNvPr id="10" name="Rectangle 9">
             <a:extLst>
               <a:ext uri="{FF2B5EF4-FFF2-40B4-BE49-F238E27FC236}">
-                <a16:creationId xmlns:a16="http://schemas.microsoft.com/office/drawing/2014/main" id="{21284F3D-2F22-4222-90A5-D8D497469FAA}"/>
+                <a16:creationId xmlns:a16="http://schemas.microsoft.com/office/drawing/2014/main" id="{A4AC5506-6312-4701-8D3C-40187889A947}"/>
+              </a:ext>
+              <a:ext uri="{C183D7F6-B498-43B3-948B-1728B52AA6E4}">
+                <adec:decorative xmlns:adec="http://schemas.microsoft.com/office/drawing/2017/decorative" val="1"/>
               </a:ext>
             </a:extLst>
           </p:cNvPr>
           <p:cNvSpPr>
-            <a:spLocks noGrp="1"/>
-          </p:cNvSpPr>
-          <p:nvPr>
-            <p:ph type="title"/>
-          </p:nvPr>
-        </p:nvSpPr>
-        <p:spPr/>
-        <p:txBody>
-          <a:bodyPr/>
+            <a:spLocks noGrp="1" noRot="1" noChangeAspect="1" noMove="1" noResize="1" noEditPoints="1" noAdjustHandles="1" noChangeArrowheads="1" noChangeShapeType="1" noTextEdit="1"/>
+          </p:cNvSpPr>
+          <p:nvPr>
+            <p:extLst>
+              <p:ext uri="{386F3935-93C4-4BCD-93E2-E3B085C9AB24}">
+                <p16:designElem xmlns:p16="http://schemas.microsoft.com/office/powerpoint/2015/main" val="1"/>
+              </p:ext>
+            </p:extLst>
+          </p:nvPr>
+        </p:nvSpPr>
+        <p:spPr>
+          <a:xfrm>
+            <a:off x="0" y="651752"/>
+            <a:ext cx="12192000" cy="736551"/>
+          </a:xfrm>
+          <a:prstGeom prst="rect">
+            <a:avLst/>
+          </a:prstGeom>
+          <a:solidFill>
+            <a:schemeClr val="tx1"/>
+          </a:solidFill>
+          <a:ln>
+            <a:noFill/>
+          </a:ln>
+        </p:spPr>
+        <p:style>
+          <a:lnRef idx="2">
+            <a:schemeClr val="accent1">
+              <a:shade val="50000"/>
+            </a:schemeClr>
+          </a:lnRef>
+          <a:fillRef idx="1">
+            <a:schemeClr val="accent1"/>
+          </a:fillRef>
+          <a:effectRef idx="0">
+            <a:schemeClr val="accent1"/>
+          </a:effectRef>
+          <a:fontRef idx="minor">
+            <a:schemeClr val="lt1"/>
+          </a:fontRef>
+        </p:style>
+        <p:txBody>
+          <a:bodyPr rtlCol="0" anchor="ctr"/>
           <a:lstStyle/>
           <a:p>
-            <a:r>
-              <a:rPr lang="en-US" dirty="0"/>
-              <a:t>Ratio</a:t>
-            </a:r>
-          </a:p>
-        </p:txBody>
-      </p:sp>
-      <p:sp>
-        <p:nvSpPr>
-          <p:cNvPr id="3" name="Content Placeholder 2">
-            <a:extLst>
-              <a:ext uri="{FF2B5EF4-FFF2-40B4-BE49-F238E27FC236}">
-                <a16:creationId xmlns:a16="http://schemas.microsoft.com/office/drawing/2014/main" id="{A066B98C-6159-4B00-B30F-0C4CC8EB5B14}"/>
-              </a:ext>
-            </a:extLst>
-          </p:cNvPr>
-          <p:cNvSpPr>
-            <a:spLocks noGrp="1"/>
-          </p:cNvSpPr>
-          <p:nvPr>
-            <p:ph idx="1"/>
-          </p:nvPr>
-        </p:nvSpPr>
-        <p:spPr/>
-        <p:txBody>
-          <a:bodyPr/>
-          <a:lstStyle/>
-          <a:p>
+            <a:pPr algn="ctr"/>
             <a:endParaRPr lang="en-US"/>
           </a:p>
         </p:txBody>
       </p:sp>
-    </p:spTree>
-    <p:extLst>
-      <p:ext uri="{BB962C8B-B14F-4D97-AF65-F5344CB8AC3E}">
-        <p14:creationId xmlns:p14="http://schemas.microsoft.com/office/powerpoint/2010/main" val="503950340"/>
-      </p:ext>
-    </p:extLst>
-  </p:cSld>
-  <p:clrMapOvr>
-    <a:masterClrMapping/>
-  </p:clrMapOvr>
-</p:sld>
-</file>
-
-<file path=ppt/slides/slide13.xml><?xml version="1.0" encoding="utf-8"?>
-<p:sld xmlns:a="http://schemas.openxmlformats.org/drawingml/2006/main" xmlns:r="http://schemas.openxmlformats.org/officeDocument/2006/relationships" xmlns:p="http://schemas.openxmlformats.org/presentationml/2006/main">
-  <p:cSld>
-    <p:spTree>
-      <p:nvGrpSpPr>
-        <p:cNvPr id="1" name=""/>
-        <p:cNvGrpSpPr/>
-        <p:nvPr/>
-      </p:nvGrpSpPr>
-      <p:grpSpPr>
-        <a:xfrm>
-          <a:off x="0" y="0"/>
-          <a:ext cx="0" cy="0"/>
-          <a:chOff x="0" y="0"/>
-          <a:chExt cx="0" cy="0"/>
-        </a:xfrm>
-      </p:grpSpPr>
       <p:sp>
         <p:nvSpPr>
           <p:cNvPr id="2" name="Title 1">
@@ -3928,14 +8147,29 @@
             <p:ph type="title"/>
           </p:nvPr>
         </p:nvSpPr>
-        <p:spPr/>
-        <p:txBody>
-          <a:bodyPr/>
+        <p:spPr>
+          <a:xfrm>
+            <a:off x="556532" y="643467"/>
+            <a:ext cx="11210925" cy="744836"/>
+          </a:xfrm>
+        </p:spPr>
+        <p:txBody>
+          <a:bodyPr vert="horz" lIns="91440" tIns="45720" rIns="91440" bIns="45720" rtlCol="0" anchor="ctr">
+            <a:normAutofit/>
+          </a:bodyPr>
           <a:lstStyle/>
           <a:p>
-            <a:r>
-              <a:rPr lang="en-US"/>
-              <a:t>Analysis process</a:t>
+            <a:pPr algn="ctr"/>
+            <a:r>
+              <a:rPr lang="en-US" sz="3200" kern="1200">
+                <a:solidFill>
+                  <a:schemeClr val="bg1"/>
+                </a:solidFill>
+                <a:latin typeface="+mj-lt"/>
+                <a:ea typeface="+mj-ea"/>
+                <a:cs typeface="+mj-cs"/>
+              </a:rPr>
+              <a:t>Analysis process will guide in the next step of an analysis</a:t>
             </a:r>
           </a:p>
         </p:txBody>
@@ -3970,9 +8204,12 @@
         </p:blipFill>
         <p:spPr>
           <a:xfrm>
-            <a:off x="3634095" y="3096532"/>
-            <a:ext cx="4923809" cy="1809524"/>
+            <a:off x="643467" y="1868521"/>
+            <a:ext cx="10905066" cy="4007610"/>
           </a:xfrm>
+          <a:prstGeom prst="rect">
+            <a:avLst/>
+          </a:prstGeom>
         </p:spPr>
       </p:pic>
     </p:spTree>
@@ -3991,6 +8228,14 @@
 <file path=ppt/slides/slide2.xml><?xml version="1.0" encoding="utf-8"?>
 <p:sld xmlns:a="http://schemas.openxmlformats.org/drawingml/2006/main" xmlns:r="http://schemas.openxmlformats.org/officeDocument/2006/relationships" xmlns:p="http://schemas.openxmlformats.org/presentationml/2006/main">
   <p:cSld>
+    <p:bg>
+      <p:bgPr>
+        <a:solidFill>
+          <a:schemeClr val="bg1"/>
+        </a:solidFill>
+        <a:effectLst/>
+      </p:bgPr>
+    </p:bg>
     <p:spTree>
       <p:nvGrpSpPr>
         <p:cNvPr id="1" name=""/>
@@ -4007,6 +8252,98 @@
       </p:grpSpPr>
       <p:sp>
         <p:nvSpPr>
+          <p:cNvPr id="10" name="Rectangle 9">
+            <a:extLst>
+              <a:ext uri="{FF2B5EF4-FFF2-40B4-BE49-F238E27FC236}">
+                <a16:creationId xmlns:a16="http://schemas.microsoft.com/office/drawing/2014/main" id="{4038CB10-1F5C-4D54-9DF7-12586DE5B007}"/>
+              </a:ext>
+              <a:ext uri="{C183D7F6-B498-43B3-948B-1728B52AA6E4}">
+                <adec:decorative xmlns:adec="http://schemas.microsoft.com/office/drawing/2017/decorative" val="1"/>
+              </a:ext>
+            </a:extLst>
+          </p:cNvPr>
+          <p:cNvSpPr>
+            <a:spLocks noGrp="1" noRot="1" noChangeAspect="1" noMove="1" noResize="1" noEditPoints="1" noAdjustHandles="1" noChangeArrowheads="1" noChangeShapeType="1" noTextEdit="1"/>
+          </p:cNvSpPr>
+          <p:nvPr>
+            <p:extLst>
+              <p:ext uri="{386F3935-93C4-4BCD-93E2-E3B085C9AB24}">
+                <p16:designElem xmlns:p16="http://schemas.microsoft.com/office/powerpoint/2015/main" val="1"/>
+              </p:ext>
+            </p:extLst>
+          </p:nvPr>
+        </p:nvSpPr>
+        <p:spPr>
+          <a:xfrm>
+            <a:off x="327546" y="4572000"/>
+            <a:ext cx="7058307" cy="1964266"/>
+          </a:xfrm>
+          <a:prstGeom prst="rect">
+            <a:avLst/>
+          </a:prstGeom>
+          <a:solidFill>
+            <a:srgbClr val="644239"/>
+          </a:solidFill>
+          <a:ln>
+            <a:noFill/>
+          </a:ln>
+        </p:spPr>
+        <p:style>
+          <a:lnRef idx="2">
+            <a:schemeClr val="accent1">
+              <a:shade val="50000"/>
+            </a:schemeClr>
+          </a:lnRef>
+          <a:fillRef idx="1">
+            <a:schemeClr val="accent1"/>
+          </a:fillRef>
+          <a:effectRef idx="0">
+            <a:schemeClr val="accent1"/>
+          </a:effectRef>
+          <a:fontRef idx="minor">
+            <a:schemeClr val="lt1"/>
+          </a:fontRef>
+        </p:style>
+        <p:txBody>
+          <a:bodyPr rtlCol="0" anchor="ctr"/>
+          <a:lstStyle/>
+          <a:p>
+            <a:pPr marL="0" marR="0" lvl="0" indent="0" algn="ctr" defTabSz="914400" rtl="0" eaLnBrk="1" fontAlgn="auto" latinLnBrk="0" hangingPunct="1">
+              <a:lnSpc>
+                <a:spcPct val="100000"/>
+              </a:lnSpc>
+              <a:spcBef>
+                <a:spcPts val="0"/>
+              </a:spcBef>
+              <a:spcAft>
+                <a:spcPts val="0"/>
+              </a:spcAft>
+              <a:buClrTx/>
+              <a:buSzTx/>
+              <a:buFontTx/>
+              <a:buNone/>
+              <a:tabLst/>
+              <a:defRPr/>
+            </a:pPr>
+            <a:endParaRPr kumimoji="0" lang="en-US" sz="1800" b="0" i="0" u="none" strike="noStrike" kern="1200" cap="none" spc="0" normalizeH="0" baseline="0" noProof="0">
+              <a:ln>
+                <a:noFill/>
+              </a:ln>
+              <a:solidFill>
+                <a:prstClr val="white"/>
+              </a:solidFill>
+              <a:effectLst/>
+              <a:uLnTx/>
+              <a:uFillTx/>
+              <a:latin typeface="Calibri" panose="020F0502020204030204"/>
+              <a:ea typeface="+mn-ea"/>
+              <a:cs typeface="+mn-cs"/>
+            </a:endParaRPr>
+          </a:p>
+        </p:txBody>
+      </p:sp>
+      <p:sp>
+        <p:nvSpPr>
           <p:cNvPr id="2" name="Title 1">
             <a:extLst>
               <a:ext uri="{FF2B5EF4-FFF2-40B4-BE49-F238E27FC236}">
@@ -4021,15 +8358,154 @@
             <p:ph type="title"/>
           </p:nvPr>
         </p:nvSpPr>
-        <p:spPr/>
-        <p:txBody>
-          <a:bodyPr/>
+        <p:spPr>
+          <a:xfrm>
+            <a:off x="524256" y="4767072"/>
+            <a:ext cx="6594189" cy="1625210"/>
+          </a:xfrm>
+        </p:spPr>
+        <p:txBody>
+          <a:bodyPr>
+            <a:normAutofit/>
+          </a:bodyPr>
           <a:lstStyle/>
           <a:p>
-            <a:r>
-              <a:rPr lang="en-US" dirty="0"/>
+            <a:pPr algn="r"/>
+            <a:r>
+              <a:rPr lang="en-US">
+                <a:solidFill>
+                  <a:srgbClr val="FFFFFF"/>
+                </a:solidFill>
+              </a:rPr>
               <a:t>Concepts to focus on</a:t>
             </a:r>
+          </a:p>
+        </p:txBody>
+      </p:sp>
+      <p:pic>
+        <p:nvPicPr>
+          <p:cNvPr id="5" name="Picture 4" descr="A close up of a pair of sunglasses&#10;&#10;Description automatically generated">
+            <a:extLst>
+              <a:ext uri="{FF2B5EF4-FFF2-40B4-BE49-F238E27FC236}">
+                <a16:creationId xmlns:a16="http://schemas.microsoft.com/office/drawing/2014/main" id="{3CC159D3-BAA1-4718-B6AC-D0DA976F6929}"/>
+              </a:ext>
+            </a:extLst>
+          </p:cNvPr>
+          <p:cNvPicPr>
+            <a:picLocks noChangeAspect="1"/>
+          </p:cNvPicPr>
+          <p:nvPr/>
+        </p:nvPicPr>
+        <p:blipFill rotWithShape="1">
+          <a:blip r:embed="rId2">
+            <a:extLst>
+              <a:ext uri="{28A0092B-C50C-407E-A947-70E740481C1C}">
+                <a14:useLocalDpi xmlns:a14="http://schemas.microsoft.com/office/drawing/2010/main" val="0"/>
+              </a:ext>
+            </a:extLst>
+          </a:blip>
+          <a:srcRect t="2912" r="1" b="8919"/>
+          <a:stretch/>
+        </p:blipFill>
+        <p:spPr>
+          <a:xfrm>
+            <a:off x="327547" y="321733"/>
+            <a:ext cx="7058306" cy="4107392"/>
+          </a:xfrm>
+          <a:prstGeom prst="rect">
+            <a:avLst/>
+          </a:prstGeom>
+        </p:spPr>
+      </p:pic>
+      <p:sp>
+        <p:nvSpPr>
+          <p:cNvPr id="12" name="Rectangle 11">
+            <a:extLst>
+              <a:ext uri="{FF2B5EF4-FFF2-40B4-BE49-F238E27FC236}">
+                <a16:creationId xmlns:a16="http://schemas.microsoft.com/office/drawing/2014/main" id="{73ED6512-6858-4552-B699-9A97FE9A4EA2}"/>
+              </a:ext>
+              <a:ext uri="{C183D7F6-B498-43B3-948B-1728B52AA6E4}">
+                <adec:decorative xmlns:adec="http://schemas.microsoft.com/office/drawing/2017/decorative" val="1"/>
+              </a:ext>
+            </a:extLst>
+          </p:cNvPr>
+          <p:cNvSpPr>
+            <a:spLocks noGrp="1" noRot="1" noChangeAspect="1" noMove="1" noResize="1" noEditPoints="1" noAdjustHandles="1" noChangeArrowheads="1" noChangeShapeType="1" noTextEdit="1"/>
+          </p:cNvSpPr>
+          <p:nvPr>
+            <p:extLst>
+              <p:ext uri="{386F3935-93C4-4BCD-93E2-E3B085C9AB24}">
+                <p16:designElem xmlns:p16="http://schemas.microsoft.com/office/powerpoint/2015/main" val="1"/>
+              </p:ext>
+            </p:extLst>
+          </p:nvPr>
+        </p:nvSpPr>
+        <p:spPr>
+          <a:xfrm>
+            <a:off x="7534655" y="321732"/>
+            <a:ext cx="4335613" cy="6214534"/>
+          </a:xfrm>
+          <a:prstGeom prst="rect">
+            <a:avLst/>
+          </a:prstGeom>
+          <a:solidFill>
+            <a:srgbClr val="404040"/>
+          </a:solidFill>
+          <a:ln>
+            <a:noFill/>
+          </a:ln>
+        </p:spPr>
+        <p:style>
+          <a:lnRef idx="2">
+            <a:schemeClr val="accent1">
+              <a:shade val="50000"/>
+            </a:schemeClr>
+          </a:lnRef>
+          <a:fillRef idx="1">
+            <a:schemeClr val="accent1"/>
+          </a:fillRef>
+          <a:effectRef idx="0">
+            <a:schemeClr val="accent1"/>
+          </a:effectRef>
+          <a:fontRef idx="minor">
+            <a:schemeClr val="lt1"/>
+          </a:fontRef>
+        </p:style>
+        <p:txBody>
+          <a:bodyPr rtlCol="0" anchor="ctr"/>
+          <a:lstStyle/>
+          <a:p>
+            <a:pPr marL="0" marR="0" lvl="0" indent="0" algn="ctr" defTabSz="914400" rtl="0" eaLnBrk="1" fontAlgn="auto" latinLnBrk="0" hangingPunct="1">
+              <a:lnSpc>
+                <a:spcPct val="100000"/>
+              </a:lnSpc>
+              <a:spcBef>
+                <a:spcPts val="0"/>
+              </a:spcBef>
+              <a:spcAft>
+                <a:spcPts val="0"/>
+              </a:spcAft>
+              <a:buClrTx/>
+              <a:buSzTx/>
+              <a:buFontTx/>
+              <a:buNone/>
+              <a:tabLst/>
+              <a:defRPr/>
+            </a:pPr>
+            <a:endParaRPr kumimoji="0" lang="en-US" sz="1800" b="0" i="0" u="none" strike="noStrike" kern="1200" cap="none" spc="0" normalizeH="0" baseline="0" noProof="0">
+              <a:ln>
+                <a:noFill/>
+              </a:ln>
+              <a:solidFill>
+                <a:prstClr val="white"/>
+              </a:solidFill>
+              <a:effectLst/>
+              <a:uLnTx/>
+              <a:uFillTx/>
+              <a:latin typeface="Calibri" panose="020F0502020204030204"/>
+              <a:ea typeface="+mn-ea"/>
+              <a:cs typeface="+mn-cs"/>
+            </a:endParaRPr>
           </a:p>
         </p:txBody>
       </p:sp>
@@ -4049,14 +8525,35 @@
             <p:ph idx="1"/>
           </p:nvPr>
         </p:nvSpPr>
-        <p:spPr/>
-        <p:txBody>
-          <a:bodyPr/>
+        <p:spPr>
+          <a:xfrm>
+            <a:off x="8029319" y="917725"/>
+            <a:ext cx="3424739" cy="4852362"/>
+          </a:xfrm>
+        </p:spPr>
+        <p:txBody>
+          <a:bodyPr anchor="ctr">
+            <a:normAutofit/>
+          </a:bodyPr>
           <a:lstStyle/>
           <a:p>
             <a:r>
-              <a:rPr lang="en-US" dirty="0"/>
+              <a:rPr lang="en-US" sz="2000">
+                <a:solidFill>
+                  <a:srgbClr val="FFFFFF"/>
+                </a:solidFill>
+              </a:rPr>
               <a:t>The PowerPoints for each week are the topics to focus on closely.</a:t>
+            </a:r>
+          </a:p>
+          <a:p>
+            <a:r>
+              <a:rPr lang="en-US" sz="2000">
+                <a:solidFill>
+                  <a:srgbClr val="FFFFFF"/>
+                </a:solidFill>
+              </a:rPr>
+              <a:t>They also may contain additional explanation which may not be covered in the assigned readings or video lectures.</a:t>
             </a:r>
           </a:p>
         </p:txBody>
@@ -4077,6 +8574,14 @@
 <file path=ppt/slides/slide3.xml><?xml version="1.0" encoding="utf-8"?>
 <p:sld xmlns:a="http://schemas.openxmlformats.org/drawingml/2006/main" xmlns:r="http://schemas.openxmlformats.org/officeDocument/2006/relationships" xmlns:p="http://schemas.openxmlformats.org/presentationml/2006/main">
   <p:cSld>
+    <p:bg>
+      <p:bgPr>
+        <a:solidFill>
+          <a:schemeClr val="bg1"/>
+        </a:solidFill>
+        <a:effectLst/>
+      </p:bgPr>
+    </p:bg>
     <p:spTree>
       <p:nvGrpSpPr>
         <p:cNvPr id="1" name=""/>
@@ -4093,6 +8598,388 @@
       </p:grpSpPr>
       <p:sp>
         <p:nvSpPr>
+          <p:cNvPr id="10" name="Freeform: Shape 9">
+            <a:extLst>
+              <a:ext uri="{FF2B5EF4-FFF2-40B4-BE49-F238E27FC236}">
+                <a16:creationId xmlns:a16="http://schemas.microsoft.com/office/drawing/2014/main" id="{F60FCA6E-0894-46CD-BD49-5955A51E0084}"/>
+              </a:ext>
+              <a:ext uri="{C183D7F6-B498-43B3-948B-1728B52AA6E4}">
+                <adec:decorative xmlns:adec="http://schemas.microsoft.com/office/drawing/2017/decorative" val="1"/>
+              </a:ext>
+            </a:extLst>
+          </p:cNvPr>
+          <p:cNvSpPr>
+            <a:spLocks noGrp="1" noRot="1" noChangeAspect="1" noMove="1" noResize="1" noEditPoints="1" noAdjustHandles="1" noChangeArrowheads="1" noChangeShapeType="1" noTextEdit="1"/>
+          </p:cNvSpPr>
+          <p:nvPr>
+            <p:extLst>
+              <p:ext uri="{386F3935-93C4-4BCD-93E2-E3B085C9AB24}">
+                <p16:designElem xmlns:p16="http://schemas.microsoft.com/office/powerpoint/2015/main" val="1"/>
+              </p:ext>
+            </p:extLst>
+          </p:nvPr>
+        </p:nvSpPr>
+        <p:spPr>
+          <a:xfrm>
+            <a:off x="6831955" y="5346696"/>
+            <a:ext cx="5360045" cy="1511304"/>
+          </a:xfrm>
+          <a:custGeom>
+            <a:avLst/>
+            <a:gdLst>
+              <a:gd name="connsiteX0" fmla="*/ 4545473 w 5360045"/>
+              <a:gd name="connsiteY0" fmla="*/ 0 h 1511304"/>
+              <a:gd name="connsiteX1" fmla="*/ 5360045 w 5360045"/>
+              <a:gd name="connsiteY1" fmla="*/ 0 h 1511304"/>
+              <a:gd name="connsiteX2" fmla="*/ 5360045 w 5360045"/>
+              <a:gd name="connsiteY2" fmla="*/ 1046730 h 1511304"/>
+              <a:gd name="connsiteX3" fmla="*/ 5360045 w 5360045"/>
+              <a:gd name="connsiteY3" fmla="*/ 1508760 h 1511304"/>
+              <a:gd name="connsiteX4" fmla="*/ 5360045 w 5360045"/>
+              <a:gd name="connsiteY4" fmla="*/ 1511304 h 1511304"/>
+              <a:gd name="connsiteX5" fmla="*/ 4545474 w 5360045"/>
+              <a:gd name="connsiteY5" fmla="*/ 1511304 h 1511304"/>
+              <a:gd name="connsiteX6" fmla="*/ 2525897 w 5360045"/>
+              <a:gd name="connsiteY6" fmla="*/ 1511304 h 1511304"/>
+              <a:gd name="connsiteX7" fmla="*/ 0 w 5360045"/>
+              <a:gd name="connsiteY7" fmla="*/ 1511304 h 1511304"/>
+              <a:gd name="connsiteX8" fmla="*/ 697617 w 5360045"/>
+              <a:gd name="connsiteY8" fmla="*/ 3 h 1511304"/>
+              <a:gd name="connsiteX9" fmla="*/ 4545473 w 5360045"/>
+              <a:gd name="connsiteY9" fmla="*/ 3 h 1511304"/>
+            </a:gdLst>
+            <a:ahLst/>
+            <a:cxnLst>
+              <a:cxn ang="0">
+                <a:pos x="connsiteX0" y="connsiteY0"/>
+              </a:cxn>
+              <a:cxn ang="0">
+                <a:pos x="connsiteX1" y="connsiteY1"/>
+              </a:cxn>
+              <a:cxn ang="0">
+                <a:pos x="connsiteX2" y="connsiteY2"/>
+              </a:cxn>
+              <a:cxn ang="0">
+                <a:pos x="connsiteX3" y="connsiteY3"/>
+              </a:cxn>
+              <a:cxn ang="0">
+                <a:pos x="connsiteX4" y="connsiteY4"/>
+              </a:cxn>
+              <a:cxn ang="0">
+                <a:pos x="connsiteX5" y="connsiteY5"/>
+              </a:cxn>
+              <a:cxn ang="0">
+                <a:pos x="connsiteX6" y="connsiteY6"/>
+              </a:cxn>
+              <a:cxn ang="0">
+                <a:pos x="connsiteX7" y="connsiteY7"/>
+              </a:cxn>
+              <a:cxn ang="0">
+                <a:pos x="connsiteX8" y="connsiteY8"/>
+              </a:cxn>
+              <a:cxn ang="0">
+                <a:pos x="connsiteX9" y="connsiteY9"/>
+              </a:cxn>
+            </a:cxnLst>
+            <a:rect l="l" t="t" r="r" b="b"/>
+            <a:pathLst>
+              <a:path w="5360045" h="1511304">
+                <a:moveTo>
+                  <a:pt x="4545473" y="0"/>
+                </a:moveTo>
+                <a:lnTo>
+                  <a:pt x="5360045" y="0"/>
+                </a:lnTo>
+                <a:lnTo>
+                  <a:pt x="5360045" y="1046730"/>
+                </a:lnTo>
+                <a:lnTo>
+                  <a:pt x="5360045" y="1508760"/>
+                </a:lnTo>
+                <a:lnTo>
+                  <a:pt x="5360045" y="1511304"/>
+                </a:lnTo>
+                <a:lnTo>
+                  <a:pt x="4545474" y="1511304"/>
+                </a:lnTo>
+                <a:lnTo>
+                  <a:pt x="2525897" y="1511304"/>
+                </a:lnTo>
+                <a:lnTo>
+                  <a:pt x="0" y="1511304"/>
+                </a:lnTo>
+                <a:lnTo>
+                  <a:pt x="697617" y="3"/>
+                </a:lnTo>
+                <a:lnTo>
+                  <a:pt x="4545473" y="3"/>
+                </a:lnTo>
+                <a:close/>
+              </a:path>
+            </a:pathLst>
+          </a:custGeom>
+          <a:solidFill>
+            <a:srgbClr val="404040">
+              <a:alpha val="84706"/>
+            </a:srgbClr>
+          </a:solidFill>
+          <a:ln>
+            <a:noFill/>
+          </a:ln>
+        </p:spPr>
+        <p:style>
+          <a:lnRef idx="2">
+            <a:schemeClr val="accent1">
+              <a:shade val="50000"/>
+            </a:schemeClr>
+          </a:lnRef>
+          <a:fillRef idx="1">
+            <a:schemeClr val="accent1"/>
+          </a:fillRef>
+          <a:effectRef idx="0">
+            <a:schemeClr val="accent1"/>
+          </a:effectRef>
+          <a:fontRef idx="minor">
+            <a:schemeClr val="lt1"/>
+          </a:fontRef>
+        </p:style>
+        <p:txBody>
+          <a:bodyPr wrap="square" rtlCol="0" anchor="ctr">
+            <a:noAutofit/>
+          </a:bodyPr>
+          <a:lstStyle/>
+          <a:p>
+            <a:pPr algn="ctr"/>
+            <a:endParaRPr lang="en-US"/>
+          </a:p>
+        </p:txBody>
+      </p:sp>
+      <p:sp>
+        <p:nvSpPr>
+          <p:cNvPr id="12" name="Freeform: Shape 11">
+            <a:extLst>
+              <a:ext uri="{FF2B5EF4-FFF2-40B4-BE49-F238E27FC236}">
+                <a16:creationId xmlns:a16="http://schemas.microsoft.com/office/drawing/2014/main" id="{E78C6E4B-A1F1-4B6C-97EC-BE997495D6AC}"/>
+              </a:ext>
+              <a:ext uri="{C183D7F6-B498-43B3-948B-1728B52AA6E4}">
+                <adec:decorative xmlns:adec="http://schemas.microsoft.com/office/drawing/2017/decorative" val="1"/>
+              </a:ext>
+            </a:extLst>
+          </p:cNvPr>
+          <p:cNvSpPr>
+            <a:spLocks noGrp="1" noRot="1" noChangeAspect="1" noMove="1" noResize="1" noEditPoints="1" noAdjustHandles="1" noChangeArrowheads="1" noChangeShapeType="1" noTextEdit="1"/>
+          </p:cNvSpPr>
+          <p:nvPr>
+            <p:extLst>
+              <p:ext uri="{386F3935-93C4-4BCD-93E2-E3B085C9AB24}">
+                <p16:designElem xmlns:p16="http://schemas.microsoft.com/office/powerpoint/2015/main" val="1"/>
+              </p:ext>
+            </p:extLst>
+          </p:nvPr>
+        </p:nvSpPr>
+        <p:spPr>
+          <a:xfrm>
+            <a:off x="0" y="5346694"/>
+            <a:ext cx="7346605" cy="1511306"/>
+          </a:xfrm>
+          <a:custGeom>
+            <a:avLst/>
+            <a:gdLst>
+              <a:gd name="connsiteX0" fmla="*/ 0 w 7346605"/>
+              <a:gd name="connsiteY0" fmla="*/ 0 h 1511306"/>
+              <a:gd name="connsiteX1" fmla="*/ 239486 w 7346605"/>
+              <a:gd name="connsiteY1" fmla="*/ 0 h 1511306"/>
+              <a:gd name="connsiteX2" fmla="*/ 1209568 w 7346605"/>
+              <a:gd name="connsiteY2" fmla="*/ 0 h 1511306"/>
+              <a:gd name="connsiteX3" fmla="*/ 2405743 w 7346605"/>
+              <a:gd name="connsiteY3" fmla="*/ 0 h 1511306"/>
+              <a:gd name="connsiteX4" fmla="*/ 2405743 w 7346605"/>
+              <a:gd name="connsiteY4" fmla="*/ 2544 h 1511306"/>
+              <a:gd name="connsiteX5" fmla="*/ 2801131 w 7346605"/>
+              <a:gd name="connsiteY5" fmla="*/ 2544 h 1511306"/>
+              <a:gd name="connsiteX6" fmla="*/ 2801131 w 7346605"/>
+              <a:gd name="connsiteY6" fmla="*/ 0 h 1511306"/>
+              <a:gd name="connsiteX7" fmla="*/ 7346605 w 7346605"/>
+              <a:gd name="connsiteY7" fmla="*/ 0 h 1511306"/>
+              <a:gd name="connsiteX8" fmla="*/ 6648988 w 7346605"/>
+              <a:gd name="connsiteY8" fmla="*/ 1511301 h 1511306"/>
+              <a:gd name="connsiteX9" fmla="*/ 2801132 w 7346605"/>
+              <a:gd name="connsiteY9" fmla="*/ 1511301 h 1511306"/>
+              <a:gd name="connsiteX10" fmla="*/ 2801132 w 7346605"/>
+              <a:gd name="connsiteY10" fmla="*/ 1511304 h 1511306"/>
+              <a:gd name="connsiteX11" fmla="*/ 2405743 w 7346605"/>
+              <a:gd name="connsiteY11" fmla="*/ 1511304 h 1511306"/>
+              <a:gd name="connsiteX12" fmla="*/ 2405743 w 7346605"/>
+              <a:gd name="connsiteY12" fmla="*/ 1511306 h 1511306"/>
+              <a:gd name="connsiteX13" fmla="*/ 1333411 w 7346605"/>
+              <a:gd name="connsiteY13" fmla="*/ 1511306 h 1511306"/>
+              <a:gd name="connsiteX14" fmla="*/ 1219208 w 7346605"/>
+              <a:gd name="connsiteY14" fmla="*/ 1511306 h 1511306"/>
+              <a:gd name="connsiteX15" fmla="*/ 1209568 w 7346605"/>
+              <a:gd name="connsiteY15" fmla="*/ 1511306 h 1511306"/>
+              <a:gd name="connsiteX16" fmla="*/ 239486 w 7346605"/>
+              <a:gd name="connsiteY16" fmla="*/ 1511306 h 1511306"/>
+              <a:gd name="connsiteX17" fmla="*/ 0 w 7346605"/>
+              <a:gd name="connsiteY17" fmla="*/ 1511306 h 1511306"/>
+            </a:gdLst>
+            <a:ahLst/>
+            <a:cxnLst>
+              <a:cxn ang="0">
+                <a:pos x="connsiteX0" y="connsiteY0"/>
+              </a:cxn>
+              <a:cxn ang="0">
+                <a:pos x="connsiteX1" y="connsiteY1"/>
+              </a:cxn>
+              <a:cxn ang="0">
+                <a:pos x="connsiteX2" y="connsiteY2"/>
+              </a:cxn>
+              <a:cxn ang="0">
+                <a:pos x="connsiteX3" y="connsiteY3"/>
+              </a:cxn>
+              <a:cxn ang="0">
+                <a:pos x="connsiteX4" y="connsiteY4"/>
+              </a:cxn>
+              <a:cxn ang="0">
+                <a:pos x="connsiteX5" y="connsiteY5"/>
+              </a:cxn>
+              <a:cxn ang="0">
+                <a:pos x="connsiteX6" y="connsiteY6"/>
+              </a:cxn>
+              <a:cxn ang="0">
+                <a:pos x="connsiteX7" y="connsiteY7"/>
+              </a:cxn>
+              <a:cxn ang="0">
+                <a:pos x="connsiteX8" y="connsiteY8"/>
+              </a:cxn>
+              <a:cxn ang="0">
+                <a:pos x="connsiteX9" y="connsiteY9"/>
+              </a:cxn>
+              <a:cxn ang="0">
+                <a:pos x="connsiteX10" y="connsiteY10"/>
+              </a:cxn>
+              <a:cxn ang="0">
+                <a:pos x="connsiteX11" y="connsiteY11"/>
+              </a:cxn>
+              <a:cxn ang="0">
+                <a:pos x="connsiteX12" y="connsiteY12"/>
+              </a:cxn>
+              <a:cxn ang="0">
+                <a:pos x="connsiteX13" y="connsiteY13"/>
+              </a:cxn>
+              <a:cxn ang="0">
+                <a:pos x="connsiteX14" y="connsiteY14"/>
+              </a:cxn>
+              <a:cxn ang="0">
+                <a:pos x="connsiteX15" y="connsiteY15"/>
+              </a:cxn>
+              <a:cxn ang="0">
+                <a:pos x="connsiteX16" y="connsiteY16"/>
+              </a:cxn>
+              <a:cxn ang="0">
+                <a:pos x="connsiteX17" y="connsiteY17"/>
+              </a:cxn>
+            </a:cxnLst>
+            <a:rect l="l" t="t" r="r" b="b"/>
+            <a:pathLst>
+              <a:path w="7346605" h="1511306">
+                <a:moveTo>
+                  <a:pt x="0" y="0"/>
+                </a:moveTo>
+                <a:lnTo>
+                  <a:pt x="239486" y="0"/>
+                </a:lnTo>
+                <a:lnTo>
+                  <a:pt x="1209568" y="0"/>
+                </a:lnTo>
+                <a:lnTo>
+                  <a:pt x="2405743" y="0"/>
+                </a:lnTo>
+                <a:lnTo>
+                  <a:pt x="2405743" y="2544"/>
+                </a:lnTo>
+                <a:lnTo>
+                  <a:pt x="2801131" y="2544"/>
+                </a:lnTo>
+                <a:lnTo>
+                  <a:pt x="2801131" y="0"/>
+                </a:lnTo>
+                <a:lnTo>
+                  <a:pt x="7346605" y="0"/>
+                </a:lnTo>
+                <a:lnTo>
+                  <a:pt x="6648988" y="1511301"/>
+                </a:lnTo>
+                <a:lnTo>
+                  <a:pt x="2801132" y="1511301"/>
+                </a:lnTo>
+                <a:lnTo>
+                  <a:pt x="2801132" y="1511304"/>
+                </a:lnTo>
+                <a:lnTo>
+                  <a:pt x="2405743" y="1511304"/>
+                </a:lnTo>
+                <a:lnTo>
+                  <a:pt x="2405743" y="1511306"/>
+                </a:lnTo>
+                <a:lnTo>
+                  <a:pt x="1333411" y="1511306"/>
+                </a:lnTo>
+                <a:lnTo>
+                  <a:pt x="1219208" y="1511306"/>
+                </a:lnTo>
+                <a:lnTo>
+                  <a:pt x="1209568" y="1511306"/>
+                </a:lnTo>
+                <a:lnTo>
+                  <a:pt x="239486" y="1511306"/>
+                </a:lnTo>
+                <a:lnTo>
+                  <a:pt x="0" y="1511306"/>
+                </a:lnTo>
+                <a:close/>
+              </a:path>
+            </a:pathLst>
+          </a:custGeom>
+          <a:solidFill>
+            <a:srgbClr val="D0CECE"/>
+          </a:solidFill>
+          <a:ln>
+            <a:noFill/>
+          </a:ln>
+        </p:spPr>
+        <p:style>
+          <a:lnRef idx="2">
+            <a:schemeClr val="accent1">
+              <a:shade val="50000"/>
+            </a:schemeClr>
+          </a:lnRef>
+          <a:fillRef idx="1">
+            <a:schemeClr val="accent1"/>
+          </a:fillRef>
+          <a:effectRef idx="0">
+            <a:schemeClr val="accent1"/>
+          </a:effectRef>
+          <a:fontRef idx="minor">
+            <a:schemeClr val="lt1"/>
+          </a:fontRef>
+        </p:style>
+        <p:txBody>
+          <a:bodyPr rtlCol="0" anchor="ctr"/>
+          <a:lstStyle/>
+          <a:p>
+            <a:pPr algn="ctr"/>
+            <a:endParaRPr lang="en-US">
+              <a:solidFill>
+                <a:schemeClr val="bg1">
+                  <a:lumMod val="95000"/>
+                </a:schemeClr>
+              </a:solidFill>
+            </a:endParaRPr>
+          </a:p>
+        </p:txBody>
+      </p:sp>
+      <p:sp>
+        <p:nvSpPr>
           <p:cNvPr id="2" name="Title 1">
             <a:extLst>
               <a:ext uri="{FF2B5EF4-FFF2-40B4-BE49-F238E27FC236}">
@@ -4107,18 +8994,65 @@
             <p:ph type="title"/>
           </p:nvPr>
         </p:nvSpPr>
-        <p:spPr/>
-        <p:txBody>
-          <a:bodyPr/>
+        <p:spPr>
+          <a:xfrm>
+            <a:off x="950121" y="5529884"/>
+            <a:ext cx="5693783" cy="1096331"/>
+          </a:xfrm>
+        </p:spPr>
+        <p:txBody>
+          <a:bodyPr>
+            <a:normAutofit/>
+          </a:bodyPr>
           <a:lstStyle/>
           <a:p>
             <a:r>
-              <a:rPr lang="en-US" dirty="0"/>
+              <a:rPr lang="en-US" sz="3400">
+                <a:solidFill>
+                  <a:srgbClr val="303030"/>
+                </a:solidFill>
+              </a:rPr>
               <a:t>Organization of Text and Class</a:t>
             </a:r>
           </a:p>
         </p:txBody>
       </p:sp>
+      <p:pic>
+        <p:nvPicPr>
+          <p:cNvPr id="5" name="Picture 4" descr="A close up of text on a whiteboard&#10;&#10;Description automatically generated">
+            <a:extLst>
+              <a:ext uri="{FF2B5EF4-FFF2-40B4-BE49-F238E27FC236}">
+                <a16:creationId xmlns:a16="http://schemas.microsoft.com/office/drawing/2014/main" id="{F39A4DF1-5E68-4EF2-940C-E226D93663EA}"/>
+              </a:ext>
+            </a:extLst>
+          </p:cNvPr>
+          <p:cNvPicPr>
+            <a:picLocks noChangeAspect="1"/>
+          </p:cNvPicPr>
+          <p:nvPr/>
+        </p:nvPicPr>
+        <p:blipFill>
+          <a:blip r:embed="rId2">
+            <a:extLst>
+              <a:ext uri="{28A0092B-C50C-407E-A947-70E740481C1C}">
+                <a14:useLocalDpi xmlns:a14="http://schemas.microsoft.com/office/drawing/2010/main" val="0"/>
+              </a:ext>
+            </a:extLst>
+          </a:blip>
+          <a:stretch>
+            <a:fillRect/>
+          </a:stretch>
+        </p:blipFill>
+        <p:spPr>
+          <a:xfrm>
+            <a:off x="950121" y="984328"/>
+            <a:ext cx="5941068" cy="3950810"/>
+          </a:xfrm>
+          <a:prstGeom prst="rect">
+            <a:avLst/>
+          </a:prstGeom>
+        </p:spPr>
+      </p:pic>
       <p:sp>
         <p:nvSpPr>
           <p:cNvPr id="3" name="Content Placeholder 2">
@@ -4135,54 +9069,49 @@
             <p:ph idx="1"/>
           </p:nvPr>
         </p:nvSpPr>
-        <p:spPr/>
-        <p:txBody>
-          <a:bodyPr/>
+        <p:spPr>
+          <a:xfrm>
+            <a:off x="7534655" y="965199"/>
+            <a:ext cx="4008101" cy="4020458"/>
+          </a:xfrm>
+        </p:spPr>
+        <p:txBody>
+          <a:bodyPr anchor="ctr">
+            <a:normAutofit/>
+          </a:bodyPr>
           <a:lstStyle/>
           <a:p>
             <a:r>
-              <a:rPr lang="en-US" dirty="0"/>
+              <a:rPr lang="en-US" sz="1700"/>
               <a:t>Andy Field organized his text to highlight the similarities between statistical tests.</a:t>
             </a:r>
           </a:p>
           <a:p>
             <a:pPr lvl="1"/>
             <a:r>
-              <a:rPr lang="en-US" dirty="0"/>
+              <a:rPr lang="en-US" sz="1700"/>
               <a:t>This is useful for learning the basic analysis process.</a:t>
             </a:r>
           </a:p>
           <a:p>
             <a:pPr lvl="1"/>
             <a:r>
-              <a:rPr lang="en-US" dirty="0"/>
+              <a:rPr lang="en-US" sz="1700"/>
               <a:t>Some of the details may differ between tests, but the steps are usually the same.</a:t>
             </a:r>
           </a:p>
           <a:p>
             <a:r>
-              <a:rPr lang="en-US" dirty="0"/>
+              <a:rPr lang="en-US" sz="1700"/>
               <a:t>I plan to follow his ordering of concepts, but with a few minor deviations</a:t>
             </a:r>
           </a:p>
           <a:p>
             <a:pPr lvl="1"/>
             <a:r>
-              <a:rPr lang="en-US" dirty="0"/>
+              <a:rPr lang="en-US" sz="1700"/>
               <a:t>I plan to emphasize the steps for conducting a data analysis a bit more than statistical concepts.</a:t>
             </a:r>
-          </a:p>
-          <a:p>
-            <a:pPr lvl="1"/>
-            <a:r>
-              <a:rPr lang="en-US" dirty="0"/>
-              <a:t>I plan to include a couple topics in this course which he placed further back in the text, but which are used a great deal in </a:t>
-            </a:r>
-            <a:r>
-              <a:rPr lang="en-US"/>
-              <a:t>healthcare analyses.</a:t>
-            </a:r>
-            <a:endParaRPr lang="en-US" dirty="0"/>
           </a:p>
         </p:txBody>
       </p:sp>
@@ -4202,6 +9131,14 @@
 <file path=ppt/slides/slide4.xml><?xml version="1.0" encoding="utf-8"?>
 <p:sld xmlns:a="http://schemas.openxmlformats.org/drawingml/2006/main" xmlns:r="http://schemas.openxmlformats.org/officeDocument/2006/relationships" xmlns:p="http://schemas.openxmlformats.org/presentationml/2006/main">
   <p:cSld>
+    <p:bg>
+      <p:bgPr>
+        <a:solidFill>
+          <a:schemeClr val="bg1"/>
+        </a:solidFill>
+        <a:effectLst/>
+      </p:bgPr>
+    </p:bg>
     <p:spTree>
       <p:nvGrpSpPr>
         <p:cNvPr id="1" name=""/>
@@ -4221,7 +9158,7 @@
           <p:cNvPr id="2" name="Title 1">
             <a:extLst>
               <a:ext uri="{FF2B5EF4-FFF2-40B4-BE49-F238E27FC236}">
-                <a16:creationId xmlns:a16="http://schemas.microsoft.com/office/drawing/2014/main" id="{74F05772-0B48-4AF2-8F06-5465D7A12227}"/>
+                <a16:creationId xmlns:a16="http://schemas.microsoft.com/office/drawing/2014/main" id="{CB4FEDAF-B8CB-400A-8264-5D68772E4810}"/>
               </a:ext>
             </a:extLst>
           </p:cNvPr>
@@ -4232,15 +9169,23 @@
             <p:ph type="title"/>
           </p:nvPr>
         </p:nvSpPr>
-        <p:spPr/>
-        <p:txBody>
-          <a:bodyPr/>
+        <p:spPr>
+          <a:xfrm>
+            <a:off x="648929" y="629266"/>
+            <a:ext cx="5127031" cy="1676603"/>
+          </a:xfrm>
+        </p:spPr>
+        <p:txBody>
+          <a:bodyPr>
+            <a:normAutofit/>
+          </a:bodyPr>
           <a:lstStyle/>
           <a:p>
             <a:r>
-              <a:rPr lang="en-US" dirty="0"/>
-              <a:t>Independent Variable</a:t>
-            </a:r>
+              <a:rPr lang="en-US"/>
+              <a:t>Why Discovering Statistics text?</a:t>
+            </a:r>
+            <a:endParaRPr lang="en-US" dirty="0"/>
           </a:p>
         </p:txBody>
       </p:sp>
@@ -4249,7 +9194,7 @@
           <p:cNvPr id="3" name="Content Placeholder 2">
             <a:extLst>
               <a:ext uri="{FF2B5EF4-FFF2-40B4-BE49-F238E27FC236}">
-                <a16:creationId xmlns:a16="http://schemas.microsoft.com/office/drawing/2014/main" id="{4F9DFC4D-A36E-4180-9720-AC0FEC5858EF}"/>
+                <a16:creationId xmlns:a16="http://schemas.microsoft.com/office/drawing/2014/main" id="{C6AFAA9E-9092-4293-8434-DF309FA7A686}"/>
               </a:ext>
             </a:extLst>
           </p:cNvPr>
@@ -4260,19 +9205,83 @@
             <p:ph idx="1"/>
           </p:nvPr>
         </p:nvSpPr>
-        <p:spPr/>
-        <p:txBody>
-          <a:bodyPr/>
+        <p:spPr>
+          <a:xfrm>
+            <a:off x="648930" y="2438400"/>
+            <a:ext cx="5127029" cy="3785419"/>
+          </a:xfrm>
+        </p:spPr>
+        <p:txBody>
+          <a:bodyPr>
+            <a:normAutofit/>
+          </a:bodyPr>
           <a:lstStyle/>
           <a:p>
-            <a:endParaRPr lang="en-US"/>
-          </a:p>
-        </p:txBody>
-      </p:sp>
+            <a:r>
+              <a:rPr lang="en-US" sz="2400"/>
+              <a:t>Of all the statistics texts I have used or read I like this text the most.</a:t>
+            </a:r>
+          </a:p>
+          <a:p>
+            <a:r>
+              <a:rPr lang="en-US" sz="2400"/>
+              <a:t>Some texts focus on theory with little explanation of how to do an analysis.</a:t>
+            </a:r>
+          </a:p>
+          <a:p>
+            <a:r>
+              <a:rPr lang="en-US" sz="2400"/>
+              <a:t>Some sources describe the basics of an analysis with little explanation of why they follow the steps they do.</a:t>
+            </a:r>
+          </a:p>
+          <a:p>
+            <a:r>
+              <a:rPr lang="en-US" sz="2400"/>
+              <a:t>This text provides a nice balance between the two.</a:t>
+            </a:r>
+          </a:p>
+        </p:txBody>
+      </p:sp>
+      <p:pic>
+        <p:nvPicPr>
+          <p:cNvPr id="5" name="Picture 4" descr="A close up of text on a white background&#10;&#10;Description automatically generated">
+            <a:extLst>
+              <a:ext uri="{FF2B5EF4-FFF2-40B4-BE49-F238E27FC236}">
+                <a16:creationId xmlns:a16="http://schemas.microsoft.com/office/drawing/2014/main" id="{6D357E66-E498-452B-A4A6-013650E94A62}"/>
+              </a:ext>
+            </a:extLst>
+          </p:cNvPr>
+          <p:cNvPicPr>
+            <a:picLocks noChangeAspect="1"/>
+          </p:cNvPicPr>
+          <p:nvPr/>
+        </p:nvPicPr>
+        <p:blipFill rotWithShape="1">
+          <a:blip r:embed="rId2">
+            <a:extLst>
+              <a:ext uri="{28A0092B-C50C-407E-A947-70E740481C1C}">
+                <a14:useLocalDpi xmlns:a14="http://schemas.microsoft.com/office/drawing/2010/main" val="0"/>
+              </a:ext>
+            </a:extLst>
+          </a:blip>
+          <a:srcRect t="5813" r="-1" b="3774"/>
+          <a:stretch/>
+        </p:blipFill>
+        <p:spPr>
+          <a:xfrm>
+            <a:off x="6090613" y="640082"/>
+            <a:ext cx="5461724" cy="5577837"/>
+          </a:xfrm>
+          <a:prstGeom prst="rect">
+            <a:avLst/>
+          </a:prstGeom>
+          <a:effectLst/>
+        </p:spPr>
+      </p:pic>
     </p:spTree>
     <p:extLst>
       <p:ext uri="{BB962C8B-B14F-4D97-AF65-F5344CB8AC3E}">
-        <p14:creationId xmlns:p14="http://schemas.microsoft.com/office/powerpoint/2010/main" val="2610545233"/>
+        <p14:creationId xmlns:p14="http://schemas.microsoft.com/office/powerpoint/2010/main" val="1712115318"/>
       </p:ext>
     </p:extLst>
   </p:cSld>
@@ -4285,6 +9294,14 @@
 <file path=ppt/slides/slide5.xml><?xml version="1.0" encoding="utf-8"?>
 <p:sld xmlns:a="http://schemas.openxmlformats.org/drawingml/2006/main" xmlns:r="http://schemas.openxmlformats.org/officeDocument/2006/relationships" xmlns:p="http://schemas.openxmlformats.org/presentationml/2006/main">
   <p:cSld>
+    <p:bg>
+      <p:bgPr>
+        <a:solidFill>
+          <a:schemeClr val="bg1"/>
+        </a:solidFill>
+        <a:effectLst/>
+      </p:bgPr>
+    </p:bg>
     <p:spTree>
       <p:nvGrpSpPr>
         <p:cNvPr id="1" name=""/>
@@ -4304,7 +9321,7 @@
           <p:cNvPr id="2" name="Title 1">
             <a:extLst>
               <a:ext uri="{FF2B5EF4-FFF2-40B4-BE49-F238E27FC236}">
-                <a16:creationId xmlns:a16="http://schemas.microsoft.com/office/drawing/2014/main" id="{02864A6F-F7A2-4F18-A8E6-2248EF170B4A}"/>
+                <a16:creationId xmlns:a16="http://schemas.microsoft.com/office/drawing/2014/main" id="{4A6B9DA5-159A-44D8-ACB8-C0E1BFE26F07}"/>
               </a:ext>
             </a:extLst>
           </p:cNvPr>
@@ -4315,14 +9332,21 @@
             <p:ph type="title"/>
           </p:nvPr>
         </p:nvSpPr>
-        <p:spPr/>
-        <p:txBody>
-          <a:bodyPr/>
+        <p:spPr>
+          <a:xfrm>
+            <a:off x="648929" y="629266"/>
+            <a:ext cx="5127031" cy="1676603"/>
+          </a:xfrm>
+        </p:spPr>
+        <p:txBody>
+          <a:bodyPr>
+            <a:normAutofit/>
+          </a:bodyPr>
           <a:lstStyle/>
           <a:p>
             <a:r>
               <a:rPr lang="en-US" dirty="0"/>
-              <a:t>Dependent Variable</a:t>
+              <a:t>Why an SPSS text?</a:t>
             </a:r>
           </a:p>
         </p:txBody>
@@ -4332,7 +9356,7 @@
           <p:cNvPr id="3" name="Content Placeholder 2">
             <a:extLst>
               <a:ext uri="{FF2B5EF4-FFF2-40B4-BE49-F238E27FC236}">
-                <a16:creationId xmlns:a16="http://schemas.microsoft.com/office/drawing/2014/main" id="{D3DDCFB1-D870-4ABA-84E0-1BC1AC696026}"/>
+                <a16:creationId xmlns:a16="http://schemas.microsoft.com/office/drawing/2014/main" id="{1B48A86A-5EC6-4E8D-9428-0111B659033B}"/>
               </a:ext>
             </a:extLst>
           </p:cNvPr>
@@ -4343,19 +9367,89 @@
             <p:ph idx="1"/>
           </p:nvPr>
         </p:nvSpPr>
-        <p:spPr/>
-        <p:txBody>
-          <a:bodyPr/>
+        <p:spPr>
+          <a:xfrm>
+            <a:off x="648930" y="2438400"/>
+            <a:ext cx="5127029" cy="3785419"/>
+          </a:xfrm>
+        </p:spPr>
+        <p:txBody>
+          <a:bodyPr>
+            <a:normAutofit/>
+          </a:bodyPr>
           <a:lstStyle/>
           <a:p>
-            <a:endParaRPr lang="en-US"/>
-          </a:p>
-        </p:txBody>
-      </p:sp>
+            <a:r>
+              <a:rPr lang="en-US" sz="1500" dirty="0"/>
+              <a:t>It is the most current version of Field’s text.</a:t>
+            </a:r>
+          </a:p>
+          <a:p>
+            <a:r>
+              <a:rPr lang="en-US" sz="1500" dirty="0"/>
+              <a:t>The R version of his text is several years old and does not teach the most current data handling practices in R and current statistical trends like Bayesian analyses.</a:t>
+            </a:r>
+          </a:p>
+          <a:p>
+            <a:r>
+              <a:rPr lang="en-US" sz="1500" dirty="0"/>
+              <a:t>Other R resources either don’t provide sufficient statistical theory explanation or require a mathematics background beyond the level of this course.</a:t>
+            </a:r>
+          </a:p>
+          <a:p>
+            <a:r>
+              <a:rPr lang="en-US" sz="1500" dirty="0"/>
+              <a:t>Field gives nice examples of how to write up analyses while many other texts don’t.</a:t>
+            </a:r>
+          </a:p>
+          <a:p>
+            <a:r>
+              <a:rPr lang="en-US" sz="1500" dirty="0"/>
+              <a:t>We’ll use other R resources to learn to do our statistical analyses and read Field for explanation of the statistical tests. (It’s a great reference to keep around if you need a refresher.)</a:t>
+            </a:r>
+          </a:p>
+        </p:txBody>
+      </p:sp>
+      <p:pic>
+        <p:nvPicPr>
+          <p:cNvPr id="5" name="Picture 4">
+            <a:extLst>
+              <a:ext uri="{FF2B5EF4-FFF2-40B4-BE49-F238E27FC236}">
+                <a16:creationId xmlns:a16="http://schemas.microsoft.com/office/drawing/2014/main" id="{9F69F36E-552C-4F7D-ABD7-5A5BDF776520}"/>
+              </a:ext>
+            </a:extLst>
+          </p:cNvPr>
+          <p:cNvPicPr>
+            <a:picLocks noChangeAspect="1"/>
+          </p:cNvPicPr>
+          <p:nvPr/>
+        </p:nvPicPr>
+        <p:blipFill rotWithShape="1">
+          <a:blip r:embed="rId2">
+            <a:extLst>
+              <a:ext uri="{28A0092B-C50C-407E-A947-70E740481C1C}">
+                <a14:useLocalDpi xmlns:a14="http://schemas.microsoft.com/office/drawing/2010/main" val="0"/>
+              </a:ext>
+            </a:extLst>
+          </a:blip>
+          <a:srcRect l="20296" r="20219"/>
+          <a:stretch/>
+        </p:blipFill>
+        <p:spPr>
+          <a:xfrm>
+            <a:off x="6090613" y="640082"/>
+            <a:ext cx="5461724" cy="5577837"/>
+          </a:xfrm>
+          <a:prstGeom prst="rect">
+            <a:avLst/>
+          </a:prstGeom>
+          <a:effectLst/>
+        </p:spPr>
+      </p:pic>
     </p:spTree>
     <p:extLst>
       <p:ext uri="{BB962C8B-B14F-4D97-AF65-F5344CB8AC3E}">
-        <p14:creationId xmlns:p14="http://schemas.microsoft.com/office/powerpoint/2010/main" val="1987415011"/>
+        <p14:creationId xmlns:p14="http://schemas.microsoft.com/office/powerpoint/2010/main" val="2602977704"/>
       </p:ext>
     </p:extLst>
   </p:cSld>
@@ -4368,6 +9462,14 @@
 <file path=ppt/slides/slide6.xml><?xml version="1.0" encoding="utf-8"?>
 <p:sld xmlns:a="http://schemas.openxmlformats.org/drawingml/2006/main" xmlns:r="http://schemas.openxmlformats.org/officeDocument/2006/relationships" xmlns:p="http://schemas.openxmlformats.org/presentationml/2006/main">
   <p:cSld>
+    <p:bg>
+      <p:bgPr>
+        <a:solidFill>
+          <a:schemeClr val="bg1"/>
+        </a:solidFill>
+        <a:effectLst/>
+      </p:bgPr>
+    </p:bg>
     <p:spTree>
       <p:nvGrpSpPr>
         <p:cNvPr id="1" name=""/>
@@ -4387,7 +9489,7 @@
           <p:cNvPr id="2" name="Title 1">
             <a:extLst>
               <a:ext uri="{FF2B5EF4-FFF2-40B4-BE49-F238E27FC236}">
-                <a16:creationId xmlns:a16="http://schemas.microsoft.com/office/drawing/2014/main" id="{BCD19EF6-1C86-4FB1-92C9-F23365A3561D}"/>
+                <a16:creationId xmlns:a16="http://schemas.microsoft.com/office/drawing/2014/main" id="{F202E734-A2BF-4A4F-8C20-40F09C1B1BE2}"/>
               </a:ext>
             </a:extLst>
           </p:cNvPr>
@@ -4398,24 +9500,84 @@
             <p:ph type="title"/>
           </p:nvPr>
         </p:nvSpPr>
-        <p:spPr/>
-        <p:txBody>
-          <a:bodyPr/>
+        <p:spPr>
+          <a:xfrm>
+            <a:off x="655320" y="365125"/>
+            <a:ext cx="5120114" cy="1692794"/>
+          </a:xfrm>
+        </p:spPr>
+        <p:txBody>
+          <a:bodyPr>
+            <a:normAutofit/>
+          </a:bodyPr>
           <a:lstStyle/>
           <a:p>
             <a:r>
               <a:rPr lang="en-US" dirty="0"/>
-              <a:t>Categorical Variable</a:t>
-            </a:r>
-          </a:p>
-        </p:txBody>
-      </p:sp>
+              <a:t>Why use R instead of something else?</a:t>
+            </a:r>
+          </a:p>
+        </p:txBody>
+      </p:sp>
+      <p:cxnSp>
+        <p:nvCxnSpPr>
+          <p:cNvPr id="10" name="Straight Arrow Connector 9">
+            <a:extLst>
+              <a:ext uri="{FF2B5EF4-FFF2-40B4-BE49-F238E27FC236}">
+                <a16:creationId xmlns:a16="http://schemas.microsoft.com/office/drawing/2014/main" id="{E4A809D5-3600-46D4-A466-67F2349A54FB}"/>
+              </a:ext>
+              <a:ext uri="{C183D7F6-B498-43B3-948B-1728B52AA6E4}">
+                <adec:decorative xmlns:adec="http://schemas.microsoft.com/office/drawing/2017/decorative" val="1"/>
+              </a:ext>
+            </a:extLst>
+          </p:cNvPr>
+          <p:cNvCxnSpPr>
+            <a:cxnSpLocks noGrp="1" noRot="1" noChangeAspect="1" noMove="1" noResize="1" noEditPoints="1" noAdjustHandles="1" noChangeArrowheads="1" noChangeShapeType="1"/>
+          </p:cNvCxnSpPr>
+          <p:nvPr>
+            <p:extLst>
+              <p:ext uri="{386F3935-93C4-4BCD-93E2-E3B085C9AB24}">
+                <p16:designElem xmlns:p16="http://schemas.microsoft.com/office/powerpoint/2015/main" val="1"/>
+              </p:ext>
+            </p:extLst>
+          </p:nvPr>
+        </p:nvCxnSpPr>
+        <p:spPr>
+          <a:xfrm>
+            <a:off x="655320" y="2316480"/>
+            <a:ext cx="4572000" cy="0"/>
+          </a:xfrm>
+          <a:prstGeom prst="straightConnector1">
+            <a:avLst/>
+          </a:prstGeom>
+          <a:ln w="19050" cap="sq">
+            <a:solidFill>
+              <a:schemeClr val="tx1"/>
+            </a:solidFill>
+            <a:tailEnd type="none"/>
+          </a:ln>
+        </p:spPr>
+        <p:style>
+          <a:lnRef idx="1">
+            <a:schemeClr val="accent1"/>
+          </a:lnRef>
+          <a:fillRef idx="0">
+            <a:schemeClr val="accent1"/>
+          </a:fillRef>
+          <a:effectRef idx="0">
+            <a:schemeClr val="accent1"/>
+          </a:effectRef>
+          <a:fontRef idx="minor">
+            <a:schemeClr val="tx1"/>
+          </a:fontRef>
+        </p:style>
+      </p:cxnSp>
       <p:sp>
         <p:nvSpPr>
           <p:cNvPr id="3" name="Content Placeholder 2">
             <a:extLst>
               <a:ext uri="{FF2B5EF4-FFF2-40B4-BE49-F238E27FC236}">
-                <a16:creationId xmlns:a16="http://schemas.microsoft.com/office/drawing/2014/main" id="{F30DA437-B813-43C3-B54C-9F0B351DFD3D}"/>
+                <a16:creationId xmlns:a16="http://schemas.microsoft.com/office/drawing/2014/main" id="{52F4A721-2389-430B-9658-C920F6BCE4C4}"/>
               </a:ext>
             </a:extLst>
           </p:cNvPr>
@@ -4426,19 +9588,164 @@
             <p:ph idx="1"/>
           </p:nvPr>
         </p:nvSpPr>
-        <p:spPr/>
-        <p:txBody>
-          <a:bodyPr/>
+        <p:spPr>
+          <a:xfrm>
+            <a:off x="655321" y="2575034"/>
+            <a:ext cx="5120113" cy="3462228"/>
+          </a:xfrm>
+        </p:spPr>
+        <p:txBody>
+          <a:bodyPr>
+            <a:normAutofit lnSpcReduction="10000"/>
+          </a:bodyPr>
           <a:lstStyle/>
           <a:p>
-            <a:endParaRPr lang="en-US"/>
-          </a:p>
-        </p:txBody>
-      </p:sp>
+            <a:r>
+              <a:rPr lang="en-US" sz="1800" dirty="0"/>
+              <a:t>R is used widely in healthcare (and many other fields) for data analysis and analytics.</a:t>
+            </a:r>
+          </a:p>
+          <a:p>
+            <a:r>
+              <a:rPr lang="en-US" sz="1800" dirty="0"/>
+              <a:t>Business Intelligence and analytics tools like Tableau are built on top of R.</a:t>
+            </a:r>
+          </a:p>
+          <a:p>
+            <a:r>
+              <a:rPr lang="en-US" sz="1800" dirty="0"/>
+              <a:t>You’ll be able to use R after you graduate. (Being familiar with R will give you </a:t>
+            </a:r>
+            <a:r>
+              <a:rPr lang="en-US" sz="1800"/>
+              <a:t>additional credibility.)</a:t>
+            </a:r>
+            <a:endParaRPr lang="en-US" sz="1800" dirty="0"/>
+          </a:p>
+          <a:p>
+            <a:r>
+              <a:rPr lang="en-US" sz="1800" dirty="0"/>
+              <a:t>The non-academic versions of most other statistical software are expensive.</a:t>
+            </a:r>
+          </a:p>
+          <a:p>
+            <a:r>
+              <a:rPr lang="en-US" sz="1800" dirty="0"/>
+              <a:t>Many statistical programs (like SPSS which I learned in school) are moving to yearly subscription models and cost in excess of $1000/year for a non-student license.</a:t>
+            </a:r>
+          </a:p>
+        </p:txBody>
+      </p:sp>
+      <p:pic>
+        <p:nvPicPr>
+          <p:cNvPr id="5" name="Picture 4" descr="A picture containing table, indoor, sitting&#10;&#10;Description automatically generated">
+            <a:extLst>
+              <a:ext uri="{FF2B5EF4-FFF2-40B4-BE49-F238E27FC236}">
+                <a16:creationId xmlns:a16="http://schemas.microsoft.com/office/drawing/2014/main" id="{C2EA07C6-A272-4D95-A502-2AFFD3E4BEF0}"/>
+              </a:ext>
+            </a:extLst>
+          </p:cNvPr>
+          <p:cNvPicPr>
+            <a:picLocks noChangeAspect="1"/>
+          </p:cNvPicPr>
+          <p:nvPr/>
+        </p:nvPicPr>
+        <p:blipFill rotWithShape="1">
+          <a:blip r:embed="rId2">
+            <a:extLst>
+              <a:ext uri="{28A0092B-C50C-407E-A947-70E740481C1C}">
+                <a14:useLocalDpi xmlns:a14="http://schemas.microsoft.com/office/drawing/2010/main" val="0"/>
+              </a:ext>
+            </a:extLst>
+          </a:blip>
+          <a:srcRect l="10666" r="28118"/>
+          <a:stretch/>
+        </p:blipFill>
+        <p:spPr>
+          <a:xfrm>
+            <a:off x="5878849" y="10"/>
+            <a:ext cx="6313150" cy="6857987"/>
+          </a:xfrm>
+          <a:custGeom>
+            <a:avLst/>
+            <a:gdLst>
+              <a:gd name="connsiteX0" fmla="*/ 65565 w 6313150"/>
+              <a:gd name="connsiteY0" fmla="*/ 0 h 6857997"/>
+              <a:gd name="connsiteX1" fmla="*/ 6313150 w 6313150"/>
+              <a:gd name="connsiteY1" fmla="*/ 0 h 6857997"/>
+              <a:gd name="connsiteX2" fmla="*/ 6313150 w 6313150"/>
+              <a:gd name="connsiteY2" fmla="*/ 6857997 h 6857997"/>
+              <a:gd name="connsiteX3" fmla="*/ 3293946 w 6313150"/>
+              <a:gd name="connsiteY3" fmla="*/ 6857997 h 6857997"/>
+              <a:gd name="connsiteX4" fmla="*/ 3235857 w 6313150"/>
+              <a:gd name="connsiteY4" fmla="*/ 6823061 h 6857997"/>
+              <a:gd name="connsiteX5" fmla="*/ 0 w 6313150"/>
+              <a:gd name="connsiteY5" fmla="*/ 951803 h 6857997"/>
+              <a:gd name="connsiteX6" fmla="*/ 31536 w 6313150"/>
+              <a:gd name="connsiteY6" fmla="*/ 285771 h 6857997"/>
+            </a:gdLst>
+            <a:ahLst/>
+            <a:cxnLst>
+              <a:cxn ang="0">
+                <a:pos x="connsiteX0" y="connsiteY0"/>
+              </a:cxn>
+              <a:cxn ang="0">
+                <a:pos x="connsiteX1" y="connsiteY1"/>
+              </a:cxn>
+              <a:cxn ang="0">
+                <a:pos x="connsiteX2" y="connsiteY2"/>
+              </a:cxn>
+              <a:cxn ang="0">
+                <a:pos x="connsiteX3" y="connsiteY3"/>
+              </a:cxn>
+              <a:cxn ang="0">
+                <a:pos x="connsiteX4" y="connsiteY4"/>
+              </a:cxn>
+              <a:cxn ang="0">
+                <a:pos x="connsiteX5" y="connsiteY5"/>
+              </a:cxn>
+              <a:cxn ang="0">
+                <a:pos x="connsiteX6" y="connsiteY6"/>
+              </a:cxn>
+            </a:cxnLst>
+            <a:rect l="l" t="t" r="r" b="b"/>
+            <a:pathLst>
+              <a:path w="6313150" h="6857997">
+                <a:moveTo>
+                  <a:pt x="65565" y="0"/>
+                </a:moveTo>
+                <a:lnTo>
+                  <a:pt x="6313150" y="0"/>
+                </a:lnTo>
+                <a:lnTo>
+                  <a:pt x="6313150" y="6857997"/>
+                </a:lnTo>
+                <a:lnTo>
+                  <a:pt x="3293946" y="6857997"/>
+                </a:lnTo>
+                <a:lnTo>
+                  <a:pt x="3235857" y="6823061"/>
+                </a:lnTo>
+                <a:cubicBezTo>
+                  <a:pt x="1291240" y="5592803"/>
+                  <a:pt x="0" y="3423096"/>
+                  <a:pt x="0" y="951803"/>
+                </a:cubicBezTo>
+                <a:cubicBezTo>
+                  <a:pt x="0" y="727140"/>
+                  <a:pt x="10673" y="504970"/>
+                  <a:pt x="31536" y="285771"/>
+                </a:cubicBezTo>
+                <a:close/>
+              </a:path>
+            </a:pathLst>
+          </a:custGeom>
+        </p:spPr>
+      </p:pic>
     </p:spTree>
     <p:extLst>
       <p:ext uri="{BB962C8B-B14F-4D97-AF65-F5344CB8AC3E}">
-        <p14:creationId xmlns:p14="http://schemas.microsoft.com/office/powerpoint/2010/main" val="866304227"/>
+        <p14:creationId xmlns:p14="http://schemas.microsoft.com/office/powerpoint/2010/main" val="2705293009"/>
       </p:ext>
     </p:extLst>
   </p:cSld>
@@ -4451,6 +9758,14 @@
 <file path=ppt/slides/slide7.xml><?xml version="1.0" encoding="utf-8"?>
 <p:sld xmlns:a="http://schemas.openxmlformats.org/drawingml/2006/main" xmlns:r="http://schemas.openxmlformats.org/officeDocument/2006/relationships" xmlns:p="http://schemas.openxmlformats.org/presentationml/2006/main">
   <p:cSld>
+    <p:bg>
+      <p:bgPr>
+        <a:solidFill>
+          <a:schemeClr val="bg1"/>
+        </a:solidFill>
+        <a:effectLst/>
+      </p:bgPr>
+    </p:bg>
     <p:spTree>
       <p:nvGrpSpPr>
         <p:cNvPr id="1" name=""/>
@@ -4465,12 +9780,155 @@
           <a:chExt cx="0" cy="0"/>
         </a:xfrm>
       </p:grpSpPr>
+      <p:pic>
+        <p:nvPicPr>
+          <p:cNvPr id="5" name="Picture 4">
+            <a:extLst>
+              <a:ext uri="{FF2B5EF4-FFF2-40B4-BE49-F238E27FC236}">
+                <a16:creationId xmlns:a16="http://schemas.microsoft.com/office/drawing/2014/main" id="{D27319B8-6AB5-4792-BEE0-6BFE9A9EF255}"/>
+              </a:ext>
+            </a:extLst>
+          </p:cNvPr>
+          <p:cNvPicPr>
+            <a:picLocks noChangeAspect="1"/>
+          </p:cNvPicPr>
+          <p:nvPr/>
+        </p:nvPicPr>
+        <p:blipFill rotWithShape="1">
+          <a:blip r:embed="rId2">
+            <a:extLst>
+              <a:ext uri="{28A0092B-C50C-407E-A947-70E740481C1C}">
+                <a14:useLocalDpi xmlns:a14="http://schemas.microsoft.com/office/drawing/2010/main" val="0"/>
+              </a:ext>
+            </a:extLst>
+          </a:blip>
+          <a:srcRect t="14956" b="3601"/>
+          <a:stretch/>
+        </p:blipFill>
+        <p:spPr>
+          <a:xfrm>
+            <a:off x="-1" y="10"/>
+            <a:ext cx="12192001" cy="4666928"/>
+          </a:xfrm>
+          <a:prstGeom prst="rect">
+            <a:avLst/>
+          </a:prstGeom>
+        </p:spPr>
+      </p:pic>
+      <p:pic>
+        <p:nvPicPr>
+          <p:cNvPr id="7" name="Picture 9">
+            <a:extLst>
+              <a:ext uri="{FF2B5EF4-FFF2-40B4-BE49-F238E27FC236}">
+                <a16:creationId xmlns:a16="http://schemas.microsoft.com/office/drawing/2014/main" id="{EE09A529-E47C-4634-BB98-0A9526C372B4}"/>
+              </a:ext>
+              <a:ext uri="{C183D7F6-B498-43B3-948B-1728B52AA6E4}">
+                <adec:decorative xmlns:adec="http://schemas.microsoft.com/office/drawing/2017/decorative" val="1"/>
+              </a:ext>
+            </a:extLst>
+          </p:cNvPr>
+          <p:cNvPicPr>
+            <a:picLocks noGrp="1" noRot="1" noChangeAspect="1" noMove="1" noResize="1" noEditPoints="1" noAdjustHandles="1" noChangeArrowheads="1" noChangeShapeType="1" noCrop="1"/>
+          </p:cNvPicPr>
+          <p:nvPr>
+            <p:extLst>
+              <p:ext uri="{386F3935-93C4-4BCD-93E2-E3B085C9AB24}">
+                <p16:designElem xmlns:p16="http://schemas.microsoft.com/office/powerpoint/2015/main" val="1"/>
+              </p:ext>
+            </p:extLst>
+          </p:nvPr>
+        </p:nvPicPr>
+        <p:blipFill>
+          <a:blip r:embed="rId3">
+            <a:extLst>
+              <a:ext uri="{28A0092B-C50C-407E-A947-70E740481C1C}">
+                <a14:useLocalDpi xmlns:a14="http://schemas.microsoft.com/office/drawing/2010/main" val="0"/>
+              </a:ext>
+            </a:extLst>
+          </a:blip>
+          <a:stretch>
+            <a:fillRect/>
+          </a:stretch>
+        </p:blipFill>
+        <p:spPr>
+          <a:xfrm>
+            <a:off x="0" y="0"/>
+            <a:ext cx="12192000" cy="6858000"/>
+          </a:xfrm>
+          <a:prstGeom prst="rect">
+            <a:avLst/>
+          </a:prstGeom>
+        </p:spPr>
+      </p:pic>
+      <p:sp>
+        <p:nvSpPr>
+          <p:cNvPr id="8" name="Oval 11">
+            <a:extLst>
+              <a:ext uri="{FF2B5EF4-FFF2-40B4-BE49-F238E27FC236}">
+                <a16:creationId xmlns:a16="http://schemas.microsoft.com/office/drawing/2014/main" id="{569C1A01-6FB5-43CE-ADCC-936728ACAC0D}"/>
+              </a:ext>
+              <a:ext uri="{C183D7F6-B498-43B3-948B-1728B52AA6E4}">
+                <adec:decorative xmlns:adec="http://schemas.microsoft.com/office/drawing/2017/decorative" val="1"/>
+              </a:ext>
+            </a:extLst>
+          </p:cNvPr>
+          <p:cNvSpPr>
+            <a:spLocks noGrp="1" noRot="1" noChangeAspect="1" noMove="1" noResize="1" noEditPoints="1" noAdjustHandles="1" noChangeArrowheads="1" noChangeShapeType="1" noTextEdit="1"/>
+          </p:cNvSpPr>
+          <p:nvPr>
+            <p:extLst>
+              <p:ext uri="{386F3935-93C4-4BCD-93E2-E3B085C9AB24}">
+                <p16:designElem xmlns:p16="http://schemas.microsoft.com/office/powerpoint/2015/main" val="1"/>
+              </p:ext>
+            </p:extLst>
+          </p:nvPr>
+        </p:nvSpPr>
+        <p:spPr>
+          <a:xfrm>
+            <a:off x="1456267" y="4388303"/>
+            <a:ext cx="824089" cy="702986"/>
+          </a:xfrm>
+          <a:prstGeom prst="ellipse">
+            <a:avLst/>
+          </a:prstGeom>
+          <a:solidFill>
+            <a:srgbClr val="FFFFFF"/>
+          </a:solidFill>
+          <a:ln>
+            <a:noFill/>
+          </a:ln>
+        </p:spPr>
+        <p:style>
+          <a:lnRef idx="2">
+            <a:schemeClr val="accent1">
+              <a:shade val="50000"/>
+            </a:schemeClr>
+          </a:lnRef>
+          <a:fillRef idx="1">
+            <a:schemeClr val="accent1"/>
+          </a:fillRef>
+          <a:effectRef idx="0">
+            <a:schemeClr val="accent1"/>
+          </a:effectRef>
+          <a:fontRef idx="minor">
+            <a:schemeClr val="lt1"/>
+          </a:fontRef>
+        </p:style>
+        <p:txBody>
+          <a:bodyPr rtlCol="0" anchor="ctr"/>
+          <a:lstStyle/>
+          <a:p>
+            <a:pPr algn="ctr"/>
+            <a:endParaRPr lang="en-US"/>
+          </a:p>
+        </p:txBody>
+      </p:sp>
       <p:sp>
         <p:nvSpPr>
           <p:cNvPr id="2" name="Title 1">
             <a:extLst>
               <a:ext uri="{FF2B5EF4-FFF2-40B4-BE49-F238E27FC236}">
-                <a16:creationId xmlns:a16="http://schemas.microsoft.com/office/drawing/2014/main" id="{964E5094-3E41-4372-B193-043E7FD66E0C}"/>
+                <a16:creationId xmlns:a16="http://schemas.microsoft.com/office/drawing/2014/main" id="{8E1E0565-665C-4CE9-9C6D-A8BA0C4B4354}"/>
               </a:ext>
             </a:extLst>
           </p:cNvPr>
@@ -4481,14 +9939,25 @@
             <p:ph type="title"/>
           </p:nvPr>
         </p:nvSpPr>
-        <p:spPr/>
-        <p:txBody>
-          <a:bodyPr/>
+        <p:spPr>
+          <a:xfrm>
+            <a:off x="804998" y="4551037"/>
+            <a:ext cx="5021782" cy="1509931"/>
+          </a:xfrm>
+        </p:spPr>
+        <p:txBody>
+          <a:bodyPr>
+            <a:normAutofit/>
+          </a:bodyPr>
           <a:lstStyle/>
           <a:p>
             <a:r>
-              <a:rPr lang="en-US" dirty="0"/>
-              <a:t>Binary Variable</a:t>
+              <a:rPr lang="en-US" sz="4000" dirty="0">
+                <a:solidFill>
+                  <a:srgbClr val="000000"/>
+                </a:solidFill>
+              </a:rPr>
+              <a:t>Why R for Data Science text?</a:t>
             </a:r>
           </a:p>
         </p:txBody>
@@ -4498,7 +9967,7 @@
           <p:cNvPr id="3" name="Content Placeholder 2">
             <a:extLst>
               <a:ext uri="{FF2B5EF4-FFF2-40B4-BE49-F238E27FC236}">
-                <a16:creationId xmlns:a16="http://schemas.microsoft.com/office/drawing/2014/main" id="{08CE9D6E-2B59-49AA-BB7C-CBF705929087}"/>
+                <a16:creationId xmlns:a16="http://schemas.microsoft.com/office/drawing/2014/main" id="{99C2061D-8172-44B1-8691-E815FC37774E}"/>
               </a:ext>
             </a:extLst>
           </p:cNvPr>
@@ -4509,14 +9978,111 @@
             <p:ph idx="1"/>
           </p:nvPr>
         </p:nvSpPr>
-        <p:spPr/>
-        <p:txBody>
-          <a:bodyPr/>
+        <p:spPr>
+          <a:xfrm>
+            <a:off x="6478049" y="4666938"/>
+            <a:ext cx="4926411" cy="1509935"/>
+          </a:xfrm>
+        </p:spPr>
+        <p:txBody>
+          <a:bodyPr anchor="ctr">
+            <a:noAutofit/>
+          </a:bodyPr>
           <a:lstStyle/>
           <a:p>
             <a:r>
-              <a:rPr lang="en-US" dirty="0"/>
-              <a:t>Dichotomous variable</a:t>
+              <a:rPr lang="en-US" sz="1400" dirty="0">
+                <a:solidFill>
+                  <a:srgbClr val="000000"/>
+                </a:solidFill>
+              </a:rPr>
+              <a:t>It provides a nice introduction to data analysis techniques using R.</a:t>
+            </a:r>
+          </a:p>
+          <a:p>
+            <a:r>
+              <a:rPr lang="en-US" sz="1400" dirty="0">
+                <a:solidFill>
+                  <a:srgbClr val="000000"/>
+                </a:solidFill>
+              </a:rPr>
+              <a:t>It introduces a data handling and analysis framework in R called the </a:t>
+            </a:r>
+            <a:r>
+              <a:rPr lang="en-US" sz="1400" dirty="0" err="1">
+                <a:solidFill>
+                  <a:srgbClr val="000000"/>
+                </a:solidFill>
+              </a:rPr>
+              <a:t>Tidyverse</a:t>
+            </a:r>
+            <a:r>
+              <a:rPr lang="en-US" sz="1400" dirty="0">
+                <a:solidFill>
+                  <a:srgbClr val="000000"/>
+                </a:solidFill>
+              </a:rPr>
+              <a:t>. </a:t>
+            </a:r>
+            <a:r>
+              <a:rPr lang="en-US" sz="1400" dirty="0">
+                <a:solidFill>
+                  <a:srgbClr val="000000"/>
+                </a:solidFill>
+                <a:hlinkClick r:id="rId4"/>
+              </a:rPr>
+              <a:t>https://www.tidyverse.org/</a:t>
+            </a:r>
+            <a:endParaRPr lang="en-US" sz="1400" dirty="0">
+              <a:solidFill>
+                <a:srgbClr val="000000"/>
+              </a:solidFill>
+            </a:endParaRPr>
+          </a:p>
+          <a:p>
+            <a:r>
+              <a:rPr lang="en-US" sz="1400" dirty="0" err="1">
+                <a:solidFill>
+                  <a:srgbClr val="000000"/>
+                </a:solidFill>
+              </a:rPr>
+              <a:t>Tidyverse</a:t>
+            </a:r>
+            <a:r>
+              <a:rPr lang="en-US" sz="1400" dirty="0">
+                <a:solidFill>
+                  <a:srgbClr val="000000"/>
+                </a:solidFill>
+              </a:rPr>
+              <a:t> packages standardize a lot of data management and analysis practices.</a:t>
+            </a:r>
+          </a:p>
+          <a:p>
+            <a:r>
+              <a:rPr lang="en-US" sz="1400" dirty="0" err="1">
+                <a:solidFill>
+                  <a:srgbClr val="000000"/>
+                </a:solidFill>
+              </a:rPr>
+              <a:t>Tidyverse</a:t>
+            </a:r>
+            <a:r>
+              <a:rPr lang="en-US" sz="1400" dirty="0">
+                <a:solidFill>
+                  <a:srgbClr val="000000"/>
+                </a:solidFill>
+              </a:rPr>
+              <a:t> packages and concepts are gaining wider acceptance.</a:t>
+            </a:r>
+          </a:p>
+          <a:p>
+            <a:r>
+              <a:rPr lang="en-US" sz="1400" dirty="0">
+                <a:solidFill>
+                  <a:srgbClr val="000000"/>
+                </a:solidFill>
+              </a:rPr>
+              <a:t>It would be a serious omission to ignore this developing framework.</a:t>
             </a:r>
           </a:p>
         </p:txBody>
@@ -4524,7 +10090,7 @@
     </p:spTree>
     <p:extLst>
       <p:ext uri="{BB962C8B-B14F-4D97-AF65-F5344CB8AC3E}">
-        <p14:creationId xmlns:p14="http://schemas.microsoft.com/office/powerpoint/2010/main" val="4048518"/>
+        <p14:creationId xmlns:p14="http://schemas.microsoft.com/office/powerpoint/2010/main" val="1365929097"/>
       </p:ext>
     </p:extLst>
   </p:cSld>
@@ -4537,6 +10103,14 @@
 <file path=ppt/slides/slide8.xml><?xml version="1.0" encoding="utf-8"?>
 <p:sld xmlns:a="http://schemas.openxmlformats.org/drawingml/2006/main" xmlns:r="http://schemas.openxmlformats.org/officeDocument/2006/relationships" xmlns:p="http://schemas.openxmlformats.org/presentationml/2006/main">
   <p:cSld>
+    <p:bg>
+      <p:bgPr>
+        <a:solidFill>
+          <a:schemeClr val="bg1"/>
+        </a:solidFill>
+        <a:effectLst/>
+      </p:bgPr>
+    </p:bg>
     <p:spTree>
       <p:nvGrpSpPr>
         <p:cNvPr id="1" name=""/>
@@ -4556,7 +10130,7 @@
           <p:cNvPr id="2" name="Title 1">
             <a:extLst>
               <a:ext uri="{FF2B5EF4-FFF2-40B4-BE49-F238E27FC236}">
-                <a16:creationId xmlns:a16="http://schemas.microsoft.com/office/drawing/2014/main" id="{054AEE0C-A01A-4AA8-9D75-06378BD34684}"/>
+                <a16:creationId xmlns:a16="http://schemas.microsoft.com/office/drawing/2014/main" id="{8FCD397C-385D-4F26-AE08-59943AFE6106}"/>
               </a:ext>
             </a:extLst>
           </p:cNvPr>
@@ -4567,14 +10141,21 @@
             <p:ph type="title"/>
           </p:nvPr>
         </p:nvSpPr>
-        <p:spPr/>
-        <p:txBody>
-          <a:bodyPr/>
+        <p:spPr>
+          <a:xfrm>
+            <a:off x="648929" y="629266"/>
+            <a:ext cx="5127031" cy="1676603"/>
+          </a:xfrm>
+        </p:spPr>
+        <p:txBody>
+          <a:bodyPr>
+            <a:normAutofit/>
+          </a:bodyPr>
           <a:lstStyle/>
           <a:p>
             <a:r>
               <a:rPr lang="en-US" dirty="0"/>
-              <a:t>Nominal</a:t>
+              <a:t>Learn to Identify and Describe Variables</a:t>
             </a:r>
           </a:p>
         </p:txBody>
@@ -4584,7 +10165,7 @@
           <p:cNvPr id="3" name="Content Placeholder 2">
             <a:extLst>
               <a:ext uri="{FF2B5EF4-FFF2-40B4-BE49-F238E27FC236}">
-                <a16:creationId xmlns:a16="http://schemas.microsoft.com/office/drawing/2014/main" id="{852E2C29-A724-4131-AEB3-6C6CFE8D0003}"/>
+                <a16:creationId xmlns:a16="http://schemas.microsoft.com/office/drawing/2014/main" id="{DDEA24CA-0BF9-49E5-B5AE-DFEE65F911FA}"/>
               </a:ext>
             </a:extLst>
           </p:cNvPr>
@@ -4595,19 +10176,83 @@
             <p:ph idx="1"/>
           </p:nvPr>
         </p:nvSpPr>
-        <p:spPr/>
-        <p:txBody>
-          <a:bodyPr/>
+        <p:spPr>
+          <a:xfrm>
+            <a:off x="648930" y="2438400"/>
+            <a:ext cx="5127029" cy="3785419"/>
+          </a:xfrm>
+        </p:spPr>
+        <p:txBody>
+          <a:bodyPr>
+            <a:normAutofit/>
+          </a:bodyPr>
           <a:lstStyle/>
           <a:p>
-            <a:endParaRPr lang="en-US"/>
-          </a:p>
-        </p:txBody>
-      </p:sp>
+            <a:r>
+              <a:rPr lang="en-US" sz="2000"/>
+              <a:t>Understanding variable types and characteristics is foundational to performing statistical analysis.</a:t>
+            </a:r>
+          </a:p>
+          <a:p>
+            <a:r>
+              <a:rPr lang="en-US" sz="2000"/>
+              <a:t>Understanding what data will be used for is essential to deciding what to store and how to measure and store it.</a:t>
+            </a:r>
+          </a:p>
+          <a:p>
+            <a:r>
+              <a:rPr lang="en-US" sz="2000"/>
+              <a:t>An understanding of level of measurement will help you be more competent in practicing informatics.</a:t>
+            </a:r>
+          </a:p>
+          <a:p>
+            <a:r>
+              <a:rPr lang="en-US" sz="2000"/>
+              <a:t>If you learn one thing this week it should be how to correctly identify the level of measurement of a variable.</a:t>
+            </a:r>
+          </a:p>
+        </p:txBody>
+      </p:sp>
+      <p:pic>
+        <p:nvPicPr>
+          <p:cNvPr id="5" name="Picture 4" descr="A person wearing glasses&#10;&#10;Description automatically generated">
+            <a:extLst>
+              <a:ext uri="{FF2B5EF4-FFF2-40B4-BE49-F238E27FC236}">
+                <a16:creationId xmlns:a16="http://schemas.microsoft.com/office/drawing/2014/main" id="{DA1C7400-35C2-4201-8FEA-8150AA27A7D0}"/>
+              </a:ext>
+            </a:extLst>
+          </p:cNvPr>
+          <p:cNvPicPr>
+            <a:picLocks noChangeAspect="1"/>
+          </p:cNvPicPr>
+          <p:nvPr/>
+        </p:nvPicPr>
+        <p:blipFill rotWithShape="1">
+          <a:blip r:embed="rId2">
+            <a:extLst>
+              <a:ext uri="{28A0092B-C50C-407E-A947-70E740481C1C}">
+                <a14:useLocalDpi xmlns:a14="http://schemas.microsoft.com/office/drawing/2010/main" val="0"/>
+              </a:ext>
+            </a:extLst>
+          </a:blip>
+          <a:srcRect l="21317" r="13566" b="-1"/>
+          <a:stretch/>
+        </p:blipFill>
+        <p:spPr>
+          <a:xfrm>
+            <a:off x="6090613" y="640082"/>
+            <a:ext cx="5461724" cy="5577837"/>
+          </a:xfrm>
+          <a:prstGeom prst="rect">
+            <a:avLst/>
+          </a:prstGeom>
+          <a:effectLst/>
+        </p:spPr>
+      </p:pic>
     </p:spTree>
     <p:extLst>
       <p:ext uri="{BB962C8B-B14F-4D97-AF65-F5344CB8AC3E}">
-        <p14:creationId xmlns:p14="http://schemas.microsoft.com/office/powerpoint/2010/main" val="3952867617"/>
+        <p14:creationId xmlns:p14="http://schemas.microsoft.com/office/powerpoint/2010/main" val="2286558551"/>
       </p:ext>
     </p:extLst>
   </p:cSld>
@@ -4636,13 +10281,7 @@
       </p:grpSpPr>
       <p:sp>
         <p:nvSpPr>
-          <p:cNvPr id="2" name="Title 1">
-            <a:extLst>
-              <a:ext uri="{FF2B5EF4-FFF2-40B4-BE49-F238E27FC236}">
-                <a16:creationId xmlns:a16="http://schemas.microsoft.com/office/drawing/2014/main" id="{D85EEF64-4744-490D-85D0-E1F0BD5B75D0}"/>
-              </a:ext>
-            </a:extLst>
-          </p:cNvPr>
+          <p:cNvPr id="2" name="Title 1"/>
           <p:cNvSpPr>
             <a:spLocks noGrp="1"/>
           </p:cNvSpPr>
@@ -4652,25 +10291,21 @@
         </p:nvSpPr>
         <p:spPr/>
         <p:txBody>
-          <a:bodyPr/>
+          <a:bodyPr>
+            <a:normAutofit/>
+          </a:bodyPr>
           <a:lstStyle/>
           <a:p>
             <a:r>
-              <a:rPr lang="en-US" dirty="0"/>
-              <a:t>Ordinal</a:t>
-            </a:r>
-          </a:p>
-        </p:txBody>
-      </p:sp>
-      <p:sp>
-        <p:nvSpPr>
-          <p:cNvPr id="3" name="Content Placeholder 2">
-            <a:extLst>
-              <a:ext uri="{FF2B5EF4-FFF2-40B4-BE49-F238E27FC236}">
-                <a16:creationId xmlns:a16="http://schemas.microsoft.com/office/drawing/2014/main" id="{5C04419D-B378-4B3F-8DE9-FDD832DD8522}"/>
-              </a:ext>
-            </a:extLst>
-          </p:cNvPr>
+              <a:rPr lang="en-GB" dirty="0"/>
+              <a:t>Collect data to test your theory</a:t>
+            </a:r>
+          </a:p>
+        </p:txBody>
+      </p:sp>
+      <p:sp>
+        <p:nvSpPr>
+          <p:cNvPr id="3" name="Content Placeholder 2"/>
           <p:cNvSpPr>
             <a:spLocks noGrp="1"/>
           </p:cNvSpPr>
@@ -4680,19 +10315,106 @@
         </p:nvSpPr>
         <p:spPr/>
         <p:txBody>
-          <a:bodyPr/>
+          <a:bodyPr>
+            <a:normAutofit fontScale="77500" lnSpcReduction="20000"/>
+          </a:bodyPr>
           <a:lstStyle/>
           <a:p>
-            <a:endParaRPr lang="en-US"/>
+            <a:r>
+              <a:rPr lang="en-GB" dirty="0"/>
+              <a:t>Hypothesis:</a:t>
+            </a:r>
+          </a:p>
+          <a:p>
+            <a:pPr lvl="1"/>
+            <a:r>
+              <a:rPr lang="en-GB" i="1" dirty="0"/>
+              <a:t>Coca-cola kills sperm</a:t>
+            </a:r>
+            <a:r>
+              <a:rPr lang="en-GB" dirty="0"/>
+              <a:t>.</a:t>
+            </a:r>
+          </a:p>
+          <a:p>
+            <a:r>
+              <a:rPr lang="en-GB" dirty="0"/>
+              <a:t>Independent Variable</a:t>
+            </a:r>
+          </a:p>
+          <a:p>
+            <a:pPr lvl="1"/>
+            <a:r>
+              <a:rPr lang="en-GB" dirty="0"/>
+              <a:t>The proposed cause</a:t>
+            </a:r>
+          </a:p>
+          <a:p>
+            <a:pPr lvl="1"/>
+            <a:r>
+              <a:rPr lang="en-GB" dirty="0"/>
+              <a:t>A predictor variable</a:t>
+            </a:r>
+          </a:p>
+          <a:p>
+            <a:pPr lvl="1"/>
+            <a:r>
+              <a:rPr lang="en-GB" dirty="0"/>
+              <a:t>A manipulated variable (in experiments)</a:t>
+            </a:r>
+          </a:p>
+          <a:p>
+            <a:pPr lvl="1"/>
+            <a:r>
+              <a:rPr lang="en-GB" dirty="0"/>
+              <a:t>Coca-cola in the hypothesis above</a:t>
+            </a:r>
+          </a:p>
+          <a:p>
+            <a:r>
+              <a:rPr lang="en-GB" dirty="0"/>
+              <a:t>Dependent Variable</a:t>
+            </a:r>
+          </a:p>
+          <a:p>
+            <a:pPr lvl="1"/>
+            <a:r>
+              <a:rPr lang="en-GB" dirty="0"/>
+              <a:t>The proposed effect</a:t>
+            </a:r>
+          </a:p>
+          <a:p>
+            <a:pPr lvl="1"/>
+            <a:r>
+              <a:rPr lang="en-GB" dirty="0"/>
+              <a:t>An outcome variable</a:t>
+            </a:r>
+          </a:p>
+          <a:p>
+            <a:pPr lvl="1"/>
+            <a:r>
+              <a:rPr lang="en-GB" dirty="0"/>
+              <a:t>Measured not manipulated (in experiments)</a:t>
+            </a:r>
+          </a:p>
+          <a:p>
+            <a:pPr lvl="1"/>
+            <a:r>
+              <a:rPr lang="en-GB" dirty="0"/>
+              <a:t>Sperm in the hypothesis above</a:t>
+            </a:r>
+          </a:p>
+          <a:p>
+            <a:pPr lvl="1"/>
+            <a:endParaRPr lang="en-GB" dirty="0"/>
+          </a:p>
+          <a:p>
+            <a:pPr lvl="1"/>
+            <a:endParaRPr lang="en-GB" dirty="0"/>
           </a:p>
         </p:txBody>
       </p:sp>
     </p:spTree>
-    <p:extLst>
-      <p:ext uri="{BB962C8B-B14F-4D97-AF65-F5344CB8AC3E}">
-        <p14:creationId xmlns:p14="http://schemas.microsoft.com/office/powerpoint/2010/main" val="2919360974"/>
-      </p:ext>
-    </p:extLst>
   </p:cSld>
   <p:clrMapOvr>
     <a:masterClrMapping/>
@@ -4993,4 +10715,782 @@
     </a:ext>
   </a:extLst>
 </a:theme>
+</file>
+
+<file path=ppt/theme/theme2.xml><?xml version="1.0" encoding="utf-8"?>
+<a:theme xmlns:a="http://schemas.openxmlformats.org/drawingml/2006/main" name="DiscStat Lecture">
+  <a:themeElements>
+    <a:clrScheme name="Blue Warm">
+      <a:dk1>
+        <a:sysClr val="windowText" lastClr="000000"/>
+      </a:dk1>
+      <a:lt1>
+        <a:sysClr val="window" lastClr="FFFFFF"/>
+      </a:lt1>
+      <a:dk2>
+        <a:srgbClr val="242852"/>
+      </a:dk2>
+      <a:lt2>
+        <a:srgbClr val="ACCBF9"/>
+      </a:lt2>
+      <a:accent1>
+        <a:srgbClr val="4A66AC"/>
+      </a:accent1>
+      <a:accent2>
+        <a:srgbClr val="629DD1"/>
+      </a:accent2>
+      <a:accent3>
+        <a:srgbClr val="297FD5"/>
+      </a:accent3>
+      <a:accent4>
+        <a:srgbClr val="7F8FA9"/>
+      </a:accent4>
+      <a:accent5>
+        <a:srgbClr val="5AA2AE"/>
+      </a:accent5>
+      <a:accent6>
+        <a:srgbClr val="9D90A0"/>
+      </a:accent6>
+      <a:hlink>
+        <a:srgbClr val="9454C3"/>
+      </a:hlink>
+      <a:folHlink>
+        <a:srgbClr val="3EBBF0"/>
+      </a:folHlink>
+    </a:clrScheme>
+    <a:fontScheme name="Arial">
+      <a:majorFont>
+        <a:latin typeface="Arial" panose="020B0604020202020204"/>
+        <a:ea typeface=""/>
+        <a:cs typeface=""/>
+        <a:font script="Jpan" typeface="ＭＳ Ｐゴシック"/>
+        <a:font script="Hang" typeface="굴림"/>
+        <a:font script="Hans" typeface="黑体"/>
+        <a:font script="Hant" typeface="微軟正黑體"/>
+        <a:font script="Arab" typeface="Arial"/>
+        <a:font script="Hebr" typeface="Arial"/>
+        <a:font script="Thai" typeface="Cordia New"/>
+        <a:font script="Ethi" typeface="Nyala"/>
+        <a:font script="Beng" typeface="Vrinda"/>
+        <a:font script="Gujr" typeface="Shruti"/>
+        <a:font script="Khmr" typeface="DaunPenh"/>
+        <a:font script="Knda" typeface="Tunga"/>
+        <a:font script="Guru" typeface="Raavi"/>
+        <a:font script="Cans" typeface="Euphemia"/>
+        <a:font script="Cher" typeface="Plantagenet Cherokee"/>
+        <a:font script="Yiii" typeface="Microsoft Yi Baiti"/>
+        <a:font script="Tibt" typeface="Microsoft Himalaya"/>
+        <a:font script="Thaa" typeface="MV Boli"/>
+        <a:font script="Deva" typeface="Mangal"/>
+        <a:font script="Telu" typeface="Gautami"/>
+        <a:font script="Taml" typeface="Latha"/>
+        <a:font script="Syrc" typeface="Estrangelo Edessa"/>
+        <a:font script="Orya" typeface="Kalinga"/>
+        <a:font script="Mlym" typeface="Kartika"/>
+        <a:font script="Laoo" typeface="DokChampa"/>
+        <a:font script="Sinh" typeface="Iskoola Pota"/>
+        <a:font script="Mong" typeface="Mongolian Baiti"/>
+        <a:font script="Viet" typeface="Arial"/>
+        <a:font script="Uigh" typeface="Microsoft Uighur"/>
+        <a:font script="Geor" typeface="Sylfaen"/>
+      </a:majorFont>
+      <a:minorFont>
+        <a:latin typeface="Arial" panose="020B0604020202020204"/>
+        <a:ea typeface=""/>
+        <a:cs typeface=""/>
+        <a:font script="Jpan" typeface="ＭＳ Ｐゴシック"/>
+        <a:font script="Hang" typeface="굴림"/>
+        <a:font script="Hans" typeface="黑体"/>
+        <a:font script="Hant" typeface="微軟正黑體"/>
+        <a:font script="Arab" typeface="Arial"/>
+        <a:font script="Hebr" typeface="Arial"/>
+        <a:font script="Thai" typeface="Cordia New"/>
+        <a:font script="Ethi" typeface="Nyala"/>
+        <a:font script="Beng" typeface="Vrinda"/>
+        <a:font script="Gujr" typeface="Shruti"/>
+        <a:font script="Khmr" typeface="DaunPenh"/>
+        <a:font script="Knda" typeface="Tunga"/>
+        <a:font script="Guru" typeface="Raavi"/>
+        <a:font script="Cans" typeface="Euphemia"/>
+        <a:font script="Cher" typeface="Plantagenet Cherokee"/>
+        <a:font script="Yiii" typeface="Microsoft Yi Baiti"/>
+        <a:font script="Tibt" typeface="Microsoft Himalaya"/>
+        <a:font script="Thaa" typeface="MV Boli"/>
+        <a:font script="Deva" typeface="Mangal"/>
+        <a:font script="Telu" typeface="Gautami"/>
+        <a:font script="Taml" typeface="Latha"/>
+        <a:font script="Syrc" typeface="Estrangelo Edessa"/>
+        <a:font script="Orya" typeface="Kalinga"/>
+        <a:font script="Mlym" typeface="Kartika"/>
+        <a:font script="Laoo" typeface="DokChampa"/>
+        <a:font script="Sinh" typeface="Iskoola Pota"/>
+        <a:font script="Mong" typeface="Mongolian Baiti"/>
+        <a:font script="Viet" typeface="Arial"/>
+        <a:font script="Uigh" typeface="Microsoft Uighur"/>
+        <a:font script="Geor" typeface="Sylfaen"/>
+      </a:minorFont>
+    </a:fontScheme>
+    <a:fmtScheme name="Office">
+      <a:fillStyleLst>
+        <a:solidFill>
+          <a:schemeClr val="phClr"/>
+        </a:solidFill>
+        <a:gradFill rotWithShape="1">
+          <a:gsLst>
+            <a:gs pos="0">
+              <a:schemeClr val="phClr">
+                <a:tint val="50000"/>
+                <a:satMod val="300000"/>
+              </a:schemeClr>
+            </a:gs>
+            <a:gs pos="35000">
+              <a:schemeClr val="phClr">
+                <a:tint val="37000"/>
+                <a:satMod val="300000"/>
+              </a:schemeClr>
+            </a:gs>
+            <a:gs pos="100000">
+              <a:schemeClr val="phClr">
+                <a:tint val="15000"/>
+                <a:satMod val="350000"/>
+              </a:schemeClr>
+            </a:gs>
+          </a:gsLst>
+          <a:lin ang="16200000" scaled="1"/>
+        </a:gradFill>
+        <a:gradFill rotWithShape="1">
+          <a:gsLst>
+            <a:gs pos="0">
+              <a:schemeClr val="phClr">
+                <a:shade val="51000"/>
+                <a:satMod val="130000"/>
+              </a:schemeClr>
+            </a:gs>
+            <a:gs pos="80000">
+              <a:schemeClr val="phClr">
+                <a:shade val="93000"/>
+                <a:satMod val="130000"/>
+              </a:schemeClr>
+            </a:gs>
+            <a:gs pos="100000">
+              <a:schemeClr val="phClr">
+                <a:shade val="94000"/>
+                <a:satMod val="135000"/>
+              </a:schemeClr>
+            </a:gs>
+          </a:gsLst>
+          <a:lin ang="16200000" scaled="0"/>
+        </a:gradFill>
+      </a:fillStyleLst>
+      <a:lnStyleLst>
+        <a:ln w="9525" cap="flat" cmpd="sng" algn="ctr">
+          <a:solidFill>
+            <a:schemeClr val="phClr">
+              <a:shade val="95000"/>
+              <a:satMod val="105000"/>
+            </a:schemeClr>
+          </a:solidFill>
+          <a:prstDash val="solid"/>
+        </a:ln>
+        <a:ln w="25400" cap="flat" cmpd="sng" algn="ctr">
+          <a:solidFill>
+            <a:schemeClr val="phClr"/>
+          </a:solidFill>
+          <a:prstDash val="solid"/>
+        </a:ln>
+        <a:ln w="38100" cap="flat" cmpd="sng" algn="ctr">
+          <a:solidFill>
+            <a:schemeClr val="phClr"/>
+          </a:solidFill>
+          <a:prstDash val="solid"/>
+        </a:ln>
+      </a:lnStyleLst>
+      <a:effectStyleLst>
+        <a:effectStyle>
+          <a:effectLst>
+            <a:outerShdw blurRad="40000" dist="20000" dir="5400000" rotWithShape="0">
+              <a:srgbClr val="000000">
+                <a:alpha val="38000"/>
+              </a:srgbClr>
+            </a:outerShdw>
+          </a:effectLst>
+        </a:effectStyle>
+        <a:effectStyle>
+          <a:effectLst>
+            <a:outerShdw blurRad="40000" dist="23000" dir="5400000" rotWithShape="0">
+              <a:srgbClr val="000000">
+                <a:alpha val="35000"/>
+              </a:srgbClr>
+            </a:outerShdw>
+          </a:effectLst>
+        </a:effectStyle>
+        <a:effectStyle>
+          <a:effectLst>
+            <a:outerShdw blurRad="40000" dist="23000" dir="5400000" rotWithShape="0">
+              <a:srgbClr val="000000">
+                <a:alpha val="35000"/>
+              </a:srgbClr>
+            </a:outerShdw>
+          </a:effectLst>
+          <a:scene3d>
+            <a:camera prst="orthographicFront">
+              <a:rot lat="0" lon="0" rev="0"/>
+            </a:camera>
+            <a:lightRig rig="threePt" dir="t">
+              <a:rot lat="0" lon="0" rev="1200000"/>
+            </a:lightRig>
+          </a:scene3d>
+          <a:sp3d>
+            <a:bevelT w="63500" h="25400"/>
+          </a:sp3d>
+        </a:effectStyle>
+      </a:effectStyleLst>
+      <a:bgFillStyleLst>
+        <a:solidFill>
+          <a:schemeClr val="phClr"/>
+        </a:solidFill>
+        <a:gradFill rotWithShape="1">
+          <a:gsLst>
+            <a:gs pos="0">
+              <a:schemeClr val="phClr">
+                <a:tint val="40000"/>
+                <a:satMod val="350000"/>
+              </a:schemeClr>
+            </a:gs>
+            <a:gs pos="40000">
+              <a:schemeClr val="phClr">
+                <a:tint val="45000"/>
+                <a:shade val="99000"/>
+                <a:satMod val="350000"/>
+              </a:schemeClr>
+            </a:gs>
+            <a:gs pos="100000">
+              <a:schemeClr val="phClr">
+                <a:shade val="20000"/>
+                <a:satMod val="255000"/>
+              </a:schemeClr>
+            </a:gs>
+          </a:gsLst>
+          <a:path path="circle">
+            <a:fillToRect l="50000" t="-80000" r="50000" b="180000"/>
+          </a:path>
+        </a:gradFill>
+        <a:gradFill rotWithShape="1">
+          <a:gsLst>
+            <a:gs pos="0">
+              <a:schemeClr val="phClr">
+                <a:tint val="80000"/>
+                <a:satMod val="300000"/>
+              </a:schemeClr>
+            </a:gs>
+            <a:gs pos="100000">
+              <a:schemeClr val="phClr">
+                <a:shade val="30000"/>
+                <a:satMod val="200000"/>
+              </a:schemeClr>
+            </a:gs>
+          </a:gsLst>
+          <a:path path="circle">
+            <a:fillToRect l="50000" t="50000" r="50000" b="50000"/>
+          </a:path>
+        </a:gradFill>
+      </a:bgFillStyleLst>
+    </a:fmtScheme>
+  </a:themeElements>
+  <a:objectDefaults/>
+  <a:extraClrSchemeLst>
+    <a:extraClrScheme>
+      <a:clrScheme name="Special Animation 1">
+        <a:dk1>
+          <a:srgbClr val="000000"/>
+        </a:dk1>
+        <a:lt1>
+          <a:srgbClr val="FFFFFF"/>
+        </a:lt1>
+        <a:dk2>
+          <a:srgbClr val="000000"/>
+        </a:dk2>
+        <a:lt2>
+          <a:srgbClr val="808080"/>
+        </a:lt2>
+        <a:accent1>
+          <a:srgbClr val="BBE0E3"/>
+        </a:accent1>
+        <a:accent2>
+          <a:srgbClr val="333399"/>
+        </a:accent2>
+        <a:accent3>
+          <a:srgbClr val="FFFFFF"/>
+        </a:accent3>
+        <a:accent4>
+          <a:srgbClr val="000000"/>
+        </a:accent4>
+        <a:accent5>
+          <a:srgbClr val="DAEDEF"/>
+        </a:accent5>
+        <a:accent6>
+          <a:srgbClr val="2D2D8A"/>
+        </a:accent6>
+        <a:hlink>
+          <a:srgbClr val="009999"/>
+        </a:hlink>
+        <a:folHlink>
+          <a:srgbClr val="99CC00"/>
+        </a:folHlink>
+      </a:clrScheme>
+      <a:clrMap bg1="lt1" tx1="dk1" bg2="lt2" tx2="dk2" accent1="accent1" accent2="accent2" accent3="accent3" accent4="accent4" accent5="accent5" accent6="accent6" hlink="hlink" folHlink="folHlink"/>
+    </a:extraClrScheme>
+    <a:extraClrScheme>
+      <a:clrScheme name="Special Animation 2">
+        <a:dk1>
+          <a:srgbClr val="000000"/>
+        </a:dk1>
+        <a:lt1>
+          <a:srgbClr val="FFFFFF"/>
+        </a:lt1>
+        <a:dk2>
+          <a:srgbClr val="000000"/>
+        </a:dk2>
+        <a:lt2>
+          <a:srgbClr val="969696"/>
+        </a:lt2>
+        <a:accent1>
+          <a:srgbClr val="FBDF53"/>
+        </a:accent1>
+        <a:accent2>
+          <a:srgbClr val="FF9966"/>
+        </a:accent2>
+        <a:accent3>
+          <a:srgbClr val="FFFFFF"/>
+        </a:accent3>
+        <a:accent4>
+          <a:srgbClr val="000000"/>
+        </a:accent4>
+        <a:accent5>
+          <a:srgbClr val="FDECB3"/>
+        </a:accent5>
+        <a:accent6>
+          <a:srgbClr val="E78A5C"/>
+        </a:accent6>
+        <a:hlink>
+          <a:srgbClr val="CC3300"/>
+        </a:hlink>
+        <a:folHlink>
+          <a:srgbClr val="996600"/>
+        </a:folHlink>
+      </a:clrScheme>
+      <a:clrMap bg1="lt1" tx1="dk1" bg2="lt2" tx2="dk2" accent1="accent1" accent2="accent2" accent3="accent3" accent4="accent4" accent5="accent5" accent6="accent6" hlink="hlink" folHlink="folHlink"/>
+    </a:extraClrScheme>
+    <a:extraClrScheme>
+      <a:clrScheme name="Special Animation 3">
+        <a:dk1>
+          <a:srgbClr val="000000"/>
+        </a:dk1>
+        <a:lt1>
+          <a:srgbClr val="FFFFFF"/>
+        </a:lt1>
+        <a:dk2>
+          <a:srgbClr val="000000"/>
+        </a:dk2>
+        <a:lt2>
+          <a:srgbClr val="808080"/>
+        </a:lt2>
+        <a:accent1>
+          <a:srgbClr val="99CCFF"/>
+        </a:accent1>
+        <a:accent2>
+          <a:srgbClr val="CCCCFF"/>
+        </a:accent2>
+        <a:accent3>
+          <a:srgbClr val="FFFFFF"/>
+        </a:accent3>
+        <a:accent4>
+          <a:srgbClr val="000000"/>
+        </a:accent4>
+        <a:accent5>
+          <a:srgbClr val="CAE2FF"/>
+        </a:accent5>
+        <a:accent6>
+          <a:srgbClr val="B9B9E7"/>
+        </a:accent6>
+        <a:hlink>
+          <a:srgbClr val="3333CC"/>
+        </a:hlink>
+        <a:folHlink>
+          <a:srgbClr val="AF67FF"/>
+        </a:folHlink>
+      </a:clrScheme>
+      <a:clrMap bg1="lt1" tx1="dk1" bg2="lt2" tx2="dk2" accent1="accent1" accent2="accent2" accent3="accent3" accent4="accent4" accent5="accent5" accent6="accent6" hlink="hlink" folHlink="folHlink"/>
+    </a:extraClrScheme>
+    <a:extraClrScheme>
+      <a:clrScheme name="Special Animation 4">
+        <a:dk1>
+          <a:srgbClr val="000000"/>
+        </a:dk1>
+        <a:lt1>
+          <a:srgbClr val="DEF6F1"/>
+        </a:lt1>
+        <a:dk2>
+          <a:srgbClr val="000000"/>
+        </a:dk2>
+        <a:lt2>
+          <a:srgbClr val="969696"/>
+        </a:lt2>
+        <a:accent1>
+          <a:srgbClr val="FFFFFF"/>
+        </a:accent1>
+        <a:accent2>
+          <a:srgbClr val="8DC6FF"/>
+        </a:accent2>
+        <a:accent3>
+          <a:srgbClr val="ECFAF7"/>
+        </a:accent3>
+        <a:accent4>
+          <a:srgbClr val="000000"/>
+        </a:accent4>
+        <a:accent5>
+          <a:srgbClr val="FFFFFF"/>
+        </a:accent5>
+        <a:accent6>
+          <a:srgbClr val="7FB3E7"/>
+        </a:accent6>
+        <a:hlink>
+          <a:srgbClr val="0066CC"/>
+        </a:hlink>
+        <a:folHlink>
+          <a:srgbClr val="00A800"/>
+        </a:folHlink>
+      </a:clrScheme>
+      <a:clrMap bg1="lt1" tx1="dk1" bg2="lt2" tx2="dk2" accent1="accent1" accent2="accent2" accent3="accent3" accent4="accent4" accent5="accent5" accent6="accent6" hlink="hlink" folHlink="folHlink"/>
+    </a:extraClrScheme>
+    <a:extraClrScheme>
+      <a:clrScheme name="Special Animation 5">
+        <a:dk1>
+          <a:srgbClr val="000000"/>
+        </a:dk1>
+        <a:lt1>
+          <a:srgbClr val="FFFFD9"/>
+        </a:lt1>
+        <a:dk2>
+          <a:srgbClr val="000000"/>
+        </a:dk2>
+        <a:lt2>
+          <a:srgbClr val="777777"/>
+        </a:lt2>
+        <a:accent1>
+          <a:srgbClr val="FFFFF7"/>
+        </a:accent1>
+        <a:accent2>
+          <a:srgbClr val="33CCCC"/>
+        </a:accent2>
+        <a:accent3>
+          <a:srgbClr val="FFFFE9"/>
+        </a:accent3>
+        <a:accent4>
+          <a:srgbClr val="000000"/>
+        </a:accent4>
+        <a:accent5>
+          <a:srgbClr val="FFFFFA"/>
+        </a:accent5>
+        <a:accent6>
+          <a:srgbClr val="2DB9B9"/>
+        </a:accent6>
+        <a:hlink>
+          <a:srgbClr val="FF5050"/>
+        </a:hlink>
+        <a:folHlink>
+          <a:srgbClr val="FF9900"/>
+        </a:folHlink>
+      </a:clrScheme>
+      <a:clrMap bg1="lt1" tx1="dk1" bg2="lt2" tx2="dk2" accent1="accent1" accent2="accent2" accent3="accent3" accent4="accent4" accent5="accent5" accent6="accent6" hlink="hlink" folHlink="folHlink"/>
+    </a:extraClrScheme>
+    <a:extraClrScheme>
+      <a:clrScheme name="Special Animation 6">
+        <a:dk1>
+          <a:srgbClr val="005A58"/>
+        </a:dk1>
+        <a:lt1>
+          <a:srgbClr val="FFFFFF"/>
+        </a:lt1>
+        <a:dk2>
+          <a:srgbClr val="008080"/>
+        </a:dk2>
+        <a:lt2>
+          <a:srgbClr val="FFFF99"/>
+        </a:lt2>
+        <a:accent1>
+          <a:srgbClr val="006462"/>
+        </a:accent1>
+        <a:accent2>
+          <a:srgbClr val="6D6FC7"/>
+        </a:accent2>
+        <a:accent3>
+          <a:srgbClr val="AAC0C0"/>
+        </a:accent3>
+        <a:accent4>
+          <a:srgbClr val="DADADA"/>
+        </a:accent4>
+        <a:accent5>
+          <a:srgbClr val="AAB8B7"/>
+        </a:accent5>
+        <a:accent6>
+          <a:srgbClr val="6264B4"/>
+        </a:accent6>
+        <a:hlink>
+          <a:srgbClr val="00FFFF"/>
+        </a:hlink>
+        <a:folHlink>
+          <a:srgbClr val="00FF00"/>
+        </a:folHlink>
+      </a:clrScheme>
+      <a:clrMap bg1="dk2" tx1="lt1" bg2="dk1" tx2="lt2" accent1="accent1" accent2="accent2" accent3="accent3" accent4="accent4" accent5="accent5" accent6="accent6" hlink="hlink" folHlink="folHlink"/>
+    </a:extraClrScheme>
+    <a:extraClrScheme>
+      <a:clrScheme name="Special Animation 7">
+        <a:dk1>
+          <a:srgbClr val="5C1F00"/>
+        </a:dk1>
+        <a:lt1>
+          <a:srgbClr val="FFFFFF"/>
+        </a:lt1>
+        <a:dk2>
+          <a:srgbClr val="800000"/>
+        </a:dk2>
+        <a:lt2>
+          <a:srgbClr val="DFD293"/>
+        </a:lt2>
+        <a:accent1>
+          <a:srgbClr val="CC3300"/>
+        </a:accent1>
+        <a:accent2>
+          <a:srgbClr val="BE7960"/>
+        </a:accent2>
+        <a:accent3>
+          <a:srgbClr val="C0AAAA"/>
+        </a:accent3>
+        <a:accent4>
+          <a:srgbClr val="DADADA"/>
+        </a:accent4>
+        <a:accent5>
+          <a:srgbClr val="E2ADAA"/>
+        </a:accent5>
+        <a:accent6>
+          <a:srgbClr val="AC6D56"/>
+        </a:accent6>
+        <a:hlink>
+          <a:srgbClr val="FFFF99"/>
+        </a:hlink>
+        <a:folHlink>
+          <a:srgbClr val="D3A219"/>
+        </a:folHlink>
+      </a:clrScheme>
+      <a:clrMap bg1="dk2" tx1="lt1" bg2="dk1" tx2="lt2" accent1="accent1" accent2="accent2" accent3="accent3" accent4="accent4" accent5="accent5" accent6="accent6" hlink="hlink" folHlink="folHlink"/>
+    </a:extraClrScheme>
+    <a:extraClrScheme>
+      <a:clrScheme name="Special Animation 8">
+        <a:dk1>
+          <a:srgbClr val="003366"/>
+        </a:dk1>
+        <a:lt1>
+          <a:srgbClr val="FFFFFF"/>
+        </a:lt1>
+        <a:dk2>
+          <a:srgbClr val="000099"/>
+        </a:dk2>
+        <a:lt2>
+          <a:srgbClr val="CCFFFF"/>
+        </a:lt2>
+        <a:accent1>
+          <a:srgbClr val="3366CC"/>
+        </a:accent1>
+        <a:accent2>
+          <a:srgbClr val="00B000"/>
+        </a:accent2>
+        <a:accent3>
+          <a:srgbClr val="AAAACA"/>
+        </a:accent3>
+        <a:accent4>
+          <a:srgbClr val="DADADA"/>
+        </a:accent4>
+        <a:accent5>
+          <a:srgbClr val="ADB8E2"/>
+        </a:accent5>
+        <a:accent6>
+          <a:srgbClr val="009F00"/>
+        </a:accent6>
+        <a:hlink>
+          <a:srgbClr val="66CCFF"/>
+        </a:hlink>
+        <a:folHlink>
+          <a:srgbClr val="FFE701"/>
+        </a:folHlink>
+      </a:clrScheme>
+      <a:clrMap bg1="dk2" tx1="lt1" bg2="dk1" tx2="lt2" accent1="accent1" accent2="accent2" accent3="accent3" accent4="accent4" accent5="accent5" accent6="accent6" hlink="hlink" folHlink="folHlink"/>
+    </a:extraClrScheme>
+    <a:extraClrScheme>
+      <a:clrScheme name="Special Animation 9">
+        <a:dk1>
+          <a:srgbClr val="336699"/>
+        </a:dk1>
+        <a:lt1>
+          <a:srgbClr val="FFFFFF"/>
+        </a:lt1>
+        <a:dk2>
+          <a:srgbClr val="000000"/>
+        </a:dk2>
+        <a:lt2>
+          <a:srgbClr val="E3EBF1"/>
+        </a:lt2>
+        <a:accent1>
+          <a:srgbClr val="003399"/>
+        </a:accent1>
+        <a:accent2>
+          <a:srgbClr val="468A4B"/>
+        </a:accent2>
+        <a:accent3>
+          <a:srgbClr val="AAAAAA"/>
+        </a:accent3>
+        <a:accent4>
+          <a:srgbClr val="DADADA"/>
+        </a:accent4>
+        <a:accent5>
+          <a:srgbClr val="AAADCA"/>
+        </a:accent5>
+        <a:accent6>
+          <a:srgbClr val="3F7D43"/>
+        </a:accent6>
+        <a:hlink>
+          <a:srgbClr val="66CCFF"/>
+        </a:hlink>
+        <a:folHlink>
+          <a:srgbClr val="F0E500"/>
+        </a:folHlink>
+      </a:clrScheme>
+      <a:clrMap bg1="dk2" tx1="lt1" bg2="dk1" tx2="lt2" accent1="accent1" accent2="accent2" accent3="accent3" accent4="accent4" accent5="accent5" accent6="accent6" hlink="hlink" folHlink="folHlink"/>
+    </a:extraClrScheme>
+    <a:extraClrScheme>
+      <a:clrScheme name="Special Animation 10">
+        <a:dk1>
+          <a:srgbClr val="777777"/>
+        </a:dk1>
+        <a:lt1>
+          <a:srgbClr val="FFFFFF"/>
+        </a:lt1>
+        <a:dk2>
+          <a:srgbClr val="686B5D"/>
+        </a:dk2>
+        <a:lt2>
+          <a:srgbClr val="D1D1CB"/>
+        </a:lt2>
+        <a:accent1>
+          <a:srgbClr val="909082"/>
+        </a:accent1>
+        <a:accent2>
+          <a:srgbClr val="809EA8"/>
+        </a:accent2>
+        <a:accent3>
+          <a:srgbClr val="B9BAB6"/>
+        </a:accent3>
+        <a:accent4>
+          <a:srgbClr val="DADADA"/>
+        </a:accent4>
+        <a:accent5>
+          <a:srgbClr val="C6C6C1"/>
+        </a:accent5>
+        <a:accent6>
+          <a:srgbClr val="738F98"/>
+        </a:accent6>
+        <a:hlink>
+          <a:srgbClr val="FFCC66"/>
+        </a:hlink>
+        <a:folHlink>
+          <a:srgbClr val="E9DCB9"/>
+        </a:folHlink>
+      </a:clrScheme>
+      <a:clrMap bg1="dk2" tx1="lt1" bg2="dk1" tx2="lt2" accent1="accent1" accent2="accent2" accent3="accent3" accent4="accent4" accent5="accent5" accent6="accent6" hlink="hlink" folHlink="folHlink"/>
+    </a:extraClrScheme>
+    <a:extraClrScheme>
+      <a:clrScheme name="Special Animation 11">
+        <a:dk1>
+          <a:srgbClr val="3E3E5C"/>
+        </a:dk1>
+        <a:lt1>
+          <a:srgbClr val="FFFFFF"/>
+        </a:lt1>
+        <a:dk2>
+          <a:srgbClr val="666699"/>
+        </a:dk2>
+        <a:lt2>
+          <a:srgbClr val="FFFFFF"/>
+        </a:lt2>
+        <a:accent1>
+          <a:srgbClr val="60597B"/>
+        </a:accent1>
+        <a:accent2>
+          <a:srgbClr val="6666FF"/>
+        </a:accent2>
+        <a:accent3>
+          <a:srgbClr val="B8B8CA"/>
+        </a:accent3>
+        <a:accent4>
+          <a:srgbClr val="DADADA"/>
+        </a:accent4>
+        <a:accent5>
+          <a:srgbClr val="B6B5BF"/>
+        </a:accent5>
+        <a:accent6>
+          <a:srgbClr val="5C5CE7"/>
+        </a:accent6>
+        <a:hlink>
+          <a:srgbClr val="99CCFF"/>
+        </a:hlink>
+        <a:folHlink>
+          <a:srgbClr val="FFFF99"/>
+        </a:folHlink>
+      </a:clrScheme>
+      <a:clrMap bg1="dk2" tx1="lt1" bg2="dk1" tx2="lt2" accent1="accent1" accent2="accent2" accent3="accent3" accent4="accent4" accent5="accent5" accent6="accent6" hlink="hlink" folHlink="folHlink"/>
+    </a:extraClrScheme>
+    <a:extraClrScheme>
+      <a:clrScheme name="Special Animation 12">
+        <a:dk1>
+          <a:srgbClr val="2D2015"/>
+        </a:dk1>
+        <a:lt1>
+          <a:srgbClr val="FFFFFF"/>
+        </a:lt1>
+        <a:dk2>
+          <a:srgbClr val="523E26"/>
+        </a:dk2>
+        <a:lt2>
+          <a:srgbClr val="DFC08D"/>
+        </a:lt2>
+        <a:accent1>
+          <a:srgbClr val="8C7B70"/>
+        </a:accent1>
+        <a:accent2>
+          <a:srgbClr val="8F5F2F"/>
+        </a:accent2>
+        <a:accent3>
+          <a:srgbClr val="B3AFAC"/>
+        </a:accent3>
+        <a:accent4>
+          <a:srgbClr val="DADADA"/>
+        </a:accent4>
+        <a:accent5>
+          <a:srgbClr val="C5BFBB"/>
+        </a:accent5>
+        <a:accent6>
+          <a:srgbClr val="81552A"/>
+        </a:accent6>
+        <a:hlink>
+          <a:srgbClr val="CCB400"/>
+        </a:hlink>
+        <a:folHlink>
+          <a:srgbClr val="8C9EA0"/>
+        </a:folHlink>
+      </a:clrScheme>
+      <a:clrMap bg1="dk2" tx1="lt1" bg2="dk1" tx2="lt2" accent1="accent1" accent2="accent2" accent3="accent3" accent4="accent4" accent5="accent5" accent6="accent6" hlink="hlink" folHlink="folHlink"/>
+    </a:extraClrScheme>
+  </a:extraClrSchemeLst>
+</a:theme>
 </file>